--- a/studies/Sal Mdjareb BP Deck  project V.1.pptx
+++ b/studies/Sal Mdjareb BP Deck  project V.1.pptx
@@ -6,10 +6,10 @@
     <p:sldMasterId id="2147483660" r:id="rId5"/>
   </p:sldMasterIdLst>
   <p:notesMasterIdLst>
-    <p:notesMasterId r:id="rId25"/>
+    <p:notesMasterId r:id="rId27"/>
   </p:notesMasterIdLst>
   <p:handoutMasterIdLst>
-    <p:handoutMasterId r:id="rId26"/>
+    <p:handoutMasterId r:id="rId28"/>
   </p:handoutMasterIdLst>
   <p:sldIdLst>
     <p:sldId id="1517" r:id="rId6"/>
@@ -24,13 +24,15 @@
     <p:sldId id="1722" r:id="rId15"/>
     <p:sldId id="1705" r:id="rId16"/>
     <p:sldId id="1725" r:id="rId17"/>
-    <p:sldId id="1724" r:id="rId18"/>
-    <p:sldId id="1720" r:id="rId19"/>
-    <p:sldId id="1697" r:id="rId20"/>
-    <p:sldId id="1723" r:id="rId21"/>
-    <p:sldId id="1650" r:id="rId22"/>
-    <p:sldId id="1676" r:id="rId23"/>
-    <p:sldId id="1565" r:id="rId24"/>
+    <p:sldId id="1726" r:id="rId18"/>
+    <p:sldId id="1727" r:id="rId19"/>
+    <p:sldId id="1724" r:id="rId20"/>
+    <p:sldId id="1720" r:id="rId21"/>
+    <p:sldId id="1697" r:id="rId22"/>
+    <p:sldId id="1723" r:id="rId23"/>
+    <p:sldId id="1650" r:id="rId24"/>
+    <p:sldId id="1676" r:id="rId25"/>
+    <p:sldId id="1565" r:id="rId26"/>
   </p:sldIdLst>
   <p:sldSz cx="12192000" cy="6858000"/>
   <p:notesSz cx="6858000" cy="9144000"/>
@@ -231,7 +233,7 @@
           <a:p>
             <a:fld id="{91236C71-591E-4291-8F8A-3D86416F5ED2}" type="datetimeFigureOut">
               <a:rPr lang="fr-FR" smtClean="0"/>
-              <a:t>25/06/2022</a:t>
+              <a:t>26/06/2022</a:t>
             </a:fld>
             <a:endParaRPr lang="fr-FR"/>
           </a:p>
@@ -309,7 +311,7 @@
           <a:p>
             <a:fld id="{0C644500-01DB-4577-BF0A-9F250E85D647}" type="slidenum">
               <a:rPr lang="fr-FR" smtClean="0"/>
-              <a:t>‹#›</a:t>
+              <a:t>‹N°›</a:t>
             </a:fld>
             <a:endParaRPr lang="fr-FR"/>
           </a:p>
@@ -358,7 +360,7 @@
   <inkml:trace contextRef="#ctx0" brushRef="#br0" timeOffset="2633.0363">2341 9613 0,'0'24'32,"25"26"-32,0 0 15,24-25-15,-24 25 16,-25-25-16,25 25 16,0 24-16,0-24 15,0-25-15,-25 0 16</inkml:trace>
   <inkml:trace contextRef="#ctx0" brushRef="#br0" timeOffset="2904.0027">2490 8890 0</inkml:trace>
   <inkml:trace contextRef="#ctx0" brushRef="#br0" timeOffset="3713.0928">6574 7371 0,'-25'100'0,"0"0"15,0-1-15,1 26 16,24-26-16,0 1 16,24-25-16,26-1 15,-25 1-15,25-25 16,50 0-16,-26-50 16,1 0-16,0 0 15,-26-50-15,51-25 16,-25-49-16,-50 24 15,0-49-15,-1-1 16,-24 26-16,-49-100 16,-1 49-16,-25 51 15,50 24-15,-25 50 16,26 25-16,-26 1 16,25 24-16,0 0 15,-25 0-15,25 24 16</inkml:trace>
-  <inkml:trace contextRef="#ctx0" brushRef="#br0" timeOffset="4328.9838">7769 7347 0,'0'0'0,"50"0"15,-25 24 1,25 26 0,-25 0-16,0 0 15,0 0-15,0-1 16,24 26-16,-24-50 16,0 25-16,0 0 15,0 24-15,0-24 16,0-25-16,-25 25 15,25-25-15,0-25 16,-25 25-16,24-25 31,-24-50-15,50 0-16,-25 0 16,0 0-16,0-24 15,25-26-15</inkml:trace>
+  <inkml:trace contextRef="#ctx0" brushRef="#br0" timeOffset="4328.9837">7769 7347 0,'0'0'0,"50"0"15,-25 24 1,25 26 0,-25 0-16,0 0 15,0 0-15,0-1 16,24 26-16,-24-50 16,0 25-16,0 0 15,0 24-15,0-24 16,0-25-16,-25 25 15,25-25-15,0-25 16,-25 25-16,24-25 31,-24-50-15,50 0-16,-25 0 16,0 0-16,0-24 15,25-26-15</inkml:trace>
   <inkml:trace contextRef="#ctx0" brushRef="#br0" timeOffset="4640.1919">8516 7571 0,'25'-50'15,"25"25"-15,-25 0 16,0 0 0,0 25-1,0 25 1,-25 0 0,25 25-16,24 0 15,-24-1 1,0 1-16,0 0 15,25-25-15,-25 25 16,25-25-16,24 24 16,-49-49-16,0 0 15,25 0-15,0 0 16,0 0-16,-1 0 16,1-25-16,-25-24 15,0 24-15,0-25 16,0 25-16,-25 0 15</inkml:trace>
   <inkml:trace contextRef="#ctx0" brushRef="#br0" timeOffset="5240.786">10035 7546 0,'0'50'0,"0"-1"16,0 1-16,25 0 15,-25 0 1,25 0-16,-25 24 16,0-49-16,0 0 15,25 25-15,0-50 16,-25 25-16,25-25 16,-25 25-16,25-25 15,25 0 1,-25 0-16,0 0 15,-1 0-15,1-25 16</inkml:trace>
   <inkml:trace contextRef="#ctx0" brushRef="#br0" timeOffset="5568.0342">10633 7820 0,'0'-25'78,"25"25"-78,-25-25 16,25 25 0</inkml:trace>
@@ -466,7 +468,7 @@
           <a:p>
             <a:fld id="{4B7A6937-C40A-42AA-916B-05050D359ACD}" type="datetimeFigureOut">
               <a:rPr lang="en-HK" smtClean="0"/>
-              <a:t>25/6/2022</a:t>
+              <a:t>26/6/2022</a:t>
             </a:fld>
             <a:endParaRPr lang="en-HK" dirty="0"/>
           </a:p>
@@ -625,7 +627,7 @@
           <a:p>
             <a:fld id="{7C8369C1-4316-42F0-8413-EE6AD3FBDDCD}" type="slidenum">
               <a:rPr lang="en-HK" smtClean="0"/>
-              <a:t>‹#›</a:t>
+              <a:t>‹N°›</a:t>
             </a:fld>
             <a:endParaRPr lang="en-HK" dirty="0"/>
           </a:p>
@@ -1145,7 +1147,7 @@
     </p:spTree>
     <p:extLst>
       <p:ext uri="{BB962C8B-B14F-4D97-AF65-F5344CB8AC3E}">
-        <p14:creationId xmlns:p14="http://schemas.microsoft.com/office/powerpoint/2010/main" val="981294550"/>
+        <p14:creationId xmlns:p14="http://schemas.microsoft.com/office/powerpoint/2010/main" val="143565472"/>
       </p:ext>
     </p:extLst>
   </p:cSld>
@@ -1229,7 +1231,7 @@
     </p:spTree>
     <p:extLst>
       <p:ext uri="{BB962C8B-B14F-4D97-AF65-F5344CB8AC3E}">
-        <p14:creationId xmlns:p14="http://schemas.microsoft.com/office/powerpoint/2010/main" val="1864854254"/>
+        <p14:creationId xmlns:p14="http://schemas.microsoft.com/office/powerpoint/2010/main" val="2152092195"/>
       </p:ext>
     </p:extLst>
   </p:cSld>
@@ -1305,6 +1307,174 @@
             <a:fld id="{7C8369C1-4316-42F0-8413-EE6AD3FBDDCD}" type="slidenum">
               <a:rPr lang="en-HK" smtClean="0"/>
               <a:t>15</a:t>
+            </a:fld>
+            <a:endParaRPr lang="en-HK" dirty="0"/>
+          </a:p>
+        </p:txBody>
+      </p:sp>
+    </p:spTree>
+    <p:extLst>
+      <p:ext uri="{BB962C8B-B14F-4D97-AF65-F5344CB8AC3E}">
+        <p14:creationId xmlns:p14="http://schemas.microsoft.com/office/powerpoint/2010/main" val="981294550"/>
+      </p:ext>
+    </p:extLst>
+  </p:cSld>
+  <p:clrMapOvr>
+    <a:masterClrMapping/>
+  </p:clrMapOvr>
+</p:notes>
+</file>
+
+<file path=ppt/notesSlides/notesSlide8.xml><?xml version="1.0" encoding="utf-8"?>
+<p:notes xmlns:a="http://schemas.openxmlformats.org/drawingml/2006/main" xmlns:r="http://schemas.openxmlformats.org/officeDocument/2006/relationships" xmlns:p="http://schemas.openxmlformats.org/presentationml/2006/main">
+  <p:cSld>
+    <p:spTree>
+      <p:nvGrpSpPr>
+        <p:cNvPr id="1" name=""/>
+        <p:cNvGrpSpPr/>
+        <p:nvPr/>
+      </p:nvGrpSpPr>
+      <p:grpSpPr>
+        <a:xfrm>
+          <a:off x="0" y="0"/>
+          <a:ext cx="0" cy="0"/>
+          <a:chOff x="0" y="0"/>
+          <a:chExt cx="0" cy="0"/>
+        </a:xfrm>
+      </p:grpSpPr>
+      <p:sp>
+        <p:nvSpPr>
+          <p:cNvPr id="2" name="Slide Image Placeholder 1"/>
+          <p:cNvSpPr>
+            <a:spLocks noGrp="1" noRot="1" noChangeAspect="1"/>
+          </p:cNvSpPr>
+          <p:nvPr>
+            <p:ph type="sldImg"/>
+          </p:nvPr>
+        </p:nvSpPr>
+        <p:spPr/>
+      </p:sp>
+      <p:sp>
+        <p:nvSpPr>
+          <p:cNvPr id="3" name="Notes Placeholder 2"/>
+          <p:cNvSpPr>
+            <a:spLocks noGrp="1"/>
+          </p:cNvSpPr>
+          <p:nvPr>
+            <p:ph type="body" idx="1"/>
+          </p:nvPr>
+        </p:nvSpPr>
+        <p:spPr/>
+        <p:txBody>
+          <a:bodyPr/>
+          <a:lstStyle/>
+          <a:p>
+            <a:endParaRPr lang="en-HK" dirty="0"/>
+          </a:p>
+        </p:txBody>
+      </p:sp>
+      <p:sp>
+        <p:nvSpPr>
+          <p:cNvPr id="4" name="Slide Number Placeholder 3"/>
+          <p:cNvSpPr>
+            <a:spLocks noGrp="1"/>
+          </p:cNvSpPr>
+          <p:nvPr>
+            <p:ph type="sldNum" sz="quarter" idx="5"/>
+          </p:nvPr>
+        </p:nvSpPr>
+        <p:spPr/>
+        <p:txBody>
+          <a:bodyPr/>
+          <a:lstStyle/>
+          <a:p>
+            <a:fld id="{7C8369C1-4316-42F0-8413-EE6AD3FBDDCD}" type="slidenum">
+              <a:rPr lang="en-HK" smtClean="0"/>
+              <a:t>16</a:t>
+            </a:fld>
+            <a:endParaRPr lang="en-HK" dirty="0"/>
+          </a:p>
+        </p:txBody>
+      </p:sp>
+    </p:spTree>
+    <p:extLst>
+      <p:ext uri="{BB962C8B-B14F-4D97-AF65-F5344CB8AC3E}">
+        <p14:creationId xmlns:p14="http://schemas.microsoft.com/office/powerpoint/2010/main" val="1864854254"/>
+      </p:ext>
+    </p:extLst>
+  </p:cSld>
+  <p:clrMapOvr>
+    <a:masterClrMapping/>
+  </p:clrMapOvr>
+</p:notes>
+</file>
+
+<file path=ppt/notesSlides/notesSlide9.xml><?xml version="1.0" encoding="utf-8"?>
+<p:notes xmlns:a="http://schemas.openxmlformats.org/drawingml/2006/main" xmlns:r="http://schemas.openxmlformats.org/officeDocument/2006/relationships" xmlns:p="http://schemas.openxmlformats.org/presentationml/2006/main">
+  <p:cSld>
+    <p:spTree>
+      <p:nvGrpSpPr>
+        <p:cNvPr id="1" name=""/>
+        <p:cNvGrpSpPr/>
+        <p:nvPr/>
+      </p:nvGrpSpPr>
+      <p:grpSpPr>
+        <a:xfrm>
+          <a:off x="0" y="0"/>
+          <a:ext cx="0" cy="0"/>
+          <a:chOff x="0" y="0"/>
+          <a:chExt cx="0" cy="0"/>
+        </a:xfrm>
+      </p:grpSpPr>
+      <p:sp>
+        <p:nvSpPr>
+          <p:cNvPr id="2" name="Slide Image Placeholder 1"/>
+          <p:cNvSpPr>
+            <a:spLocks noGrp="1" noRot="1" noChangeAspect="1"/>
+          </p:cNvSpPr>
+          <p:nvPr>
+            <p:ph type="sldImg"/>
+          </p:nvPr>
+        </p:nvSpPr>
+        <p:spPr/>
+      </p:sp>
+      <p:sp>
+        <p:nvSpPr>
+          <p:cNvPr id="3" name="Notes Placeholder 2"/>
+          <p:cNvSpPr>
+            <a:spLocks noGrp="1"/>
+          </p:cNvSpPr>
+          <p:nvPr>
+            <p:ph type="body" idx="1"/>
+          </p:nvPr>
+        </p:nvSpPr>
+        <p:spPr/>
+        <p:txBody>
+          <a:bodyPr/>
+          <a:lstStyle/>
+          <a:p>
+            <a:endParaRPr lang="en-HK" dirty="0"/>
+          </a:p>
+        </p:txBody>
+      </p:sp>
+      <p:sp>
+        <p:nvSpPr>
+          <p:cNvPr id="4" name="Slide Number Placeholder 3"/>
+          <p:cNvSpPr>
+            <a:spLocks noGrp="1"/>
+          </p:cNvSpPr>
+          <p:nvPr>
+            <p:ph type="sldNum" sz="quarter" idx="5"/>
+          </p:nvPr>
+        </p:nvSpPr>
+        <p:spPr/>
+        <p:txBody>
+          <a:bodyPr/>
+          <a:lstStyle/>
+          <a:p>
+            <a:fld id="{7C8369C1-4316-42F0-8413-EE6AD3FBDDCD}" type="slidenum">
+              <a:rPr lang="en-HK" smtClean="0"/>
+              <a:t>17</a:t>
             </a:fld>
             <a:endParaRPr lang="en-HK" dirty="0"/>
           </a:p>
@@ -1472,7 +1642,7 @@
           <a:p>
             <a:fld id="{5144D058-6FDB-4BC1-95ED-FC754EA608BA}" type="datetime1">
               <a:rPr lang="en-HK" smtClean="0"/>
-              <a:t>25/6/2022</a:t>
+              <a:t>26/6/2022</a:t>
             </a:fld>
             <a:endParaRPr lang="en-HK" dirty="0"/>
           </a:p>
@@ -1530,7 +1700,7 @@
           <a:p>
             <a:fld id="{B2D2221E-05DD-4B1B-A8F3-3C8922C95192}" type="slidenum">
               <a:rPr lang="en-HK" smtClean="0"/>
-              <a:t>‹#›</a:t>
+              <a:t>‹N°›</a:t>
             </a:fld>
             <a:endParaRPr lang="en-HK" dirty="0"/>
           </a:p>
@@ -1676,7 +1846,7 @@
           <a:p>
             <a:fld id="{7B79ED27-1F42-46A6-840E-A0F90C2C3B1B}" type="datetime1">
               <a:rPr lang="en-HK" smtClean="0"/>
-              <a:t>25/6/2022</a:t>
+              <a:t>26/6/2022</a:t>
             </a:fld>
             <a:endParaRPr lang="en-HK" dirty="0"/>
           </a:p>
@@ -1734,7 +1904,7 @@
           <a:p>
             <a:fld id="{B2D2221E-05DD-4B1B-A8F3-3C8922C95192}" type="slidenum">
               <a:rPr lang="en-HK" smtClean="0"/>
-              <a:t>‹#›</a:t>
+              <a:t>‹N°›</a:t>
             </a:fld>
             <a:endParaRPr lang="en-HK" dirty="0"/>
           </a:p>
@@ -1890,7 +2060,7 @@
           <a:p>
             <a:fld id="{CB078FCD-96E1-4F10-A224-DBB8FE5F9A94}" type="datetime1">
               <a:rPr lang="en-HK" smtClean="0"/>
-              <a:t>25/6/2022</a:t>
+              <a:t>26/6/2022</a:t>
             </a:fld>
             <a:endParaRPr lang="en-HK" dirty="0"/>
           </a:p>
@@ -1948,7 +2118,7 @@
           <a:p>
             <a:fld id="{B2D2221E-05DD-4B1B-A8F3-3C8922C95192}" type="slidenum">
               <a:rPr lang="en-HK" smtClean="0"/>
-              <a:t>‹#›</a:t>
+              <a:t>‹N°›</a:t>
             </a:fld>
             <a:endParaRPr lang="en-HK" dirty="0"/>
           </a:p>
@@ -2124,7 +2294,7 @@
           <a:p>
             <a:fld id="{041C6976-BE5D-4658-9F25-132912CB2553}" type="slidenum">
               <a:rPr lang="en-HK" sz="1400" b="0" smtClean="0"/>
-              <a:t>‹#›</a:t>
+              <a:t>‹N°›</a:t>
             </a:fld>
             <a:endParaRPr lang="en-HK" sz="1400" b="0" dirty="0"/>
           </a:p>
@@ -2360,7 +2530,7 @@
           <a:p>
             <a:fld id="{041C6976-BE5D-4658-9F25-132912CB2553}" type="slidenum">
               <a:rPr lang="en-HK" sz="1400" b="0" smtClean="0"/>
-              <a:t>‹#›</a:t>
+              <a:t>‹N°›</a:t>
             </a:fld>
             <a:endParaRPr lang="en-HK" sz="1400" b="0" dirty="0"/>
           </a:p>
@@ -2582,7 +2752,7 @@
           <a:p>
             <a:fld id="{F2845A49-6072-4952-B58D-E653B6E26B39}" type="datetime1">
               <a:rPr lang="en-HK" smtClean="0"/>
-              <a:t>25/6/2022</a:t>
+              <a:t>26/6/2022</a:t>
             </a:fld>
             <a:endParaRPr lang="en-HK" dirty="0"/>
           </a:p>
@@ -2640,7 +2810,7 @@
           <a:p>
             <a:fld id="{A7C83B54-5B68-4C34-ADA0-4D0778B429CD}" type="slidenum">
               <a:rPr lang="en-HK" smtClean="0"/>
-              <a:t>‹#›</a:t>
+              <a:t>‹N°›</a:t>
             </a:fld>
             <a:endParaRPr lang="en-HK" dirty="0"/>
           </a:p>
@@ -2854,7 +3024,7 @@
           <a:p>
             <a:fld id="{F342AFB2-9C25-40A4-9D6F-222D34E41E1D}" type="datetime1">
               <a:rPr lang="en-HK" smtClean="0"/>
-              <a:t>25/6/2022</a:t>
+              <a:t>26/6/2022</a:t>
             </a:fld>
             <a:endParaRPr lang="en-HK" dirty="0"/>
           </a:p>
@@ -2912,7 +3082,7 @@
           <a:p>
             <a:fld id="{A7C83B54-5B68-4C34-ADA0-4D0778B429CD}" type="slidenum">
               <a:rPr lang="en-HK" smtClean="0"/>
-              <a:t>‹#›</a:t>
+              <a:t>‹N°›</a:t>
             </a:fld>
             <a:endParaRPr lang="en-HK" dirty="0"/>
           </a:p>
@@ -3273,7 +3443,7 @@
           <a:p>
             <a:fld id="{8DC6983B-C35D-4745-9F41-21114B4B98B5}" type="datetime1">
               <a:rPr lang="en-HK" smtClean="0"/>
-              <a:t>25/6/2022</a:t>
+              <a:t>26/6/2022</a:t>
             </a:fld>
             <a:endParaRPr lang="en-HK" dirty="0"/>
           </a:p>
@@ -3331,7 +3501,7 @@
           <a:p>
             <a:fld id="{A7C83B54-5B68-4C34-ADA0-4D0778B429CD}" type="slidenum">
               <a:rPr lang="en-HK" smtClean="0"/>
-              <a:t>‹#›</a:t>
+              <a:t>‹N°›</a:t>
             </a:fld>
             <a:endParaRPr lang="en-HK" dirty="0"/>
           </a:p>
@@ -3419,7 +3589,7 @@
           <a:p>
             <a:fld id="{45C55923-5C9B-426D-975C-A707ED007B19}" type="datetime1">
               <a:rPr lang="en-HK" smtClean="0"/>
-              <a:t>25/6/2022</a:t>
+              <a:t>26/6/2022</a:t>
             </a:fld>
             <a:endParaRPr lang="en-HK" dirty="0"/>
           </a:p>
@@ -3477,7 +3647,7 @@
           <a:p>
             <a:fld id="{A7C83B54-5B68-4C34-ADA0-4D0778B429CD}" type="slidenum">
               <a:rPr lang="en-HK" smtClean="0"/>
-              <a:t>‹#›</a:t>
+              <a:t>‹N°›</a:t>
             </a:fld>
             <a:endParaRPr lang="en-HK" dirty="0"/>
           </a:p>
@@ -3536,7 +3706,7 @@
           <a:p>
             <a:fld id="{EEA2175F-AB87-4AA7-A05A-9C0881548E56}" type="datetime1">
               <a:rPr lang="en-HK" smtClean="0"/>
-              <a:t>25/6/2022</a:t>
+              <a:t>26/6/2022</a:t>
             </a:fld>
             <a:endParaRPr lang="en-HK" dirty="0"/>
           </a:p>
@@ -3594,7 +3764,7 @@
           <a:p>
             <a:fld id="{A7C83B54-5B68-4C34-ADA0-4D0778B429CD}" type="slidenum">
               <a:rPr lang="en-HK" smtClean="0"/>
-              <a:t>‹#›</a:t>
+              <a:t>‹N°›</a:t>
             </a:fld>
             <a:endParaRPr lang="en-HK" dirty="0"/>
           </a:p>
@@ -3853,7 +4023,7 @@
           <a:p>
             <a:fld id="{E036FE11-9DFA-4EE0-A86B-2C4EDEEA0C04}" type="datetime1">
               <a:rPr lang="en-HK" smtClean="0"/>
-              <a:t>25/6/2022</a:t>
+              <a:t>26/6/2022</a:t>
             </a:fld>
             <a:endParaRPr lang="en-HK" dirty="0"/>
           </a:p>
@@ -3911,7 +4081,7 @@
           <a:p>
             <a:fld id="{A7C83B54-5B68-4C34-ADA0-4D0778B429CD}" type="slidenum">
               <a:rPr lang="en-HK" smtClean="0"/>
-              <a:t>‹#›</a:t>
+              <a:t>‹N°›</a:t>
             </a:fld>
             <a:endParaRPr lang="en-HK" dirty="0"/>
           </a:p>
@@ -4157,7 +4327,7 @@
           <a:p>
             <a:fld id="{041C6976-BE5D-4658-9F25-132912CB2553}" type="slidenum">
               <a:rPr lang="en-HK" sz="1400" b="0" smtClean="0"/>
-              <a:t>‹#›</a:t>
+              <a:t>‹N°›</a:t>
             </a:fld>
             <a:endParaRPr lang="en-HK" sz="1400" b="0" dirty="0"/>
           </a:p>
@@ -4566,7 +4736,7 @@
           <a:p>
             <a:fld id="{1EE4A7C9-F362-46BE-8F3E-4BD4F5FC174A}" type="datetime1">
               <a:rPr lang="en-HK" smtClean="0"/>
-              <a:t>25/6/2022</a:t>
+              <a:t>26/6/2022</a:t>
             </a:fld>
             <a:endParaRPr lang="en-HK" dirty="0"/>
           </a:p>
@@ -4624,7 +4794,7 @@
           <a:p>
             <a:fld id="{A7C83B54-5B68-4C34-ADA0-4D0778B429CD}" type="slidenum">
               <a:rPr lang="en-HK" smtClean="0"/>
-              <a:t>‹#›</a:t>
+              <a:t>‹N°›</a:t>
             </a:fld>
             <a:endParaRPr lang="en-HK" dirty="0"/>
           </a:p>
@@ -4770,7 +4940,7 @@
           <a:p>
             <a:fld id="{5B551775-F208-4797-A7DA-4B148C0172E6}" type="datetime1">
               <a:rPr lang="en-HK" smtClean="0"/>
-              <a:t>25/6/2022</a:t>
+              <a:t>26/6/2022</a:t>
             </a:fld>
             <a:endParaRPr lang="en-HK" dirty="0"/>
           </a:p>
@@ -4828,7 +4998,7 @@
           <a:p>
             <a:fld id="{A7C83B54-5B68-4C34-ADA0-4D0778B429CD}" type="slidenum">
               <a:rPr lang="en-HK" smtClean="0"/>
-              <a:t>‹#›</a:t>
+              <a:t>‹N°›</a:t>
             </a:fld>
             <a:endParaRPr lang="en-HK" dirty="0"/>
           </a:p>
@@ -4984,7 +5154,7 @@
           <a:p>
             <a:fld id="{E8ADF7C5-3703-4708-8B1F-C815032BBFBE}" type="datetime1">
               <a:rPr lang="en-HK" smtClean="0"/>
-              <a:t>25/6/2022</a:t>
+              <a:t>26/6/2022</a:t>
             </a:fld>
             <a:endParaRPr lang="en-HK" dirty="0"/>
           </a:p>
@@ -5042,7 +5212,7 @@
           <a:p>
             <a:fld id="{A7C83B54-5B68-4C34-ADA0-4D0778B429CD}" type="slidenum">
               <a:rPr lang="en-HK" smtClean="0"/>
-              <a:t>‹#›</a:t>
+              <a:t>‹N°›</a:t>
             </a:fld>
             <a:endParaRPr lang="en-HK" dirty="0"/>
           </a:p>
@@ -5264,7 +5434,7 @@
           <a:p>
             <a:fld id="{796D6C22-E391-4991-977D-BFBE3F31EAB8}" type="datetime1">
               <a:rPr lang="en-HK" smtClean="0"/>
-              <a:t>25/6/2022</a:t>
+              <a:t>26/6/2022</a:t>
             </a:fld>
             <a:endParaRPr lang="en-HK" dirty="0"/>
           </a:p>
@@ -5322,7 +5492,7 @@
           <a:p>
             <a:fld id="{B2D2221E-05DD-4B1B-A8F3-3C8922C95192}" type="slidenum">
               <a:rPr lang="en-HK" smtClean="0"/>
-              <a:t>‹#›</a:t>
+              <a:t>‹N°›</a:t>
             </a:fld>
             <a:endParaRPr lang="en-HK" dirty="0"/>
           </a:p>
@@ -5536,7 +5706,7 @@
           <a:p>
             <a:fld id="{51C2F23F-9F7B-4BDA-B0F4-2D605702BBD7}" type="datetime1">
               <a:rPr lang="en-HK" smtClean="0"/>
-              <a:t>25/6/2022</a:t>
+              <a:t>26/6/2022</a:t>
             </a:fld>
             <a:endParaRPr lang="en-HK" dirty="0"/>
           </a:p>
@@ -5594,7 +5764,7 @@
           <a:p>
             <a:fld id="{B2D2221E-05DD-4B1B-A8F3-3C8922C95192}" type="slidenum">
               <a:rPr lang="en-HK" smtClean="0"/>
-              <a:t>‹#›</a:t>
+              <a:t>‹N°›</a:t>
             </a:fld>
             <a:endParaRPr lang="en-HK" dirty="0"/>
           </a:p>
@@ -5955,7 +6125,7 @@
           <a:p>
             <a:fld id="{9B99828D-910B-46BF-86A4-1261FE5F1BBC}" type="datetime1">
               <a:rPr lang="en-HK" smtClean="0"/>
-              <a:t>25/6/2022</a:t>
+              <a:t>26/6/2022</a:t>
             </a:fld>
             <a:endParaRPr lang="en-HK" dirty="0"/>
           </a:p>
@@ -6013,7 +6183,7 @@
           <a:p>
             <a:fld id="{B2D2221E-05DD-4B1B-A8F3-3C8922C95192}" type="slidenum">
               <a:rPr lang="en-HK" smtClean="0"/>
-              <a:t>‹#›</a:t>
+              <a:t>‹N°›</a:t>
             </a:fld>
             <a:endParaRPr lang="en-HK" dirty="0"/>
           </a:p>
@@ -6101,7 +6271,7 @@
           <a:p>
             <a:fld id="{C1163704-21F8-4115-802B-9199C7E87636}" type="datetime1">
               <a:rPr lang="en-HK" smtClean="0"/>
-              <a:t>25/6/2022</a:t>
+              <a:t>26/6/2022</a:t>
             </a:fld>
             <a:endParaRPr lang="en-HK" dirty="0"/>
           </a:p>
@@ -6159,7 +6329,7 @@
           <a:p>
             <a:fld id="{B2D2221E-05DD-4B1B-A8F3-3C8922C95192}" type="slidenum">
               <a:rPr lang="en-HK" smtClean="0"/>
-              <a:t>‹#›</a:t>
+              <a:t>‹N°›</a:t>
             </a:fld>
             <a:endParaRPr lang="en-HK" dirty="0"/>
           </a:p>
@@ -6218,7 +6388,7 @@
           <a:p>
             <a:fld id="{27F7456C-C05C-45F4-BF23-30C46CE2AE83}" type="datetime1">
               <a:rPr lang="en-HK" smtClean="0"/>
-              <a:t>25/6/2022</a:t>
+              <a:t>26/6/2022</a:t>
             </a:fld>
             <a:endParaRPr lang="en-HK" dirty="0"/>
           </a:p>
@@ -6276,7 +6446,7 @@
           <a:p>
             <a:fld id="{B2D2221E-05DD-4B1B-A8F3-3C8922C95192}" type="slidenum">
               <a:rPr lang="en-HK" smtClean="0"/>
-              <a:t>‹#›</a:t>
+              <a:t>‹N°›</a:t>
             </a:fld>
             <a:endParaRPr lang="en-HK" dirty="0"/>
           </a:p>
@@ -6535,7 +6705,7 @@
           <a:p>
             <a:fld id="{7B531D79-26CE-40D3-B7BF-CF18F4314D80}" type="datetime1">
               <a:rPr lang="en-HK" smtClean="0"/>
-              <a:t>25/6/2022</a:t>
+              <a:t>26/6/2022</a:t>
             </a:fld>
             <a:endParaRPr lang="en-HK" dirty="0"/>
           </a:p>
@@ -6593,7 +6763,7 @@
           <a:p>
             <a:fld id="{B2D2221E-05DD-4B1B-A8F3-3C8922C95192}" type="slidenum">
               <a:rPr lang="en-HK" smtClean="0"/>
-              <a:t>‹#›</a:t>
+              <a:t>‹N°›</a:t>
             </a:fld>
             <a:endParaRPr lang="en-HK" dirty="0"/>
           </a:p>
@@ -6828,7 +6998,7 @@
           <a:p>
             <a:fld id="{E61A45AF-7C89-419A-8A82-1C992237AA77}" type="datetime1">
               <a:rPr lang="en-HK" smtClean="0"/>
-              <a:t>25/6/2022</a:t>
+              <a:t>26/6/2022</a:t>
             </a:fld>
             <a:endParaRPr lang="en-HK" dirty="0"/>
           </a:p>
@@ -6886,7 +7056,7 @@
           <a:p>
             <a:fld id="{B2D2221E-05DD-4B1B-A8F3-3C8922C95192}" type="slidenum">
               <a:rPr lang="en-HK" smtClean="0"/>
-              <a:t>‹#›</a:t>
+              <a:t>‹N°›</a:t>
             </a:fld>
             <a:endParaRPr lang="en-HK" dirty="0"/>
           </a:p>
@@ -7075,7 +7245,7 @@
           <a:p>
             <a:fld id="{C1EA0F0B-3692-4097-8E52-8E120B108B04}" type="datetime1">
               <a:rPr lang="en-HK" smtClean="0"/>
-              <a:t>25/6/2022</a:t>
+              <a:t>26/6/2022</a:t>
             </a:fld>
             <a:endParaRPr lang="en-HK" dirty="0"/>
           </a:p>
@@ -7169,7 +7339,7 @@
           <a:p>
             <a:fld id="{B2D2221E-05DD-4B1B-A8F3-3C8922C95192}" type="slidenum">
               <a:rPr lang="en-HK" smtClean="0"/>
-              <a:t>‹#›</a:t>
+              <a:t>‹N°›</a:t>
             </a:fld>
             <a:endParaRPr lang="en-HK" dirty="0"/>
           </a:p>
@@ -7650,7 +7820,7 @@
           <a:p>
             <a:fld id="{0AA9CD4D-E3A4-480E-A467-78FFE8182221}" type="datetime1">
               <a:rPr lang="en-HK" smtClean="0"/>
-              <a:t>25/6/2022</a:t>
+              <a:t>26/6/2022</a:t>
             </a:fld>
             <a:endParaRPr lang="en-HK" dirty="0"/>
           </a:p>
@@ -7744,7 +7914,7 @@
           <a:p>
             <a:fld id="{A7C83B54-5B68-4C34-ADA0-4D0778B429CD}" type="slidenum">
               <a:rPr lang="en-HK" smtClean="0"/>
-              <a:t>‹#›</a:t>
+              <a:t>‹N°›</a:t>
             </a:fld>
             <a:endParaRPr lang="en-HK" dirty="0"/>
           </a:p>
@@ -9553,7 +9723,7 @@
             <p:spPr>
               <a:xfrm>
                 <a:off x="3474482" y="1146493"/>
-                <a:ext cx="2205258" cy="1169551"/>
+                <a:ext cx="2205258" cy="954107"/>
               </a:xfrm>
               <a:prstGeom prst="rect">
                 <a:avLst/>
@@ -9594,6 +9764,24 @@
                   </a:defRPr>
                 </a:pPr>
                 <a:r>
+                  <a:rPr lang="en-GB" sz="1400" dirty="0" smtClean="0">
+                    <a:solidFill>
+                      <a:srgbClr val="000000"/>
+                    </a:solidFill>
+                    <a:cs typeface="Arial" pitchFamily="34"/>
+                  </a:rPr>
+                  <a:t>Over </a:t>
+                </a:r>
+                <a:r>
+                  <a:rPr lang="en-GB" sz="1400" dirty="0" smtClean="0">
+                    <a:solidFill>
+                      <a:srgbClr val="000000"/>
+                    </a:solidFill>
+                    <a:cs typeface="Arial" pitchFamily="34"/>
+                  </a:rPr>
+                  <a:t>1</a:t>
+                </a:r>
+                <a:r>
                   <a:rPr lang="en-GB" sz="1400" dirty="0">
                     <a:solidFill>
                       <a:srgbClr val="000000"/>
@@ -9603,7 +9791,7 @@
                   <a:t>1</a:t>
                 </a:r>
                 <a:r>
-                  <a:rPr kumimoji="0" lang="en-GB" sz="1400" b="0" i="0" u="none" strike="noStrike" kern="1200" cap="none" spc="0" normalizeH="0" baseline="0" noProof="0" dirty="0">
+                  <a:rPr kumimoji="0" lang="en-GB" sz="1400" b="0" i="0" u="none" strike="noStrike" kern="1200" cap="none" spc="0" normalizeH="0" baseline="0" noProof="0" dirty="0" smtClean="0">
                     <a:ln>
                       <a:noFill/>
                     </a:ln>
@@ -9616,7 +9804,7 @@
                     <a:ea typeface="+mn-ea"/>
                     <a:cs typeface="Arial" pitchFamily="34"/>
                   </a:rPr>
-                  <a:t>0 </a:t>
+                  <a:t> </a:t>
                 </a:r>
                 <a:r>
                   <a:rPr kumimoji="0" lang="en-GB" sz="1400" b="0" i="0" u="none" strike="noStrike" kern="1200" cap="none" spc="0" normalizeH="0" baseline="0" noProof="0" dirty="0" smtClean="0">
@@ -9635,21 +9823,36 @@
                   <a:t>Years </a:t>
                 </a:r>
                 <a:r>
-                  <a:rPr kumimoji="0" lang="en-GB" sz="1400" b="0" i="0" u="none" strike="noStrike" kern="1200" cap="none" spc="0" normalizeH="0" baseline="0" noProof="0" dirty="0">
-                    <a:ln>
-                      <a:noFill/>
-                    </a:ln>
+                  <a:rPr lang="en-GB" sz="1400" dirty="0" smtClean="0">
                     <a:solidFill>
                       <a:srgbClr val="000000"/>
                     </a:solidFill>
-                    <a:effectLst/>
-                    <a:uLnTx/>
-                    <a:uFillTx/>
-                    <a:ea typeface="+mn-ea"/>
                     <a:cs typeface="Arial" pitchFamily="34"/>
                   </a:rPr>
-                  <a:t>in Market research and project management</a:t>
+                  <a:t>Quality Management System</a:t>
                 </a:r>
+                <a:r>
+                  <a:rPr lang="en-GB" sz="1400" dirty="0">
+                    <a:solidFill>
+                      <a:srgbClr val="000000"/>
+                    </a:solidFill>
+                    <a:cs typeface="Arial" pitchFamily="34"/>
+                  </a:rPr>
+                  <a:t>.</a:t>
+                </a:r>
+                <a:endParaRPr kumimoji="0" lang="en-GB" sz="1400" b="0" i="0" u="none" strike="noStrike" kern="1200" cap="none" spc="0" normalizeH="0" baseline="0" noProof="0" dirty="0">
+                  <a:ln>
+                    <a:noFill/>
+                  </a:ln>
+                  <a:solidFill>
+                    <a:srgbClr val="000000"/>
+                  </a:solidFill>
+                  <a:effectLst/>
+                  <a:uLnTx/>
+                  <a:uFillTx/>
+                  <a:ea typeface="+mn-ea"/>
+                  <a:cs typeface="Arial" pitchFamily="34"/>
+                </a:endParaRPr>
               </a:p>
               <a:p>
                 <a:pPr marL="171450" marR="0" lvl="0" indent="-171450" algn="l" defTabSz="914400" rtl="0" eaLnBrk="1" fontAlgn="auto" latinLnBrk="0" hangingPunct="1">
@@ -9716,41 +9919,16 @@
                   </a:defRPr>
                 </a:pPr>
                 <a:r>
-                  <a:rPr kumimoji="0" lang="en-GB" sz="1400" b="0" i="0" u="none" strike="noStrike" kern="1200" cap="none" spc="0" normalizeH="0" baseline="0" noProof="0" dirty="0">
-                    <a:ln>
-                      <a:noFill/>
-                    </a:ln>
-                    <a:solidFill>
-                      <a:srgbClr val="000000"/>
-                    </a:solidFill>
-                    <a:effectLst/>
-                    <a:uLnTx/>
-                    <a:uFillTx/>
-                    <a:ea typeface="+mn-ea"/>
-                    <a:cs typeface="Arial" pitchFamily="34"/>
-                  </a:rPr>
-                  <a:t>Founding partner </a:t>
-                </a:r>
-                <a:r>
-                  <a:rPr lang="en-GB" sz="1400" dirty="0">
+                  <a:rPr lang="en-GB" sz="1400" dirty="0" smtClean="0">
                     <a:solidFill>
                       <a:srgbClr val="000000"/>
                     </a:solidFill>
                     <a:cs typeface="Arial" pitchFamily="34"/>
                   </a:rPr>
-                  <a:t>at </a:t>
+                  <a:t>Various </a:t>
                 </a:r>
                 <a:r>
-                  <a:rPr lang="en-GB" sz="1400" dirty="0" err="1">
-                    <a:solidFill>
-                      <a:srgbClr val="000000"/>
-                    </a:solidFill>
-                    <a:cs typeface="Arial" pitchFamily="34"/>
-                  </a:rPr>
-                  <a:t>xyz</a:t>
-                </a:r>
-                <a:r>
-                  <a:rPr lang="en-GB" sz="1400" dirty="0">
+                  <a:rPr lang="en-GB" sz="1400" dirty="0" smtClean="0">
                     <a:solidFill>
                       <a:srgbClr val="000000"/>
                     </a:solidFill>
@@ -10027,8 +10205,37 @@
                     <a:ea typeface="Segoe UI Symbol" pitchFamily="34"/>
                     <a:cs typeface="Arial" pitchFamily="34"/>
                   </a:rPr>
-                  <a:t>UNIVERSITE DE BLIDA; INSIM</a:t>
+                  <a:t>UNIVERSITE DE </a:t>
                 </a:r>
+                <a:r>
+                  <a:rPr kumimoji="0" lang="en-GB" sz="1300" b="1" i="0" u="none" strike="noStrike" kern="1200" cap="none" spc="0" normalizeH="0" baseline="0" noProof="0" dirty="0" smtClean="0">
+                    <a:ln>
+                      <a:noFill/>
+                    </a:ln>
+                    <a:solidFill>
+                      <a:srgbClr val="FFFFFF"/>
+                    </a:solidFill>
+                    <a:effectLst/>
+                    <a:uLnTx/>
+                    <a:uFillTx/>
+                    <a:ea typeface="Segoe UI Symbol" pitchFamily="34"/>
+                    <a:cs typeface="Arial" pitchFamily="34"/>
+                  </a:rPr>
+                  <a:t>BLIDA, INSIM.</a:t>
+                </a:r>
+                <a:endParaRPr kumimoji="0" lang="en-GB" sz="1300" b="1" i="0" u="none" strike="noStrike" kern="1200" cap="none" spc="0" normalizeH="0" baseline="0" noProof="0" dirty="0">
+                  <a:ln>
+                    <a:noFill/>
+                  </a:ln>
+                  <a:solidFill>
+                    <a:srgbClr val="FFFFFF"/>
+                  </a:solidFill>
+                  <a:effectLst/>
+                  <a:uLnTx/>
+                  <a:uFillTx/>
+                  <a:ea typeface="Segoe UI Symbol" pitchFamily="34"/>
+                  <a:cs typeface="Arial" pitchFamily="34"/>
+                </a:endParaRPr>
               </a:p>
               <a:p>
                 <a:pPr marL="0" marR="0" lvl="0" indent="0" algn="l" defTabSz="914400" rtl="0" eaLnBrk="1" fontAlgn="auto" latinLnBrk="0" hangingPunct="1">
@@ -10513,7 +10720,7 @@
           <p:nvPr/>
         </p:nvPicPr>
         <p:blipFill rotWithShape="1">
-          <a:blip r:embed="rId4" cstate="print">
+          <a:blip r:embed="rId4" cstate="hqprint">
             <a:extLst>
               <a:ext uri="{28A0092B-C50C-407E-A947-70E740481C1C}">
                 <a14:useLocalDpi xmlns:a14="http://schemas.microsoft.com/office/drawing/2010/main" val="0"/>
@@ -10525,12 +10732,44 @@
         </p:blipFill>
         <p:spPr>
           <a:xfrm>
-            <a:off x="558321" y="990481"/>
+            <a:off x="558321" y="790974"/>
             <a:ext cx="2842684" cy="3558573"/>
           </a:xfrm>
           <a:prstGeom prst="rect">
             <a:avLst/>
           </a:prstGeom>
+          <a:solidFill>
+            <a:srgbClr val="FFFFFF">
+              <a:shade val="85000"/>
+            </a:srgbClr>
+          </a:solidFill>
+          <a:ln w="190500" cap="sq">
+            <a:solidFill>
+              <a:srgbClr val="FFFFFF"/>
+            </a:solidFill>
+            <a:miter lim="800000"/>
+          </a:ln>
+          <a:effectLst>
+            <a:outerShdw blurRad="65000" dist="50800" dir="12900000" kx="195000" ky="145000" algn="tl" rotWithShape="0">
+              <a:srgbClr val="000000">
+                <a:alpha val="30000"/>
+              </a:srgbClr>
+            </a:outerShdw>
+          </a:effectLst>
+          <a:scene3d>
+            <a:camera prst="orthographicFront">
+              <a:rot lat="0" lon="0" rev="360000"/>
+            </a:camera>
+            <a:lightRig rig="twoPt" dir="t">
+              <a:rot lat="0" lon="0" rev="7200000"/>
+            </a:lightRig>
+          </a:scene3d>
+          <a:sp3d contourW="12700">
+            <a:bevelT w="25400" h="19050"/>
+            <a:contourClr>
+              <a:srgbClr val="969696"/>
+            </a:contourClr>
+          </a:sp3d>
         </p:spPr>
       </p:pic>
     </p:spTree>
@@ -11009,12 +11248,40 @@
                   <a:t>Senior management executive with 19 years experience in marketing information business leadership across North </a:t>
                 </a:r>
                 <a:r>
-                  <a:rPr lang="en-US" sz="1400" dirty="0" err="1"/>
-                  <a:t>Amercia</a:t>
+                  <a:rPr lang="en-US" sz="1400" dirty="0" smtClean="0"/>
+                  <a:t>America </a:t>
                 </a:r>
                 <a:r>
                   <a:rPr lang="en-US" sz="1400" dirty="0"/>
-                  <a:t> and Africa. Working to enable companies to make faster, better informed decisions through the application of new technologies, new types of information and new ways of involving people in the information collection and </a:t>
+                  <a:t>and Africa</a:t>
+                </a:r>
+                <a:r>
+                  <a:rPr lang="en-US" sz="1400" dirty="0" smtClean="0"/>
+                  <a:t>.</a:t>
+                </a:r>
+              </a:p>
+              <a:p>
+                <a:pPr marL="171450" lvl="0" indent="-171450">
+                  <a:buClr>
+                    <a:srgbClr val="EF4751"/>
+                  </a:buClr>
+                  <a:buSzPct val="100000"/>
+                  <a:buFont typeface="Wingdings" pitchFamily="2"/>
+                  <a:buChar char="§"/>
+                  <a:defRPr sz="1800" b="0" i="0" u="none" strike="noStrike" kern="0" cap="none" spc="0" baseline="0">
+                    <a:solidFill>
+                      <a:srgbClr val="000000"/>
+                    </a:solidFill>
+                    <a:uFillTx/>
+                  </a:defRPr>
+                </a:pPr>
+                <a:r>
+                  <a:rPr lang="en-US" sz="1400" dirty="0" smtClean="0"/>
+                  <a:t> </a:t>
+                </a:r>
+                <a:r>
+                  <a:rPr lang="en-US" sz="1400" dirty="0"/>
+                  <a:t>Working to enable companies to make faster, better informed decisions through the application of new technologies, new types of information and new ways of involving people in the information collection and </a:t>
                 </a:r>
                 <a:r>
                   <a:rPr lang="en-US" sz="1400" dirty="0" smtClean="0"/>
@@ -11705,35 +11972,6 @@
       </p:pic>
       <p:pic>
         <p:nvPicPr>
-          <p:cNvPr id="2" name="Picture 1"/>
-          <p:cNvPicPr>
-            <a:picLocks noChangeAspect="1"/>
-          </p:cNvPicPr>
-          <p:nvPr/>
-        </p:nvPicPr>
-        <p:blipFill rotWithShape="1">
-          <a:blip r:embed="rId4" cstate="print">
-            <a:extLst>
-              <a:ext uri="{28A0092B-C50C-407E-A947-70E740481C1C}">
-                <a14:useLocalDpi xmlns:a14="http://schemas.microsoft.com/office/drawing/2010/main" val="0"/>
-              </a:ext>
-            </a:extLst>
-          </a:blip>
-          <a:srcRect l="-1750" t="-984" r="6536" b="11589"/>
-          <a:stretch/>
-        </p:blipFill>
-        <p:spPr>
-          <a:xfrm>
-            <a:off x="558321" y="990481"/>
-            <a:ext cx="2842684" cy="3558573"/>
-          </a:xfrm>
-          <a:prstGeom prst="rect">
-            <a:avLst/>
-          </a:prstGeom>
-        </p:spPr>
-      </p:pic>
-      <p:pic>
-        <p:nvPicPr>
           <p:cNvPr id="4" name="Picture 3" descr="Screen Clipping"/>
           <p:cNvPicPr>
             <a:picLocks noChangeAspect="1"/>
@@ -11741,8 +11979,17 @@
           <p:nvPr/>
         </p:nvPicPr>
         <p:blipFill rotWithShape="1">
-          <a:blip r:embed="rId5">
-            <a:extLst>
+          <a:blip r:embed="rId4">
+            <a:extLst>
+              <a:ext uri="{BEBA8EAE-BF5A-486C-A8C5-ECC9F3942E4B}">
+                <a14:imgProps xmlns:a14="http://schemas.microsoft.com/office/drawing/2010/main">
+                  <a14:imgLayer r:embed="rId5">
+                    <a14:imgEffect>
+                      <a14:saturation sat="0"/>
+                    </a14:imgEffect>
+                  </a14:imgLayer>
+                </a14:imgProps>
+              </a:ext>
               <a:ext uri="{28A0092B-C50C-407E-A947-70E740481C1C}">
                 <a14:useLocalDpi xmlns:a14="http://schemas.microsoft.com/office/drawing/2010/main" val="0"/>
               </a:ext>
@@ -11753,12 +12000,44 @@
         </p:blipFill>
         <p:spPr>
           <a:xfrm>
-            <a:off x="558321" y="1024276"/>
+            <a:off x="431911" y="889262"/>
             <a:ext cx="2851085" cy="3562847"/>
           </a:xfrm>
           <a:prstGeom prst="rect">
             <a:avLst/>
           </a:prstGeom>
+          <a:solidFill>
+            <a:srgbClr val="FFFFFF">
+              <a:shade val="85000"/>
+            </a:srgbClr>
+          </a:solidFill>
+          <a:ln w="190500" cap="sq">
+            <a:solidFill>
+              <a:srgbClr val="FFFFFF"/>
+            </a:solidFill>
+            <a:miter lim="800000"/>
+          </a:ln>
+          <a:effectLst>
+            <a:outerShdw blurRad="65000" dist="50800" dir="12900000" kx="195000" ky="145000" algn="tl" rotWithShape="0">
+              <a:srgbClr val="000000">
+                <a:alpha val="30000"/>
+              </a:srgbClr>
+            </a:outerShdw>
+          </a:effectLst>
+          <a:scene3d>
+            <a:camera prst="orthographicFront">
+              <a:rot lat="0" lon="0" rev="360000"/>
+            </a:camera>
+            <a:lightRig rig="twoPt" dir="t">
+              <a:rot lat="0" lon="0" rev="7200000"/>
+            </a:lightRig>
+          </a:scene3d>
+          <a:sp3d contourW="12700">
+            <a:bevelT w="25400" h="19050"/>
+            <a:contourClr>
+              <a:srgbClr val="969696"/>
+            </a:contourClr>
+          </a:sp3d>
         </p:spPr>
       </p:pic>
     </p:spTree>
@@ -11782,6 +12061,5940 @@
 </file>
 
 <file path=ppt/slides/slide13.xml><?xml version="1.0" encoding="utf-8"?>
+<p:sld xmlns:a="http://schemas.openxmlformats.org/drawingml/2006/main" xmlns:r="http://schemas.openxmlformats.org/officeDocument/2006/relationships" xmlns:p="http://schemas.openxmlformats.org/presentationml/2006/main">
+  <p:cSld>
+    <p:spTree>
+      <p:nvGrpSpPr>
+        <p:cNvPr id="1" name=""/>
+        <p:cNvGrpSpPr/>
+        <p:nvPr/>
+      </p:nvGrpSpPr>
+      <p:grpSpPr>
+        <a:xfrm>
+          <a:off x="0" y="0"/>
+          <a:ext cx="0" cy="0"/>
+          <a:chOff x="0" y="0"/>
+          <a:chExt cx="0" cy="0"/>
+        </a:xfrm>
+      </p:grpSpPr>
+      <p:sp>
+        <p:nvSpPr>
+          <p:cNvPr id="72" name="TextBox 14">
+            <a:extLst>
+              <a:ext uri="{FF2B5EF4-FFF2-40B4-BE49-F238E27FC236}">
+                <a16:creationId xmlns:a16="http://schemas.microsoft.com/office/drawing/2014/main" id="{DBF1ED07-FC11-4B33-B6CA-1B87CEBC8124}"/>
+              </a:ext>
+            </a:extLst>
+          </p:cNvPr>
+          <p:cNvSpPr txBox="1"/>
+          <p:nvPr/>
+        </p:nvSpPr>
+        <p:spPr>
+          <a:xfrm>
+            <a:off x="172692" y="231028"/>
+            <a:ext cx="4496633" cy="523220"/>
+          </a:xfrm>
+          <a:prstGeom prst="rect">
+            <a:avLst/>
+          </a:prstGeom>
+          <a:noFill/>
+        </p:spPr>
+        <p:txBody>
+          <a:bodyPr wrap="square" rtlCol="0">
+            <a:spAutoFit/>
+          </a:bodyPr>
+          <a:lstStyle/>
+          <a:p>
+            <a:pPr defTabSz="342900">
+              <a:defRPr/>
+            </a:pPr>
+            <a:r>
+              <a:rPr lang="en-US" sz="2800" dirty="0">
+                <a:solidFill>
+                  <a:srgbClr val="EF4751"/>
+                </a:solidFill>
+                <a:latin typeface="Geogrotesque Rg" panose="02000000000000000000" pitchFamily="50" charset="0"/>
+                <a:ea typeface="+mj-ea"/>
+                <a:cs typeface="+mj-cs"/>
+              </a:rPr>
+              <a:t>Founding Partners’ Profiles</a:t>
+            </a:r>
+          </a:p>
+        </p:txBody>
+      </p:sp>
+      <p:grpSp>
+        <p:nvGrpSpPr>
+          <p:cNvPr id="23" name="Groupe 40">
+            <a:extLst>
+              <a:ext uri="{FF2B5EF4-FFF2-40B4-BE49-F238E27FC236}">
+                <a16:creationId xmlns:a16="http://schemas.microsoft.com/office/drawing/2014/main" id="{BAC3FB92-A43C-4387-B088-38C0629154CC}"/>
+              </a:ext>
+            </a:extLst>
+          </p:cNvPr>
+          <p:cNvGrpSpPr/>
+          <p:nvPr/>
+        </p:nvGrpSpPr>
+        <p:grpSpPr>
+          <a:xfrm>
+            <a:off x="700613" y="990481"/>
+            <a:ext cx="10865421" cy="4877038"/>
+            <a:chOff x="700613" y="867820"/>
+            <a:chExt cx="10865421" cy="4877038"/>
+          </a:xfrm>
+        </p:grpSpPr>
+        <p:sp>
+          <p:nvSpPr>
+            <p:cNvPr id="24" name="Rectangle 50">
+              <a:extLst>
+                <a:ext uri="{FF2B5EF4-FFF2-40B4-BE49-F238E27FC236}">
+                  <a16:creationId xmlns:a16="http://schemas.microsoft.com/office/drawing/2014/main" id="{D634F73D-30F7-4A04-9170-D41A66298596}"/>
+                </a:ext>
+              </a:extLst>
+            </p:cNvPr>
+            <p:cNvSpPr/>
+            <p:nvPr/>
+          </p:nvSpPr>
+          <p:spPr>
+            <a:xfrm>
+              <a:off x="3539203" y="1061091"/>
+              <a:ext cx="2152360" cy="4683767"/>
+            </a:xfrm>
+            <a:prstGeom prst="rect">
+              <a:avLst/>
+            </a:prstGeom>
+            <a:noFill/>
+            <a:ln w="3172" cap="flat">
+              <a:solidFill>
+                <a:srgbClr val="BFBFBF"/>
+              </a:solidFill>
+              <a:prstDash val="solid"/>
+              <a:miter/>
+            </a:ln>
+          </p:spPr>
+          <p:txBody>
+            <a:bodyPr vert="horz" wrap="square" lIns="91440" tIns="45720" rIns="91440" bIns="45720" anchor="ctr" anchorCtr="1" compatLnSpc="1">
+              <a:noAutofit/>
+            </a:bodyPr>
+            <a:lstStyle/>
+            <a:p>
+              <a:pPr marL="0" marR="0" lvl="0" indent="0" algn="ctr" defTabSz="914400" rtl="0" eaLnBrk="1" fontAlgn="auto" latinLnBrk="0" hangingPunct="1">
+                <a:lnSpc>
+                  <a:spcPct val="100000"/>
+                </a:lnSpc>
+                <a:spcBef>
+                  <a:spcPts val="0"/>
+                </a:spcBef>
+                <a:spcAft>
+                  <a:spcPts val="0"/>
+                </a:spcAft>
+                <a:buClrTx/>
+                <a:buSzTx/>
+                <a:buFontTx/>
+                <a:buNone/>
+                <a:tabLst/>
+                <a:defRPr sz="1800" b="0" i="0" u="none" strike="noStrike" kern="0" cap="none" spc="0" baseline="0">
+                  <a:solidFill>
+                    <a:srgbClr val="000000"/>
+                  </a:solidFill>
+                  <a:uFillTx/>
+                </a:defRPr>
+              </a:pPr>
+              <a:endParaRPr kumimoji="0" lang="en-GB" sz="1800" b="0" i="0" u="none" strike="noStrike" kern="1200" cap="none" spc="0" normalizeH="0" baseline="0" noProof="0">
+                <a:ln>
+                  <a:noFill/>
+                </a:ln>
+                <a:solidFill>
+                  <a:srgbClr val="FFFFFF"/>
+                </a:solidFill>
+                <a:effectLst/>
+                <a:uLnTx/>
+                <a:uFillTx/>
+                <a:latin typeface="Calibri"/>
+                <a:ea typeface="+mn-ea"/>
+                <a:cs typeface="+mn-cs"/>
+              </a:endParaRPr>
+            </a:p>
+          </p:txBody>
+        </p:sp>
+        <p:sp>
+          <p:nvSpPr>
+            <p:cNvPr id="25" name="Rectangle 57">
+              <a:extLst>
+                <a:ext uri="{FF2B5EF4-FFF2-40B4-BE49-F238E27FC236}">
+                  <a16:creationId xmlns:a16="http://schemas.microsoft.com/office/drawing/2014/main" id="{C7B34499-D4A7-43DB-B4EB-0433D4B7600B}"/>
+                </a:ext>
+              </a:extLst>
+            </p:cNvPr>
+            <p:cNvSpPr/>
+            <p:nvPr/>
+          </p:nvSpPr>
+          <p:spPr>
+            <a:xfrm>
+              <a:off x="5799170" y="1038218"/>
+              <a:ext cx="5766864" cy="4706640"/>
+            </a:xfrm>
+            <a:prstGeom prst="rect">
+              <a:avLst/>
+            </a:prstGeom>
+            <a:noFill/>
+            <a:ln w="3172" cap="flat">
+              <a:solidFill>
+                <a:srgbClr val="BFBFBF"/>
+              </a:solidFill>
+              <a:prstDash val="solid"/>
+              <a:miter/>
+            </a:ln>
+          </p:spPr>
+          <p:txBody>
+            <a:bodyPr vert="horz" wrap="square" lIns="91440" tIns="45720" rIns="91440" bIns="45720" anchor="ctr" anchorCtr="1" compatLnSpc="1">
+              <a:noAutofit/>
+            </a:bodyPr>
+            <a:lstStyle/>
+            <a:p>
+              <a:pPr marL="0" marR="0" lvl="0" indent="0" algn="ctr" defTabSz="914400" rtl="0" eaLnBrk="1" fontAlgn="auto" latinLnBrk="0" hangingPunct="1">
+                <a:lnSpc>
+                  <a:spcPct val="100000"/>
+                </a:lnSpc>
+                <a:spcBef>
+                  <a:spcPts val="0"/>
+                </a:spcBef>
+                <a:spcAft>
+                  <a:spcPts val="0"/>
+                </a:spcAft>
+                <a:buClrTx/>
+                <a:buSzTx/>
+                <a:buFontTx/>
+                <a:buNone/>
+                <a:tabLst/>
+                <a:defRPr sz="1800" b="0" i="0" u="none" strike="noStrike" kern="0" cap="none" spc="0" baseline="0">
+                  <a:solidFill>
+                    <a:srgbClr val="000000"/>
+                  </a:solidFill>
+                  <a:uFillTx/>
+                </a:defRPr>
+              </a:pPr>
+              <a:endParaRPr kumimoji="0" lang="en-GB" sz="1800" b="0" i="0" u="none" strike="noStrike" kern="1200" cap="none" spc="0" normalizeH="0" baseline="0" noProof="0">
+                <a:ln>
+                  <a:noFill/>
+                </a:ln>
+                <a:solidFill>
+                  <a:srgbClr val="FFFFFF"/>
+                </a:solidFill>
+                <a:effectLst/>
+                <a:uLnTx/>
+                <a:uFillTx/>
+                <a:latin typeface="Calibri"/>
+                <a:ea typeface="+mn-ea"/>
+                <a:cs typeface="+mn-cs"/>
+              </a:endParaRPr>
+            </a:p>
+          </p:txBody>
+        </p:sp>
+        <p:sp>
+          <p:nvSpPr>
+            <p:cNvPr id="26" name="TextBox 3">
+              <a:extLst>
+                <a:ext uri="{FF2B5EF4-FFF2-40B4-BE49-F238E27FC236}">
+                  <a16:creationId xmlns:a16="http://schemas.microsoft.com/office/drawing/2014/main" id="{798A44AD-33D4-4247-B0DD-87EB1DFF6599}"/>
+                </a:ext>
+              </a:extLst>
+            </p:cNvPr>
+            <p:cNvSpPr txBox="1"/>
+            <p:nvPr/>
+          </p:nvSpPr>
+          <p:spPr>
+            <a:xfrm>
+              <a:off x="4105180" y="867820"/>
+              <a:ext cx="981050" cy="262798"/>
+            </a:xfrm>
+            <a:prstGeom prst="rect">
+              <a:avLst/>
+            </a:prstGeom>
+            <a:solidFill>
+              <a:srgbClr val="FFFFFF"/>
+            </a:solidFill>
+            <a:ln cap="flat">
+              <a:noFill/>
+            </a:ln>
+          </p:spPr>
+          <p:txBody>
+            <a:bodyPr vert="horz" wrap="square" lIns="91440" tIns="45720" rIns="91440" bIns="45720" anchor="t" anchorCtr="1" compatLnSpc="1">
+              <a:spAutoFit/>
+            </a:bodyPr>
+            <a:lstStyle/>
+            <a:p>
+              <a:pPr marL="0" marR="0" lvl="0" indent="0" algn="ctr" defTabSz="914400" rtl="0" eaLnBrk="1" fontAlgn="auto" latinLnBrk="0" hangingPunct="1">
+                <a:lnSpc>
+                  <a:spcPct val="100000"/>
+                </a:lnSpc>
+                <a:spcBef>
+                  <a:spcPts val="0"/>
+                </a:spcBef>
+                <a:spcAft>
+                  <a:spcPts val="0"/>
+                </a:spcAft>
+                <a:buClrTx/>
+                <a:buSzTx/>
+                <a:buFontTx/>
+                <a:buNone/>
+                <a:tabLst/>
+                <a:defRPr sz="1800" b="0" i="0" u="none" strike="noStrike" kern="0" cap="none" spc="0" baseline="0">
+                  <a:solidFill>
+                    <a:srgbClr val="000000"/>
+                  </a:solidFill>
+                  <a:uFillTx/>
+                </a:defRPr>
+              </a:pPr>
+              <a:r>
+                <a:rPr kumimoji="0" lang="en-GB" sz="1100" b="1" i="0" u="none" strike="noStrike" kern="1200" cap="none" spc="0" normalizeH="0" baseline="0" noProof="0" dirty="0">
+                  <a:ln>
+                    <a:noFill/>
+                  </a:ln>
+                  <a:solidFill>
+                    <a:schemeClr val="tx1">
+                      <a:lumMod val="65000"/>
+                      <a:lumOff val="35000"/>
+                    </a:schemeClr>
+                  </a:solidFill>
+                  <a:effectLst/>
+                  <a:uLnTx/>
+                  <a:uFillTx/>
+                  <a:latin typeface="Arial" pitchFamily="34"/>
+                  <a:ea typeface="+mn-ea"/>
+                  <a:cs typeface="Arial" pitchFamily="34"/>
+                </a:rPr>
+                <a:t>PROFILE</a:t>
+              </a:r>
+            </a:p>
+          </p:txBody>
+        </p:sp>
+        <p:sp>
+          <p:nvSpPr>
+            <p:cNvPr id="27" name="TextBox 31">
+              <a:extLst>
+                <a:ext uri="{FF2B5EF4-FFF2-40B4-BE49-F238E27FC236}">
+                  <a16:creationId xmlns:a16="http://schemas.microsoft.com/office/drawing/2014/main" id="{01C51005-499F-458E-B3D8-CEE482C69804}"/>
+                </a:ext>
+              </a:extLst>
+            </p:cNvPr>
+            <p:cNvSpPr txBox="1"/>
+            <p:nvPr/>
+          </p:nvSpPr>
+          <p:spPr>
+            <a:xfrm>
+              <a:off x="8098475" y="867820"/>
+              <a:ext cx="1513075" cy="262798"/>
+            </a:xfrm>
+            <a:prstGeom prst="rect">
+              <a:avLst/>
+            </a:prstGeom>
+            <a:solidFill>
+              <a:srgbClr val="FFFFFF"/>
+            </a:solidFill>
+            <a:ln cap="flat">
+              <a:noFill/>
+            </a:ln>
+          </p:spPr>
+          <p:txBody>
+            <a:bodyPr vert="horz" wrap="square" lIns="91440" tIns="45720" rIns="91440" bIns="45720" anchor="t" anchorCtr="1" compatLnSpc="1">
+              <a:spAutoFit/>
+            </a:bodyPr>
+            <a:lstStyle/>
+            <a:p>
+              <a:pPr marL="0" marR="0" lvl="0" indent="0" algn="ctr" defTabSz="914400" rtl="0" eaLnBrk="1" fontAlgn="auto" latinLnBrk="0" hangingPunct="1">
+                <a:lnSpc>
+                  <a:spcPct val="100000"/>
+                </a:lnSpc>
+                <a:spcBef>
+                  <a:spcPts val="0"/>
+                </a:spcBef>
+                <a:spcAft>
+                  <a:spcPts val="0"/>
+                </a:spcAft>
+                <a:buClrTx/>
+                <a:buSzTx/>
+                <a:buFontTx/>
+                <a:buNone/>
+                <a:tabLst/>
+                <a:defRPr sz="1800" b="0" i="0" u="none" strike="noStrike" kern="0" cap="none" spc="0" baseline="0">
+                  <a:solidFill>
+                    <a:srgbClr val="000000"/>
+                  </a:solidFill>
+                  <a:uFillTx/>
+                </a:defRPr>
+              </a:pPr>
+              <a:r>
+                <a:rPr kumimoji="0" lang="en-GB" sz="1100" b="1" i="0" u="none" strike="noStrike" kern="1200" cap="none" spc="0" normalizeH="0" baseline="0" noProof="0" dirty="0">
+                  <a:ln>
+                    <a:noFill/>
+                  </a:ln>
+                  <a:solidFill>
+                    <a:schemeClr val="tx1">
+                      <a:lumMod val="65000"/>
+                      <a:lumOff val="35000"/>
+                    </a:schemeClr>
+                  </a:solidFill>
+                  <a:effectLst/>
+                  <a:uLnTx/>
+                  <a:uFillTx/>
+                  <a:latin typeface="Arial" pitchFamily="34"/>
+                  <a:ea typeface="+mn-ea"/>
+                  <a:cs typeface="Arial" pitchFamily="34"/>
+                </a:rPr>
+                <a:t>EXPERIENCE</a:t>
+              </a:r>
+            </a:p>
+          </p:txBody>
+        </p:sp>
+        <p:grpSp>
+          <p:nvGrpSpPr>
+            <p:cNvPr id="30" name="Group 14">
+              <a:extLst>
+                <a:ext uri="{FF2B5EF4-FFF2-40B4-BE49-F238E27FC236}">
+                  <a16:creationId xmlns:a16="http://schemas.microsoft.com/office/drawing/2014/main" id="{2611674D-D70E-4245-B448-78B4CDB71E9D}"/>
+                </a:ext>
+              </a:extLst>
+            </p:cNvPr>
+            <p:cNvGrpSpPr/>
+            <p:nvPr/>
+          </p:nvGrpSpPr>
+          <p:grpSpPr>
+            <a:xfrm>
+              <a:off x="700613" y="1146493"/>
+              <a:ext cx="4979127" cy="1268095"/>
+              <a:chOff x="700613" y="1146493"/>
+              <a:chExt cx="4979127" cy="1268095"/>
+            </a:xfrm>
+          </p:grpSpPr>
+          <p:sp>
+            <p:nvSpPr>
+              <p:cNvPr id="36" name="TextBox 1">
+                <a:extLst>
+                  <a:ext uri="{FF2B5EF4-FFF2-40B4-BE49-F238E27FC236}">
+                    <a16:creationId xmlns:a16="http://schemas.microsoft.com/office/drawing/2014/main" id="{A4C8C178-CB47-4A4E-B55F-E384A4638DCB}"/>
+                  </a:ext>
+                </a:extLst>
+              </p:cNvPr>
+              <p:cNvSpPr txBox="1"/>
+              <p:nvPr/>
+            </p:nvSpPr>
+            <p:spPr>
+              <a:xfrm>
+                <a:off x="3474482" y="1146493"/>
+                <a:ext cx="2205258" cy="1169551"/>
+              </a:xfrm>
+              <a:prstGeom prst="rect">
+                <a:avLst/>
+              </a:prstGeom>
+              <a:noFill/>
+              <a:ln cap="flat">
+                <a:noFill/>
+              </a:ln>
+            </p:spPr>
+            <p:txBody>
+              <a:bodyPr vert="horz" wrap="square" lIns="91440" tIns="45720" rIns="91440" bIns="45720" anchor="t" anchorCtr="0" compatLnSpc="1">
+                <a:spAutoFit/>
+              </a:bodyPr>
+              <a:lstStyle/>
+              <a:p>
+                <a:pPr marL="171450" marR="0" lvl="0" indent="-171450" algn="l" defTabSz="914400" rtl="0" eaLnBrk="1" fontAlgn="auto" latinLnBrk="0" hangingPunct="1">
+                  <a:lnSpc>
+                    <a:spcPct val="100000"/>
+                  </a:lnSpc>
+                  <a:spcBef>
+                    <a:spcPts val="0"/>
+                  </a:spcBef>
+                  <a:spcAft>
+                    <a:spcPts val="0"/>
+                  </a:spcAft>
+                  <a:buClr>
+                    <a:srgbClr val="EF4751"/>
+                  </a:buClr>
+                  <a:buSzPct val="100000"/>
+                  <a:buFont typeface="Wingdings" pitchFamily="2"/>
+                  <a:buChar char="§"/>
+                  <a:tabLst/>
+                  <a:defRPr sz="1800" b="0" i="0" u="none" strike="noStrike" kern="0" cap="none" spc="0" baseline="0">
+                    <a:solidFill>
+                      <a:srgbClr val="000000"/>
+                    </a:solidFill>
+                    <a:uFillTx/>
+                  </a:defRPr>
+                </a:pPr>
+                <a:r>
+                  <a:rPr lang="en-GB" sz="1400" dirty="0">
+                    <a:solidFill>
+                      <a:srgbClr val="000000"/>
+                    </a:solidFill>
+                    <a:cs typeface="Arial" pitchFamily="34"/>
+                  </a:rPr>
+                  <a:t>1</a:t>
+                </a:r>
+                <a:r>
+                  <a:rPr kumimoji="0" lang="en-GB" sz="1400" b="0" i="0" u="none" strike="noStrike" kern="1200" cap="none" spc="0" normalizeH="0" baseline="0" noProof="0" dirty="0">
+                    <a:ln>
+                      <a:noFill/>
+                    </a:ln>
+                    <a:solidFill>
+                      <a:srgbClr val="000000"/>
+                    </a:solidFill>
+                    <a:effectLst/>
+                    <a:uLnTx/>
+                    <a:uFillTx/>
+                    <a:ea typeface="+mn-ea"/>
+                    <a:cs typeface="Arial" pitchFamily="34"/>
+                  </a:rPr>
+                  <a:t>0 years in Market research and project management</a:t>
+                </a:r>
+              </a:p>
+              <a:p>
+                <a:pPr marL="171450" marR="0" lvl="0" indent="-171450" algn="l" defTabSz="914400" rtl="0" eaLnBrk="1" fontAlgn="auto" latinLnBrk="0" hangingPunct="1">
+                  <a:lnSpc>
+                    <a:spcPct val="100000"/>
+                  </a:lnSpc>
+                  <a:spcBef>
+                    <a:spcPts val="0"/>
+                  </a:spcBef>
+                  <a:spcAft>
+                    <a:spcPts val="0"/>
+                  </a:spcAft>
+                  <a:buClr>
+                    <a:srgbClr val="EF4751"/>
+                  </a:buClr>
+                  <a:buSzPct val="100000"/>
+                  <a:buFont typeface="Wingdings" pitchFamily="2"/>
+                  <a:buChar char="§"/>
+                  <a:tabLst/>
+                  <a:defRPr sz="1800" b="0" i="0" u="none" strike="noStrike" kern="0" cap="none" spc="0" baseline="0">
+                    <a:solidFill>
+                      <a:srgbClr val="000000"/>
+                    </a:solidFill>
+                    <a:uFillTx/>
+                  </a:defRPr>
+                </a:pPr>
+                <a:endParaRPr kumimoji="0" lang="en-GB" sz="1400" b="0" i="0" u="none" strike="noStrike" kern="1200" cap="none" spc="0" normalizeH="0" baseline="0" noProof="0" dirty="0">
+                  <a:ln>
+                    <a:noFill/>
+                  </a:ln>
+                  <a:solidFill>
+                    <a:srgbClr val="000000"/>
+                  </a:solidFill>
+                  <a:effectLst/>
+                  <a:uLnTx/>
+                  <a:uFillTx/>
+                  <a:ea typeface="+mn-ea"/>
+                  <a:cs typeface="Arial" pitchFamily="34"/>
+                </a:endParaRPr>
+              </a:p>
+              <a:p>
+                <a:pPr marL="171450" marR="0" lvl="0" indent="-171450" algn="l" defTabSz="914400" rtl="0" eaLnBrk="1" fontAlgn="auto" latinLnBrk="0" hangingPunct="1">
+                  <a:lnSpc>
+                    <a:spcPct val="100000"/>
+                  </a:lnSpc>
+                  <a:spcBef>
+                    <a:spcPts val="0"/>
+                  </a:spcBef>
+                  <a:spcAft>
+                    <a:spcPts val="0"/>
+                  </a:spcAft>
+                  <a:buClr>
+                    <a:srgbClr val="EF4751"/>
+                  </a:buClr>
+                  <a:buSzPct val="100000"/>
+                  <a:buFont typeface="Wingdings" pitchFamily="2"/>
+                  <a:buChar char="§"/>
+                  <a:tabLst/>
+                  <a:defRPr sz="1800" b="0" i="0" u="none" strike="noStrike" kern="0" cap="none" spc="0" baseline="0">
+                    <a:solidFill>
+                      <a:srgbClr val="000000"/>
+                    </a:solidFill>
+                    <a:uFillTx/>
+                  </a:defRPr>
+                </a:pPr>
+                <a:r>
+                  <a:rPr kumimoji="0" lang="en-GB" sz="1400" b="0" i="0" u="none" strike="noStrike" kern="1200" cap="none" spc="0" normalizeH="0" baseline="0" noProof="0" dirty="0">
+                    <a:ln>
+                      <a:noFill/>
+                    </a:ln>
+                    <a:solidFill>
+                      <a:srgbClr val="000000"/>
+                    </a:solidFill>
+                    <a:effectLst/>
+                    <a:uLnTx/>
+                    <a:uFillTx/>
+                    <a:ea typeface="+mn-ea"/>
+                    <a:cs typeface="Arial" pitchFamily="34"/>
+                  </a:rPr>
+                  <a:t>Founding partner </a:t>
+                </a:r>
+                <a:r>
+                  <a:rPr lang="en-GB" sz="1400" dirty="0">
+                    <a:solidFill>
+                      <a:srgbClr val="000000"/>
+                    </a:solidFill>
+                    <a:cs typeface="Arial" pitchFamily="34"/>
+                  </a:rPr>
+                  <a:t>at </a:t>
+                </a:r>
+                <a:r>
+                  <a:rPr lang="en-GB" sz="1400" dirty="0" err="1">
+                    <a:solidFill>
+                      <a:srgbClr val="000000"/>
+                    </a:solidFill>
+                    <a:cs typeface="Arial" pitchFamily="34"/>
+                  </a:rPr>
+                  <a:t>xyz</a:t>
+                </a:r>
+                <a:r>
+                  <a:rPr lang="en-GB" sz="1400" dirty="0">
+                    <a:solidFill>
+                      <a:srgbClr val="000000"/>
+                    </a:solidFill>
+                    <a:cs typeface="Arial" pitchFamily="34"/>
+                  </a:rPr>
+                  <a:t> </a:t>
+                </a:r>
+                <a:endParaRPr kumimoji="0" lang="en-GB" sz="1400" b="0" i="0" u="none" strike="noStrike" kern="1200" cap="none" spc="0" normalizeH="0" baseline="0" noProof="0" dirty="0">
+                  <a:ln>
+                    <a:noFill/>
+                  </a:ln>
+                  <a:solidFill>
+                    <a:srgbClr val="000000"/>
+                  </a:solidFill>
+                  <a:effectLst/>
+                  <a:uLnTx/>
+                  <a:uFillTx/>
+                  <a:ea typeface="+mn-ea"/>
+                  <a:cs typeface="Arial" pitchFamily="34"/>
+                </a:endParaRPr>
+              </a:p>
+            </p:txBody>
+          </p:sp>
+          <p:sp>
+            <p:nvSpPr>
+              <p:cNvPr id="37" name="Rectangle 11">
+                <a:extLst>
+                  <a:ext uri="{FF2B5EF4-FFF2-40B4-BE49-F238E27FC236}">
+                    <a16:creationId xmlns:a16="http://schemas.microsoft.com/office/drawing/2014/main" id="{99C65357-9560-451B-94DB-EEC529D4D447}"/>
+                  </a:ext>
+                </a:extLst>
+              </p:cNvPr>
+              <p:cNvSpPr/>
+              <p:nvPr/>
+            </p:nvSpPr>
+            <p:spPr>
+              <a:xfrm>
+                <a:off x="700613" y="1146493"/>
+                <a:ext cx="2691636" cy="1268095"/>
+              </a:xfrm>
+              <a:prstGeom prst="rect">
+                <a:avLst/>
+              </a:prstGeom>
+              <a:solidFill>
+                <a:srgbClr val="C00000"/>
+              </a:solidFill>
+              <a:ln cap="flat">
+                <a:noFill/>
+                <a:prstDash val="solid"/>
+              </a:ln>
+            </p:spPr>
+            <p:txBody>
+              <a:bodyPr vert="horz" wrap="square" lIns="91440" tIns="45720" rIns="91440" bIns="45720" anchor="t" anchorCtr="0" compatLnSpc="1">
+                <a:noAutofit/>
+              </a:bodyPr>
+              <a:lstStyle/>
+              <a:p>
+                <a:pPr marL="0" marR="0" lvl="0" indent="0" algn="l" defTabSz="914400" rtl="0" eaLnBrk="1" fontAlgn="auto" latinLnBrk="0" hangingPunct="1">
+                  <a:lnSpc>
+                    <a:spcPct val="100000"/>
+                  </a:lnSpc>
+                  <a:spcBef>
+                    <a:spcPts val="0"/>
+                  </a:spcBef>
+                  <a:spcAft>
+                    <a:spcPts val="0"/>
+                  </a:spcAft>
+                  <a:buClrTx/>
+                  <a:buSzTx/>
+                  <a:buFontTx/>
+                  <a:buNone/>
+                  <a:tabLst/>
+                  <a:defRPr sz="1800" b="0" i="0" u="none" strike="noStrike" kern="0" cap="none" spc="0" baseline="0">
+                    <a:solidFill>
+                      <a:srgbClr val="000000"/>
+                    </a:solidFill>
+                    <a:uFillTx/>
+                  </a:defRPr>
+                </a:pPr>
+                <a:r>
+                  <a:rPr kumimoji="0" lang="en-GB" sz="1300" b="1" i="0" u="none" strike="noStrike" kern="1200" cap="none" spc="0" normalizeH="0" baseline="0" noProof="0" dirty="0">
+                    <a:ln>
+                      <a:noFill/>
+                    </a:ln>
+                    <a:solidFill>
+                      <a:srgbClr val="FFFFFF"/>
+                    </a:solidFill>
+                    <a:effectLst/>
+                    <a:uLnTx/>
+                    <a:uFillTx/>
+                    <a:ea typeface="Segoe UI Symbol" pitchFamily="34"/>
+                    <a:cs typeface="Arial" pitchFamily="34"/>
+                  </a:rPr>
+                  <a:t>BAHANI BILLEL</a:t>
+                </a:r>
+              </a:p>
+              <a:p>
+                <a:pPr marL="0" marR="0" lvl="0" indent="0" algn="l" defTabSz="914400" rtl="0" eaLnBrk="1" fontAlgn="auto" latinLnBrk="0" hangingPunct="1">
+                  <a:lnSpc>
+                    <a:spcPct val="100000"/>
+                  </a:lnSpc>
+                  <a:spcBef>
+                    <a:spcPts val="0"/>
+                  </a:spcBef>
+                  <a:spcAft>
+                    <a:spcPts val="0"/>
+                  </a:spcAft>
+                  <a:buClrTx/>
+                  <a:buSzTx/>
+                  <a:buFontTx/>
+                  <a:buNone/>
+                  <a:tabLst/>
+                  <a:defRPr sz="1800" b="0" i="0" u="none" strike="noStrike" kern="0" cap="none" spc="0" baseline="0">
+                    <a:solidFill>
+                      <a:srgbClr val="000000"/>
+                    </a:solidFill>
+                    <a:uFillTx/>
+                  </a:defRPr>
+                </a:pPr>
+                <a:endParaRPr kumimoji="0" lang="en-GB" sz="1300" b="1" i="0" u="none" strike="noStrike" kern="1200" cap="none" spc="0" normalizeH="0" baseline="0" noProof="0" dirty="0">
+                  <a:ln>
+                    <a:noFill/>
+                  </a:ln>
+                  <a:solidFill>
+                    <a:srgbClr val="FFFFFF"/>
+                  </a:solidFill>
+                  <a:effectLst/>
+                  <a:uLnTx/>
+                  <a:uFillTx/>
+                  <a:ea typeface="Segoe UI Symbol" pitchFamily="34"/>
+                  <a:cs typeface="Arial" pitchFamily="34"/>
+                </a:endParaRPr>
+              </a:p>
+              <a:p>
+                <a:pPr marL="0" marR="0" lvl="0" indent="0" algn="l" defTabSz="914400" rtl="0" eaLnBrk="1" fontAlgn="auto" latinLnBrk="0" hangingPunct="1">
+                  <a:lnSpc>
+                    <a:spcPct val="100000"/>
+                  </a:lnSpc>
+                  <a:spcBef>
+                    <a:spcPts val="0"/>
+                  </a:spcBef>
+                  <a:spcAft>
+                    <a:spcPts val="0"/>
+                  </a:spcAft>
+                  <a:buClrTx/>
+                  <a:buSzTx/>
+                  <a:buFontTx/>
+                  <a:buNone/>
+                  <a:tabLst/>
+                  <a:defRPr sz="1800" b="0" i="0" u="none" strike="noStrike" kern="0" cap="none" spc="0" baseline="0">
+                    <a:solidFill>
+                      <a:srgbClr val="000000"/>
+                    </a:solidFill>
+                    <a:uFillTx/>
+                  </a:defRPr>
+                </a:pPr>
+                <a:r>
+                  <a:rPr kumimoji="0" lang="en-GB" sz="1300" b="1" i="0" u="none" strike="noStrike" kern="1200" cap="none" spc="0" normalizeH="0" baseline="0" noProof="0" dirty="0">
+                    <a:ln>
+                      <a:noFill/>
+                    </a:ln>
+                    <a:solidFill>
+                      <a:srgbClr val="FFFFFF"/>
+                    </a:solidFill>
+                    <a:effectLst/>
+                    <a:uLnTx/>
+                    <a:uFillTx/>
+                    <a:ea typeface="Segoe UI Symbol" pitchFamily="34"/>
+                    <a:cs typeface="Arial" pitchFamily="34"/>
+                  </a:rPr>
+                  <a:t>CEO Sal </a:t>
+                </a:r>
+                <a:r>
+                  <a:rPr lang="en-GB" sz="1300" b="1" dirty="0">
+                    <a:solidFill>
+                      <a:srgbClr val="FFFFFF"/>
+                    </a:solidFill>
+                    <a:ea typeface="Segoe UI Symbol" pitchFamily="34"/>
+                    <a:cs typeface="Arial" pitchFamily="34"/>
+                  </a:rPr>
+                  <a:t>M</a:t>
+                </a:r>
+                <a:r>
+                  <a:rPr kumimoji="0" lang="en-GB" sz="1300" b="1" i="0" u="none" strike="noStrike" kern="1200" cap="none" spc="0" normalizeH="0" baseline="0" noProof="0" dirty="0" err="1">
+                    <a:ln>
+                      <a:noFill/>
+                    </a:ln>
+                    <a:solidFill>
+                      <a:srgbClr val="FFFFFF"/>
+                    </a:solidFill>
+                    <a:effectLst/>
+                    <a:uLnTx/>
+                    <a:uFillTx/>
+                    <a:ea typeface="Segoe UI Symbol" pitchFamily="34"/>
+                    <a:cs typeface="Arial" pitchFamily="34"/>
+                  </a:rPr>
+                  <a:t>djareb</a:t>
+                </a:r>
+                <a:endParaRPr kumimoji="0" lang="en-GB" sz="1300" b="1" i="0" u="none" strike="noStrike" kern="0" cap="none" spc="0" normalizeH="0" baseline="0" noProof="0" dirty="0">
+                  <a:ln>
+                    <a:noFill/>
+                  </a:ln>
+                  <a:solidFill>
+                    <a:srgbClr val="FFFFFF"/>
+                  </a:solidFill>
+                  <a:effectLst/>
+                  <a:uLnTx/>
+                  <a:uFillTx/>
+                  <a:ea typeface="Segoe UI Symbol" pitchFamily="34"/>
+                  <a:cs typeface="Arial" pitchFamily="34"/>
+                </a:endParaRPr>
+              </a:p>
+              <a:p>
+                <a:pPr marL="0" marR="0" lvl="0" indent="0" algn="l" defTabSz="914400" rtl="0" eaLnBrk="1" fontAlgn="auto" latinLnBrk="0" hangingPunct="1">
+                  <a:lnSpc>
+                    <a:spcPct val="100000"/>
+                  </a:lnSpc>
+                  <a:spcBef>
+                    <a:spcPts val="0"/>
+                  </a:spcBef>
+                  <a:spcAft>
+                    <a:spcPts val="0"/>
+                  </a:spcAft>
+                  <a:buClrTx/>
+                  <a:buSzTx/>
+                  <a:buFontTx/>
+                  <a:buNone/>
+                  <a:tabLst/>
+                  <a:defRPr sz="1800" b="0" i="0" u="none" strike="noStrike" kern="0" cap="none" spc="0" baseline="0">
+                    <a:solidFill>
+                      <a:srgbClr val="000000"/>
+                    </a:solidFill>
+                    <a:uFillTx/>
+                  </a:defRPr>
+                </a:pPr>
+                <a:endParaRPr kumimoji="0" lang="en-GB" sz="1300" b="1" i="0" u="none" strike="noStrike" kern="0" cap="none" spc="0" normalizeH="0" baseline="0" noProof="0" dirty="0">
+                  <a:ln>
+                    <a:noFill/>
+                  </a:ln>
+                  <a:solidFill>
+                    <a:srgbClr val="FFFFFF"/>
+                  </a:solidFill>
+                  <a:effectLst/>
+                  <a:uLnTx/>
+                  <a:uFillTx/>
+                  <a:ea typeface="Segoe UI Symbol" pitchFamily="34"/>
+                  <a:cs typeface="Arial" pitchFamily="34"/>
+                </a:endParaRPr>
+              </a:p>
+              <a:p>
+                <a:pPr marL="0" marR="0" lvl="0" indent="0" algn="l" defTabSz="914400" rtl="0" eaLnBrk="1" fontAlgn="auto" latinLnBrk="0" hangingPunct="1">
+                  <a:lnSpc>
+                    <a:spcPct val="100000"/>
+                  </a:lnSpc>
+                  <a:spcBef>
+                    <a:spcPts val="0"/>
+                  </a:spcBef>
+                  <a:spcAft>
+                    <a:spcPts val="0"/>
+                  </a:spcAft>
+                  <a:buClrTx/>
+                  <a:buSzTx/>
+                  <a:buFontTx/>
+                  <a:buNone/>
+                  <a:tabLst/>
+                  <a:defRPr sz="1800" b="0" i="0" u="none" strike="noStrike" kern="0" cap="none" spc="0" baseline="0">
+                    <a:solidFill>
+                      <a:srgbClr val="000000"/>
+                    </a:solidFill>
+                    <a:uFillTx/>
+                  </a:defRPr>
+                </a:pPr>
+                <a:r>
+                  <a:rPr kumimoji="0" lang="en-GB" sz="1300" b="1" i="0" u="none" strike="noStrike" kern="1200" cap="none" spc="0" normalizeH="0" baseline="0" noProof="0" dirty="0">
+                    <a:ln>
+                      <a:noFill/>
+                    </a:ln>
+                    <a:solidFill>
+                      <a:srgbClr val="FFFFFF"/>
+                    </a:solidFill>
+                    <a:effectLst/>
+                    <a:uLnTx/>
+                    <a:uFillTx/>
+                    <a:ea typeface="Segoe UI Symbol" pitchFamily="34"/>
+                    <a:cs typeface="Arial" pitchFamily="34"/>
+                  </a:rPr>
+                  <a:t>UNIVERSITE DE BLIDA; INSIM</a:t>
+                </a:r>
+              </a:p>
+              <a:p>
+                <a:pPr marL="0" marR="0" lvl="0" indent="0" algn="l" defTabSz="914400" rtl="0" eaLnBrk="1" fontAlgn="auto" latinLnBrk="0" hangingPunct="1">
+                  <a:lnSpc>
+                    <a:spcPct val="100000"/>
+                  </a:lnSpc>
+                  <a:spcBef>
+                    <a:spcPts val="0"/>
+                  </a:spcBef>
+                  <a:spcAft>
+                    <a:spcPts val="0"/>
+                  </a:spcAft>
+                  <a:buClrTx/>
+                  <a:buSzTx/>
+                  <a:buFontTx/>
+                  <a:buNone/>
+                  <a:tabLst/>
+                  <a:defRPr sz="1800" b="0" i="0" u="none" strike="noStrike" kern="0" cap="none" spc="0" baseline="0">
+                    <a:solidFill>
+                      <a:srgbClr val="000000"/>
+                    </a:solidFill>
+                    <a:uFillTx/>
+                  </a:defRPr>
+                </a:pPr>
+                <a:endParaRPr kumimoji="0" lang="en-GB" sz="1000" b="1" i="0" u="none" strike="noStrike" kern="1200" cap="none" spc="0" normalizeH="0" baseline="0" noProof="0" dirty="0">
+                  <a:ln>
+                    <a:noFill/>
+                  </a:ln>
+                  <a:solidFill>
+                    <a:srgbClr val="FFFFFF"/>
+                  </a:solidFill>
+                  <a:effectLst/>
+                  <a:uLnTx/>
+                  <a:uFillTx/>
+                  <a:latin typeface="Arial" pitchFamily="34"/>
+                  <a:ea typeface="Segoe UI Symbol" pitchFamily="34"/>
+                  <a:cs typeface="Arial" pitchFamily="34"/>
+                </a:endParaRPr>
+              </a:p>
+            </p:txBody>
+          </p:sp>
+        </p:grpSp>
+        <p:sp>
+          <p:nvSpPr>
+            <p:cNvPr id="33" name="TextBox 37">
+              <a:extLst>
+                <a:ext uri="{FF2B5EF4-FFF2-40B4-BE49-F238E27FC236}">
+                  <a16:creationId xmlns:a16="http://schemas.microsoft.com/office/drawing/2014/main" id="{AC798549-17FC-4BED-8DC2-1399CF83627C}"/>
+                </a:ext>
+              </a:extLst>
+            </p:cNvPr>
+            <p:cNvSpPr txBox="1"/>
+            <p:nvPr/>
+          </p:nvSpPr>
+          <p:spPr>
+            <a:xfrm>
+              <a:off x="3474482" y="3620811"/>
+              <a:ext cx="2205258" cy="1738938"/>
+            </a:xfrm>
+            <a:prstGeom prst="rect">
+              <a:avLst/>
+            </a:prstGeom>
+            <a:noFill/>
+            <a:ln cap="flat">
+              <a:noFill/>
+            </a:ln>
+          </p:spPr>
+          <p:txBody>
+            <a:bodyPr vert="horz" wrap="square" lIns="91440" tIns="45720" rIns="91440" bIns="45720" anchor="t" anchorCtr="0" compatLnSpc="1">
+              <a:spAutoFit/>
+            </a:bodyPr>
+            <a:lstStyle/>
+            <a:p>
+              <a:pPr marL="171450" marR="0" lvl="0" indent="-171450" algn="l" defTabSz="914400" rtl="0" eaLnBrk="1" fontAlgn="auto" latinLnBrk="0" hangingPunct="1">
+                <a:lnSpc>
+                  <a:spcPct val="100000"/>
+                </a:lnSpc>
+                <a:spcBef>
+                  <a:spcPts val="0"/>
+                </a:spcBef>
+                <a:spcAft>
+                  <a:spcPts val="0"/>
+                </a:spcAft>
+                <a:buClr>
+                  <a:srgbClr val="EF4751"/>
+                </a:buClr>
+                <a:buSzPct val="100000"/>
+                <a:buFont typeface="Wingdings" pitchFamily="2"/>
+                <a:buChar char="§"/>
+                <a:tabLst/>
+                <a:defRPr sz="1800" b="0" i="0" u="none" strike="noStrike" kern="0" cap="none" spc="0" baseline="0">
+                  <a:solidFill>
+                    <a:srgbClr val="000000"/>
+                  </a:solidFill>
+                  <a:uFillTx/>
+                </a:defRPr>
+              </a:pPr>
+              <a:r>
+                <a:rPr kumimoji="0" lang="en-GB" sz="1400" b="0" i="0" u="none" strike="noStrike" kern="1200" cap="none" spc="0" normalizeH="0" baseline="0" noProof="0" dirty="0">
+                  <a:ln>
+                    <a:noFill/>
+                  </a:ln>
+                  <a:solidFill>
+                    <a:srgbClr val="000000"/>
+                  </a:solidFill>
+                  <a:effectLst/>
+                  <a:uLnTx/>
+                  <a:uFillTx/>
+                  <a:ea typeface="+mn-ea"/>
+                  <a:cs typeface="Arial" pitchFamily="34"/>
+                </a:rPr>
+                <a:t>20 years in Market research and project management</a:t>
+              </a:r>
+            </a:p>
+            <a:p>
+              <a:pPr marL="171450" marR="0" lvl="0" indent="-171450" algn="l" defTabSz="914400" rtl="0" eaLnBrk="1" fontAlgn="auto" latinLnBrk="0" hangingPunct="1">
+                <a:lnSpc>
+                  <a:spcPct val="100000"/>
+                </a:lnSpc>
+                <a:spcBef>
+                  <a:spcPts val="0"/>
+                </a:spcBef>
+                <a:spcAft>
+                  <a:spcPts val="0"/>
+                </a:spcAft>
+                <a:buClr>
+                  <a:srgbClr val="EF4751"/>
+                </a:buClr>
+                <a:buSzPct val="100000"/>
+                <a:buFont typeface="Wingdings" pitchFamily="2"/>
+                <a:buChar char="§"/>
+                <a:tabLst/>
+                <a:defRPr sz="1800" b="0" i="0" u="none" strike="noStrike" kern="0" cap="none" spc="0" baseline="0">
+                  <a:solidFill>
+                    <a:srgbClr val="000000"/>
+                  </a:solidFill>
+                  <a:uFillTx/>
+                </a:defRPr>
+              </a:pPr>
+              <a:endParaRPr kumimoji="0" lang="en-GB" sz="1400" b="0" i="0" u="none" strike="noStrike" kern="1200" cap="none" spc="0" normalizeH="0" baseline="0" noProof="0" dirty="0">
+                <a:ln>
+                  <a:noFill/>
+                </a:ln>
+                <a:solidFill>
+                  <a:srgbClr val="000000"/>
+                </a:solidFill>
+                <a:effectLst/>
+                <a:uLnTx/>
+                <a:uFillTx/>
+                <a:ea typeface="+mn-ea"/>
+                <a:cs typeface="Arial" pitchFamily="34"/>
+              </a:endParaRPr>
+            </a:p>
+            <a:p>
+              <a:pPr marL="171450" marR="0" lvl="0" indent="-171450" algn="l" defTabSz="914400" rtl="0" eaLnBrk="1" fontAlgn="auto" latinLnBrk="0" hangingPunct="1">
+                <a:lnSpc>
+                  <a:spcPct val="100000"/>
+                </a:lnSpc>
+                <a:spcBef>
+                  <a:spcPts val="0"/>
+                </a:spcBef>
+                <a:spcAft>
+                  <a:spcPts val="0"/>
+                </a:spcAft>
+                <a:buClr>
+                  <a:srgbClr val="EF4751"/>
+                </a:buClr>
+                <a:buSzPct val="100000"/>
+                <a:buFont typeface="Wingdings" pitchFamily="2"/>
+                <a:buChar char="§"/>
+                <a:tabLst/>
+                <a:defRPr sz="1800" b="0" i="0" u="none" strike="noStrike" kern="0" cap="none" spc="0" baseline="0">
+                  <a:solidFill>
+                    <a:srgbClr val="000000"/>
+                  </a:solidFill>
+                  <a:uFillTx/>
+                </a:defRPr>
+              </a:pPr>
+              <a:r>
+                <a:rPr kumimoji="0" lang="en-GB" sz="1400" b="0" i="0" u="none" strike="noStrike" kern="1200" cap="none" spc="0" normalizeH="0" baseline="0" noProof="0" dirty="0">
+                  <a:ln>
+                    <a:noFill/>
+                  </a:ln>
+                  <a:solidFill>
+                    <a:srgbClr val="000000"/>
+                  </a:solidFill>
+                  <a:effectLst/>
+                  <a:uLnTx/>
+                  <a:uFillTx/>
+                  <a:ea typeface="+mn-ea"/>
+                  <a:cs typeface="Arial" pitchFamily="34"/>
+                </a:rPr>
+                <a:t>CEO SmartRocket Africa &amp; Founding partner IMS Research </a:t>
+              </a:r>
+            </a:p>
+            <a:p>
+              <a:pPr marL="171450" marR="0" lvl="0" indent="-171450" algn="l" defTabSz="914400" rtl="0" eaLnBrk="1" fontAlgn="auto" latinLnBrk="0" hangingPunct="1">
+                <a:lnSpc>
+                  <a:spcPct val="100000"/>
+                </a:lnSpc>
+                <a:spcBef>
+                  <a:spcPts val="0"/>
+                </a:spcBef>
+                <a:spcAft>
+                  <a:spcPts val="0"/>
+                </a:spcAft>
+                <a:buClrTx/>
+                <a:buSzPct val="100000"/>
+                <a:buFont typeface="Wingdings" pitchFamily="2"/>
+                <a:buChar char="§"/>
+                <a:tabLst/>
+                <a:defRPr sz="1800" b="0" i="0" u="none" strike="noStrike" kern="0" cap="none" spc="0" baseline="0">
+                  <a:solidFill>
+                    <a:srgbClr val="000000"/>
+                  </a:solidFill>
+                  <a:uFillTx/>
+                </a:defRPr>
+              </a:pPr>
+              <a:endParaRPr kumimoji="0" lang="en-GB" sz="900" b="0" i="0" u="none" strike="noStrike" kern="1200" cap="none" spc="0" normalizeH="0" baseline="0" noProof="0" dirty="0">
+                <a:ln>
+                  <a:noFill/>
+                </a:ln>
+                <a:solidFill>
+                  <a:srgbClr val="000000"/>
+                </a:solidFill>
+                <a:effectLst/>
+                <a:uLnTx/>
+                <a:uFillTx/>
+                <a:latin typeface="Arial" pitchFamily="34"/>
+                <a:ea typeface="+mn-ea"/>
+                <a:cs typeface="Arial" pitchFamily="34"/>
+              </a:endParaRPr>
+            </a:p>
+          </p:txBody>
+        </p:sp>
+      </p:grpSp>
+      <p:sp>
+        <p:nvSpPr>
+          <p:cNvPr id="39" name="object 3">
+            <a:extLst>
+              <a:ext uri="{FF2B5EF4-FFF2-40B4-BE49-F238E27FC236}">
+                <a16:creationId xmlns:a16="http://schemas.microsoft.com/office/drawing/2014/main" id="{79983F63-83EE-4ECD-A675-535CD6B6CFB1}"/>
+              </a:ext>
+            </a:extLst>
+          </p:cNvPr>
+          <p:cNvSpPr txBox="1"/>
+          <p:nvPr/>
+        </p:nvSpPr>
+        <p:spPr>
+          <a:xfrm>
+            <a:off x="5838517" y="1116642"/>
+            <a:ext cx="5766864" cy="1583769"/>
+          </a:xfrm>
+          <a:prstGeom prst="rect">
+            <a:avLst/>
+          </a:prstGeom>
+          <a:noFill/>
+          <a:ln cap="flat">
+            <a:noFill/>
+          </a:ln>
+        </p:spPr>
+        <p:txBody>
+          <a:bodyPr vert="horz" wrap="square" lIns="0" tIns="36832" rIns="0" bIns="0" anchor="t" anchorCtr="0" compatLnSpc="1">
+            <a:spAutoFit/>
+          </a:bodyPr>
+          <a:lstStyle/>
+          <a:p>
+            <a:pPr marL="298451" marR="0" lvl="0" indent="-285750" algn="l" defTabSz="914400" rtl="0" eaLnBrk="1" fontAlgn="auto" latinLnBrk="0" hangingPunct="1">
+              <a:lnSpc>
+                <a:spcPct val="100000"/>
+              </a:lnSpc>
+              <a:spcBef>
+                <a:spcPts val="290"/>
+              </a:spcBef>
+              <a:spcAft>
+                <a:spcPts val="0"/>
+              </a:spcAft>
+              <a:buClrTx/>
+              <a:buSzPct val="100000"/>
+              <a:buFont typeface="Arial" pitchFamily="34"/>
+              <a:buChar char="•"/>
+              <a:tabLst/>
+              <a:defRPr sz="1800" b="0" i="0" u="none" strike="noStrike" kern="0" cap="none" spc="0" baseline="0">
+                <a:solidFill>
+                  <a:srgbClr val="000000"/>
+                </a:solidFill>
+                <a:uFillTx/>
+              </a:defRPr>
+            </a:pPr>
+            <a:endParaRPr kumimoji="0" lang="en-US" sz="900" b="0" i="0" u="none" strike="noStrike" kern="1200" cap="none" spc="0" normalizeH="0" baseline="0" noProof="0" dirty="0">
+              <a:ln>
+                <a:noFill/>
+              </a:ln>
+              <a:solidFill>
+                <a:srgbClr val="000000"/>
+              </a:solidFill>
+              <a:effectLst/>
+              <a:uLnTx/>
+              <a:uFillTx/>
+              <a:latin typeface="Arial" pitchFamily="34"/>
+              <a:ea typeface="+mn-ea"/>
+              <a:cs typeface="Arial" pitchFamily="34"/>
+            </a:endParaRPr>
+          </a:p>
+          <a:p>
+            <a:pPr marL="298451" marR="0" lvl="0" indent="-285750" algn="l" defTabSz="914400" rtl="0" eaLnBrk="1" fontAlgn="auto" latinLnBrk="0" hangingPunct="1">
+              <a:lnSpc>
+                <a:spcPct val="100000"/>
+              </a:lnSpc>
+              <a:spcBef>
+                <a:spcPts val="290"/>
+              </a:spcBef>
+              <a:spcAft>
+                <a:spcPts val="0"/>
+              </a:spcAft>
+              <a:buClr>
+                <a:srgbClr val="EF4751"/>
+              </a:buClr>
+              <a:buSzPct val="100000"/>
+              <a:buFont typeface="Arial" panose="020B0604020202020204" pitchFamily="34" charset="0"/>
+              <a:buChar char="•"/>
+              <a:tabLst/>
+              <a:defRPr sz="1800" b="0" i="0" u="none" strike="noStrike" kern="0" cap="none" spc="0" baseline="0">
+                <a:solidFill>
+                  <a:srgbClr val="000000"/>
+                </a:solidFill>
+                <a:uFillTx/>
+              </a:defRPr>
+            </a:pPr>
+            <a:r>
+              <a:rPr kumimoji="0" lang="en-US" sz="1400" b="0" i="0" u="none" strike="noStrike" kern="1200" cap="none" spc="0" normalizeH="0" baseline="0" noProof="0" dirty="0">
+                <a:ln>
+                  <a:noFill/>
+                </a:ln>
+                <a:solidFill>
+                  <a:srgbClr val="000000"/>
+                </a:solidFill>
+                <a:effectLst/>
+                <a:uLnTx/>
+                <a:uFillTx/>
+                <a:ea typeface="+mn-ea"/>
+                <a:cs typeface="Arial" pitchFamily="34"/>
+              </a:rPr>
+              <a:t>XXXXXXXXXXXS</a:t>
+            </a:r>
+          </a:p>
+          <a:p>
+            <a:pPr marL="298451" marR="0" lvl="0" indent="-285750" algn="l" defTabSz="914400" rtl="0" eaLnBrk="1" fontAlgn="auto" latinLnBrk="0" hangingPunct="1">
+              <a:lnSpc>
+                <a:spcPct val="100000"/>
+              </a:lnSpc>
+              <a:spcBef>
+                <a:spcPts val="290"/>
+              </a:spcBef>
+              <a:spcAft>
+                <a:spcPts val="0"/>
+              </a:spcAft>
+              <a:buClr>
+                <a:srgbClr val="EF4751"/>
+              </a:buClr>
+              <a:buSzPct val="100000"/>
+              <a:buFont typeface="Arial" panose="020B0604020202020204" pitchFamily="34" charset="0"/>
+              <a:buChar char="•"/>
+              <a:tabLst/>
+              <a:defRPr sz="1800" b="0" i="0" u="none" strike="noStrike" kern="0" cap="none" spc="0" baseline="0">
+                <a:solidFill>
+                  <a:srgbClr val="000000"/>
+                </a:solidFill>
+                <a:uFillTx/>
+              </a:defRPr>
+            </a:pPr>
+            <a:r>
+              <a:rPr lang="en-US" sz="1400" dirty="0">
+                <a:solidFill>
+                  <a:srgbClr val="000000"/>
+                </a:solidFill>
+                <a:cs typeface="Arial" pitchFamily="34"/>
+              </a:rPr>
+              <a:t>YYYYYYYYYYYYY</a:t>
+            </a:r>
+            <a:endParaRPr kumimoji="0" lang="en-US" sz="1400" b="0" i="0" u="none" strike="noStrike" kern="1200" cap="none" spc="0" normalizeH="0" baseline="0" noProof="0" dirty="0">
+              <a:ln>
+                <a:noFill/>
+              </a:ln>
+              <a:solidFill>
+                <a:srgbClr val="000000"/>
+              </a:solidFill>
+              <a:effectLst/>
+              <a:uLnTx/>
+              <a:uFillTx/>
+              <a:ea typeface="+mn-ea"/>
+              <a:cs typeface="Arial" pitchFamily="34"/>
+            </a:endParaRPr>
+          </a:p>
+          <a:p>
+            <a:pPr marL="298451" marR="0" lvl="0" indent="-285750" algn="l" defTabSz="914400" rtl="0" eaLnBrk="1" fontAlgn="auto" latinLnBrk="0" hangingPunct="1">
+              <a:lnSpc>
+                <a:spcPct val="100000"/>
+              </a:lnSpc>
+              <a:spcBef>
+                <a:spcPts val="290"/>
+              </a:spcBef>
+              <a:spcAft>
+                <a:spcPts val="0"/>
+              </a:spcAft>
+              <a:buClr>
+                <a:srgbClr val="EF4751"/>
+              </a:buClr>
+              <a:buSzPct val="100000"/>
+              <a:buFont typeface="Arial" panose="020B0604020202020204" pitchFamily="34" charset="0"/>
+              <a:buChar char="•"/>
+              <a:tabLst/>
+              <a:defRPr sz="1800" b="0" i="0" u="none" strike="noStrike" kern="0" cap="none" spc="0" baseline="0">
+                <a:solidFill>
+                  <a:srgbClr val="000000"/>
+                </a:solidFill>
+                <a:uFillTx/>
+              </a:defRPr>
+            </a:pPr>
+            <a:r>
+              <a:rPr kumimoji="0" lang="en-US" sz="1400" b="0" i="0" u="none" strike="noStrike" kern="1200" cap="none" spc="0" normalizeH="0" baseline="0" noProof="0" dirty="0">
+                <a:ln>
+                  <a:noFill/>
+                </a:ln>
+                <a:solidFill>
+                  <a:srgbClr val="000000"/>
+                </a:solidFill>
+                <a:effectLst/>
+                <a:uLnTx/>
+                <a:uFillTx/>
+                <a:ea typeface="+mn-ea"/>
+                <a:cs typeface="Arial" pitchFamily="34"/>
+              </a:rPr>
+              <a:t>Partner and co-founder </a:t>
+            </a:r>
+            <a:r>
+              <a:rPr lang="en-US" sz="1400" dirty="0">
+                <a:solidFill>
+                  <a:srgbClr val="000000"/>
+                </a:solidFill>
+                <a:cs typeface="Arial" pitchFamily="34"/>
+              </a:rPr>
+              <a:t>at Global Marble …..</a:t>
+            </a:r>
+            <a:endParaRPr kumimoji="0" lang="en-US" sz="1400" b="0" i="0" u="none" strike="noStrike" kern="1200" cap="none" spc="0" normalizeH="0" baseline="0" noProof="0" dirty="0">
+              <a:ln>
+                <a:noFill/>
+              </a:ln>
+              <a:solidFill>
+                <a:srgbClr val="000000"/>
+              </a:solidFill>
+              <a:effectLst/>
+              <a:uLnTx/>
+              <a:uFillTx/>
+              <a:ea typeface="+mn-ea"/>
+              <a:cs typeface="Arial" pitchFamily="34"/>
+            </a:endParaRPr>
+          </a:p>
+          <a:p>
+            <a:pPr marL="12701" marR="0" lvl="0" algn="l" defTabSz="914400" rtl="0" eaLnBrk="1" fontAlgn="auto" latinLnBrk="0" hangingPunct="1">
+              <a:lnSpc>
+                <a:spcPct val="100000"/>
+              </a:lnSpc>
+              <a:spcBef>
+                <a:spcPts val="290"/>
+              </a:spcBef>
+              <a:spcAft>
+                <a:spcPts val="0"/>
+              </a:spcAft>
+              <a:buClr>
+                <a:srgbClr val="EF4751"/>
+              </a:buClr>
+              <a:buSzTx/>
+              <a:tabLst/>
+              <a:defRPr sz="1800" b="0" i="0" u="none" strike="noStrike" kern="0" cap="none" spc="0" baseline="0">
+                <a:solidFill>
+                  <a:srgbClr val="000000"/>
+                </a:solidFill>
+                <a:uFillTx/>
+              </a:defRPr>
+            </a:pPr>
+            <a:r>
+              <a:rPr kumimoji="0" lang="en-US" sz="1400" b="0" i="0" u="none" strike="noStrike" kern="1200" cap="none" spc="0" normalizeH="0" baseline="0" noProof="0" dirty="0">
+                <a:ln>
+                  <a:noFill/>
+                </a:ln>
+                <a:solidFill>
+                  <a:srgbClr val="000000"/>
+                </a:solidFill>
+                <a:effectLst/>
+                <a:uLnTx/>
+                <a:uFillTx/>
+                <a:ea typeface="+mn-ea"/>
+                <a:cs typeface="Arial" pitchFamily="34"/>
+              </a:rPr>
+              <a:t>	- Market Research: (Quant, Qual, Panels), Data Analysis, </a:t>
+            </a:r>
+          </a:p>
+          <a:p>
+            <a:pPr marL="12701" marR="0" lvl="0" algn="l" defTabSz="914400" rtl="0" eaLnBrk="1" fontAlgn="auto" latinLnBrk="0" hangingPunct="1">
+              <a:lnSpc>
+                <a:spcPct val="100000"/>
+              </a:lnSpc>
+              <a:spcBef>
+                <a:spcPts val="290"/>
+              </a:spcBef>
+              <a:spcAft>
+                <a:spcPts val="0"/>
+              </a:spcAft>
+              <a:buClr>
+                <a:srgbClr val="EF4751"/>
+              </a:buClr>
+              <a:buSzTx/>
+              <a:tabLst/>
+              <a:defRPr sz="1800" b="0" i="0" u="none" strike="noStrike" kern="0" cap="none" spc="0" baseline="0">
+                <a:solidFill>
+                  <a:srgbClr val="000000"/>
+                </a:solidFill>
+                <a:uFillTx/>
+              </a:defRPr>
+            </a:pPr>
+            <a:r>
+              <a:rPr kumimoji="0" lang="en-US" sz="1400" b="0" i="0" u="none" strike="noStrike" kern="1200" cap="none" spc="0" normalizeH="0" baseline="0" noProof="0" dirty="0">
+                <a:ln>
+                  <a:noFill/>
+                </a:ln>
+                <a:solidFill>
+                  <a:srgbClr val="000000"/>
+                </a:solidFill>
+                <a:effectLst/>
+                <a:uLnTx/>
+                <a:uFillTx/>
+                <a:ea typeface="+mn-ea"/>
+                <a:cs typeface="Arial" pitchFamily="34"/>
+              </a:rPr>
+              <a:t>	- Brands Performance, Consumer insights. </a:t>
+            </a:r>
+            <a:endParaRPr kumimoji="0" lang="en-US" sz="900" b="0" i="0" u="none" strike="noStrike" kern="1200" cap="none" spc="0" normalizeH="0" baseline="0" noProof="0" dirty="0">
+              <a:ln>
+                <a:noFill/>
+              </a:ln>
+              <a:solidFill>
+                <a:srgbClr val="000000"/>
+              </a:solidFill>
+              <a:effectLst/>
+              <a:uLnTx/>
+              <a:uFillTx/>
+              <a:latin typeface="Arial" pitchFamily="34"/>
+              <a:ea typeface="+mn-ea"/>
+              <a:cs typeface="Arial" pitchFamily="34"/>
+            </a:endParaRPr>
+          </a:p>
+          <a:p>
+            <a:pPr marL="0" marR="0" lvl="0" indent="0" algn="l" defTabSz="914400" rtl="0" eaLnBrk="1" fontAlgn="auto" latinLnBrk="0" hangingPunct="1">
+              <a:lnSpc>
+                <a:spcPct val="100000"/>
+              </a:lnSpc>
+              <a:spcBef>
+                <a:spcPts val="40"/>
+              </a:spcBef>
+              <a:spcAft>
+                <a:spcPts val="0"/>
+              </a:spcAft>
+              <a:buClrTx/>
+              <a:buSzTx/>
+              <a:buFontTx/>
+              <a:buNone/>
+              <a:tabLst/>
+              <a:defRPr sz="1800" b="0" i="0" u="none" strike="noStrike" kern="0" cap="none" spc="0" baseline="0">
+                <a:solidFill>
+                  <a:srgbClr val="000000"/>
+                </a:solidFill>
+                <a:uFillTx/>
+              </a:defRPr>
+            </a:pPr>
+            <a:endParaRPr kumimoji="0" lang="en-US" sz="900" b="0" i="0" u="none" strike="noStrike" kern="1200" cap="none" spc="0" normalizeH="0" baseline="0" noProof="0" dirty="0">
+              <a:ln>
+                <a:noFill/>
+              </a:ln>
+              <a:solidFill>
+                <a:srgbClr val="000000"/>
+              </a:solidFill>
+              <a:effectLst/>
+              <a:uLnTx/>
+              <a:uFillTx/>
+              <a:latin typeface="Arial" pitchFamily="34"/>
+              <a:ea typeface="+mn-ea"/>
+              <a:cs typeface="Arial" pitchFamily="34"/>
+            </a:endParaRPr>
+          </a:p>
+        </p:txBody>
+      </p:sp>
+      <p:sp>
+        <p:nvSpPr>
+          <p:cNvPr id="3" name="Slide Number Placeholder 2">
+            <a:extLst>
+              <a:ext uri="{FF2B5EF4-FFF2-40B4-BE49-F238E27FC236}">
+                <a16:creationId xmlns:a16="http://schemas.microsoft.com/office/drawing/2014/main" id="{B656C653-A603-4D00-A0FF-3CE7F72F4F20}"/>
+              </a:ext>
+            </a:extLst>
+          </p:cNvPr>
+          <p:cNvSpPr>
+            <a:spLocks noGrp="1"/>
+          </p:cNvSpPr>
+          <p:nvPr>
+            <p:ph type="sldNum" sz="quarter" idx="4"/>
+          </p:nvPr>
+        </p:nvSpPr>
+        <p:spPr/>
+        <p:txBody>
+          <a:bodyPr/>
+          <a:lstStyle/>
+          <a:p>
+            <a:fld id="{041C6976-BE5D-4658-9F25-132912CB2553}" type="slidenum">
+              <a:rPr lang="en-HK" sz="1400" b="0" smtClean="0"/>
+              <a:t>13</a:t>
+            </a:fld>
+            <a:endParaRPr lang="en-HK" sz="1400" b="0" dirty="0"/>
+          </a:p>
+        </p:txBody>
+      </p:sp>
+      <p:pic>
+        <p:nvPicPr>
+          <p:cNvPr id="19" name="Picture 2" descr="sal mdjareb logo">
+            <a:extLst>
+              <a:ext uri="{FF2B5EF4-FFF2-40B4-BE49-F238E27FC236}">
+                <a16:creationId xmlns:a16="http://schemas.microsoft.com/office/drawing/2014/main" id="{F2DEABE4-7F3E-014E-BC03-F42F458038E9}"/>
+              </a:ext>
+            </a:extLst>
+          </p:cNvPr>
+          <p:cNvPicPr>
+            <a:picLocks noChangeAspect="1" noChangeArrowheads="1"/>
+          </p:cNvPicPr>
+          <p:nvPr/>
+        </p:nvPicPr>
+        <p:blipFill>
+          <a:blip r:embed="rId3" cstate="hqprint">
+            <a:extLst>
+              <a:ext uri="{28A0092B-C50C-407E-A947-70E740481C1C}">
+                <a14:useLocalDpi xmlns:a14="http://schemas.microsoft.com/office/drawing/2010/main" val="0"/>
+              </a:ext>
+            </a:extLst>
+          </a:blip>
+          <a:srcRect/>
+          <a:stretch>
+            <a:fillRect/>
+          </a:stretch>
+        </p:blipFill>
+        <p:spPr bwMode="auto">
+          <a:xfrm>
+            <a:off x="10324173" y="6427470"/>
+            <a:ext cx="1108035" cy="422920"/>
+          </a:xfrm>
+          <a:prstGeom prst="rect">
+            <a:avLst/>
+          </a:prstGeom>
+          <a:noFill/>
+          <a:extLst>
+            <a:ext uri="{909E8E84-426E-40DD-AFC4-6F175D3DCCD1}">
+              <a14:hiddenFill xmlns:a14="http://schemas.microsoft.com/office/drawing/2010/main">
+                <a:solidFill>
+                  <a:srgbClr val="FFFFFF"/>
+                </a:solidFill>
+              </a14:hiddenFill>
+            </a:ext>
+          </a:extLst>
+        </p:spPr>
+      </p:pic>
+      <p:sp>
+        <p:nvSpPr>
+          <p:cNvPr id="18" name="Rectangle 11">
+            <a:extLst>
+              <a:ext uri="{FF2B5EF4-FFF2-40B4-BE49-F238E27FC236}">
+                <a16:creationId xmlns:a16="http://schemas.microsoft.com/office/drawing/2014/main" id="{210B7DBD-59BE-01CA-EFB2-19C4B575E8F2}"/>
+              </a:ext>
+            </a:extLst>
+          </p:cNvPr>
+          <p:cNvSpPr/>
+          <p:nvPr/>
+        </p:nvSpPr>
+        <p:spPr>
+          <a:xfrm>
+            <a:off x="729043" y="3836967"/>
+            <a:ext cx="2691636" cy="1268095"/>
+          </a:xfrm>
+          <a:prstGeom prst="rect">
+            <a:avLst/>
+          </a:prstGeom>
+          <a:solidFill>
+            <a:srgbClr val="C00000"/>
+          </a:solidFill>
+          <a:ln cap="flat">
+            <a:noFill/>
+            <a:prstDash val="solid"/>
+          </a:ln>
+        </p:spPr>
+        <p:txBody>
+          <a:bodyPr vert="horz" wrap="square" lIns="91440" tIns="45720" rIns="91440" bIns="45720" anchor="t" anchorCtr="0" compatLnSpc="1">
+            <a:noAutofit/>
+          </a:bodyPr>
+          <a:lstStyle/>
+          <a:p>
+            <a:pPr marL="0" marR="0" lvl="0" indent="0" algn="l" defTabSz="914400" rtl="0" eaLnBrk="1" fontAlgn="auto" latinLnBrk="0" hangingPunct="1">
+              <a:lnSpc>
+                <a:spcPct val="100000"/>
+              </a:lnSpc>
+              <a:spcBef>
+                <a:spcPts val="0"/>
+              </a:spcBef>
+              <a:spcAft>
+                <a:spcPts val="0"/>
+              </a:spcAft>
+              <a:buClrTx/>
+              <a:buSzTx/>
+              <a:buFontTx/>
+              <a:buNone/>
+              <a:tabLst/>
+              <a:defRPr sz="1800" b="0" i="0" u="none" strike="noStrike" kern="0" cap="none" spc="0" baseline="0">
+                <a:solidFill>
+                  <a:srgbClr val="000000"/>
+                </a:solidFill>
+                <a:uFillTx/>
+              </a:defRPr>
+            </a:pPr>
+            <a:r>
+              <a:rPr kumimoji="0" lang="en-GB" sz="1300" b="1" i="0" u="none" strike="noStrike" kern="1200" cap="none" spc="0" normalizeH="0" baseline="0" noProof="0" dirty="0">
+                <a:ln>
+                  <a:noFill/>
+                </a:ln>
+                <a:solidFill>
+                  <a:srgbClr val="FFFFFF"/>
+                </a:solidFill>
+                <a:effectLst/>
+                <a:uLnTx/>
+                <a:uFillTx/>
+                <a:ea typeface="Segoe UI Symbol" pitchFamily="34"/>
+                <a:cs typeface="Arial" pitchFamily="34"/>
+              </a:rPr>
+              <a:t>BOUBAKER HAMMOU</a:t>
+            </a:r>
+          </a:p>
+          <a:p>
+            <a:pPr marL="0" marR="0" lvl="0" indent="0" algn="l" defTabSz="914400" rtl="0" eaLnBrk="1" fontAlgn="auto" latinLnBrk="0" hangingPunct="1">
+              <a:lnSpc>
+                <a:spcPct val="100000"/>
+              </a:lnSpc>
+              <a:spcBef>
+                <a:spcPts val="0"/>
+              </a:spcBef>
+              <a:spcAft>
+                <a:spcPts val="0"/>
+              </a:spcAft>
+              <a:buClrTx/>
+              <a:buSzTx/>
+              <a:buFontTx/>
+              <a:buNone/>
+              <a:tabLst/>
+              <a:defRPr sz="1800" b="0" i="0" u="none" strike="noStrike" kern="0" cap="none" spc="0" baseline="0">
+                <a:solidFill>
+                  <a:srgbClr val="000000"/>
+                </a:solidFill>
+                <a:uFillTx/>
+              </a:defRPr>
+            </a:pPr>
+            <a:endParaRPr kumimoji="0" lang="en-GB" sz="1300" b="1" i="0" u="none" strike="noStrike" kern="1200" cap="none" spc="0" normalizeH="0" baseline="0" noProof="0" dirty="0">
+              <a:ln>
+                <a:noFill/>
+              </a:ln>
+              <a:solidFill>
+                <a:srgbClr val="FFFFFF"/>
+              </a:solidFill>
+              <a:effectLst/>
+              <a:uLnTx/>
+              <a:uFillTx/>
+              <a:ea typeface="Segoe UI Symbol" pitchFamily="34"/>
+              <a:cs typeface="Arial" pitchFamily="34"/>
+            </a:endParaRPr>
+          </a:p>
+          <a:p>
+            <a:pPr marL="0" marR="0" lvl="0" indent="0" algn="l" defTabSz="914400" rtl="0" eaLnBrk="1" fontAlgn="auto" latinLnBrk="0" hangingPunct="1">
+              <a:lnSpc>
+                <a:spcPct val="100000"/>
+              </a:lnSpc>
+              <a:spcBef>
+                <a:spcPts val="0"/>
+              </a:spcBef>
+              <a:spcAft>
+                <a:spcPts val="0"/>
+              </a:spcAft>
+              <a:buClrTx/>
+              <a:buSzTx/>
+              <a:buFontTx/>
+              <a:buNone/>
+              <a:tabLst/>
+              <a:defRPr sz="1800" b="0" i="0" u="none" strike="noStrike" kern="0" cap="none" spc="0" baseline="0">
+                <a:solidFill>
+                  <a:srgbClr val="000000"/>
+                </a:solidFill>
+                <a:uFillTx/>
+              </a:defRPr>
+            </a:pPr>
+            <a:r>
+              <a:rPr kumimoji="0" lang="en-GB" sz="1300" b="1" i="0" u="none" strike="noStrike" kern="1200" cap="none" spc="0" normalizeH="0" baseline="0" noProof="0" dirty="0">
+                <a:ln>
+                  <a:noFill/>
+                </a:ln>
+                <a:solidFill>
+                  <a:srgbClr val="FFFFFF"/>
+                </a:solidFill>
+                <a:effectLst/>
+                <a:uLnTx/>
+                <a:uFillTx/>
+                <a:ea typeface="Segoe UI Symbol" pitchFamily="34"/>
+                <a:cs typeface="Arial" pitchFamily="34"/>
+              </a:rPr>
+              <a:t>C00 Sal </a:t>
+            </a:r>
+            <a:r>
+              <a:rPr kumimoji="0" lang="en-GB" sz="1300" b="1" i="0" u="none" strike="noStrike" kern="1200" cap="none" spc="0" normalizeH="0" baseline="0" noProof="0" dirty="0" err="1">
+                <a:ln>
+                  <a:noFill/>
+                </a:ln>
+                <a:solidFill>
+                  <a:srgbClr val="FFFFFF"/>
+                </a:solidFill>
+                <a:effectLst/>
+                <a:uLnTx/>
+                <a:uFillTx/>
+                <a:ea typeface="Segoe UI Symbol" pitchFamily="34"/>
+                <a:cs typeface="Arial" pitchFamily="34"/>
+              </a:rPr>
+              <a:t>Mdjareb</a:t>
+            </a:r>
+            <a:endParaRPr kumimoji="0" lang="en-GB" sz="1300" b="1" i="0" u="none" strike="noStrike" kern="0" cap="none" spc="0" normalizeH="0" baseline="0" noProof="0" dirty="0">
+              <a:ln>
+                <a:noFill/>
+              </a:ln>
+              <a:solidFill>
+                <a:srgbClr val="FFFFFF"/>
+              </a:solidFill>
+              <a:effectLst/>
+              <a:uLnTx/>
+              <a:uFillTx/>
+              <a:ea typeface="Segoe UI Symbol" pitchFamily="34"/>
+              <a:cs typeface="Arial" pitchFamily="34"/>
+            </a:endParaRPr>
+          </a:p>
+          <a:p>
+            <a:pPr marL="0" marR="0" lvl="0" indent="0" algn="l" defTabSz="914400" rtl="0" eaLnBrk="1" fontAlgn="auto" latinLnBrk="0" hangingPunct="1">
+              <a:lnSpc>
+                <a:spcPct val="100000"/>
+              </a:lnSpc>
+              <a:spcBef>
+                <a:spcPts val="0"/>
+              </a:spcBef>
+              <a:spcAft>
+                <a:spcPts val="0"/>
+              </a:spcAft>
+              <a:buClrTx/>
+              <a:buSzTx/>
+              <a:buFontTx/>
+              <a:buNone/>
+              <a:tabLst/>
+              <a:defRPr sz="1800" b="0" i="0" u="none" strike="noStrike" kern="0" cap="none" spc="0" baseline="0">
+                <a:solidFill>
+                  <a:srgbClr val="000000"/>
+                </a:solidFill>
+                <a:uFillTx/>
+              </a:defRPr>
+            </a:pPr>
+            <a:endParaRPr kumimoji="0" lang="en-GB" sz="1300" b="1" i="0" u="none" strike="noStrike" kern="0" cap="none" spc="0" normalizeH="0" baseline="0" noProof="0" dirty="0">
+              <a:ln>
+                <a:noFill/>
+              </a:ln>
+              <a:solidFill>
+                <a:srgbClr val="FFFFFF"/>
+              </a:solidFill>
+              <a:effectLst/>
+              <a:uLnTx/>
+              <a:uFillTx/>
+              <a:ea typeface="Segoe UI Symbol" pitchFamily="34"/>
+              <a:cs typeface="Arial" pitchFamily="34"/>
+            </a:endParaRPr>
+          </a:p>
+          <a:p>
+            <a:pPr marL="0" marR="0" lvl="0" indent="0" algn="l" defTabSz="914400" rtl="0" eaLnBrk="1" fontAlgn="auto" latinLnBrk="0" hangingPunct="1">
+              <a:lnSpc>
+                <a:spcPct val="100000"/>
+              </a:lnSpc>
+              <a:spcBef>
+                <a:spcPts val="0"/>
+              </a:spcBef>
+              <a:spcAft>
+                <a:spcPts val="0"/>
+              </a:spcAft>
+              <a:buClrTx/>
+              <a:buSzTx/>
+              <a:buFontTx/>
+              <a:buNone/>
+              <a:tabLst/>
+              <a:defRPr sz="1800" b="0" i="0" u="none" strike="noStrike" kern="0" cap="none" spc="0" baseline="0">
+                <a:solidFill>
+                  <a:srgbClr val="000000"/>
+                </a:solidFill>
+                <a:uFillTx/>
+              </a:defRPr>
+            </a:pPr>
+            <a:r>
+              <a:rPr kumimoji="0" lang="en-GB" sz="1300" b="1" i="0" u="none" strike="noStrike" kern="1200" cap="none" spc="0" normalizeH="0" baseline="0" noProof="0" dirty="0">
+                <a:ln>
+                  <a:noFill/>
+                </a:ln>
+                <a:solidFill>
+                  <a:srgbClr val="FFFFFF"/>
+                </a:solidFill>
+                <a:effectLst/>
+                <a:uLnTx/>
+                <a:uFillTx/>
+                <a:ea typeface="Segoe UI Symbol" pitchFamily="34"/>
+                <a:cs typeface="Arial" pitchFamily="34"/>
+              </a:rPr>
+              <a:t>UDM; Montreal, Canada </a:t>
+            </a:r>
+          </a:p>
+          <a:p>
+            <a:pPr marL="0" marR="0" lvl="0" indent="0" algn="l" defTabSz="914400" rtl="0" eaLnBrk="1" fontAlgn="auto" latinLnBrk="0" hangingPunct="1">
+              <a:lnSpc>
+                <a:spcPct val="100000"/>
+              </a:lnSpc>
+              <a:spcBef>
+                <a:spcPts val="0"/>
+              </a:spcBef>
+              <a:spcAft>
+                <a:spcPts val="0"/>
+              </a:spcAft>
+              <a:buClrTx/>
+              <a:buSzTx/>
+              <a:buFontTx/>
+              <a:buNone/>
+              <a:tabLst/>
+              <a:defRPr sz="1800" b="0" i="0" u="none" strike="noStrike" kern="0" cap="none" spc="0" baseline="0">
+                <a:solidFill>
+                  <a:srgbClr val="000000"/>
+                </a:solidFill>
+                <a:uFillTx/>
+              </a:defRPr>
+            </a:pPr>
+            <a:endParaRPr kumimoji="0" lang="en-GB" sz="1000" b="1" i="0" u="none" strike="noStrike" kern="1200" cap="none" spc="0" normalizeH="0" baseline="0" noProof="0" dirty="0">
+              <a:ln>
+                <a:noFill/>
+              </a:ln>
+              <a:solidFill>
+                <a:srgbClr val="FFFFFF"/>
+              </a:solidFill>
+              <a:effectLst/>
+              <a:uLnTx/>
+              <a:uFillTx/>
+              <a:latin typeface="Arial" pitchFamily="34"/>
+              <a:ea typeface="Segoe UI Symbol" pitchFamily="34"/>
+              <a:cs typeface="Arial" pitchFamily="34"/>
+            </a:endParaRPr>
+          </a:p>
+        </p:txBody>
+      </p:sp>
+      <p:sp>
+        <p:nvSpPr>
+          <p:cNvPr id="20" name="object 3">
+            <a:extLst>
+              <a:ext uri="{FF2B5EF4-FFF2-40B4-BE49-F238E27FC236}">
+                <a16:creationId xmlns:a16="http://schemas.microsoft.com/office/drawing/2014/main" id="{11A87FDC-8F01-E08B-585D-DCA06DAF1145}"/>
+              </a:ext>
+            </a:extLst>
+          </p:cNvPr>
+          <p:cNvSpPr txBox="1"/>
+          <p:nvPr/>
+        </p:nvSpPr>
+        <p:spPr>
+          <a:xfrm>
+            <a:off x="5838517" y="3605613"/>
+            <a:ext cx="5766864" cy="2268572"/>
+          </a:xfrm>
+          <a:prstGeom prst="rect">
+            <a:avLst/>
+          </a:prstGeom>
+          <a:noFill/>
+          <a:ln cap="flat">
+            <a:noFill/>
+          </a:ln>
+        </p:spPr>
+        <p:txBody>
+          <a:bodyPr vert="horz" wrap="square" lIns="0" tIns="36832" rIns="0" bIns="0" anchor="t" anchorCtr="0" compatLnSpc="1">
+            <a:spAutoFit/>
+          </a:bodyPr>
+          <a:lstStyle/>
+          <a:p>
+            <a:pPr marL="298451" marR="0" lvl="0" indent="-285750" algn="l" defTabSz="914400" rtl="0" eaLnBrk="1" fontAlgn="auto" latinLnBrk="0" hangingPunct="1">
+              <a:lnSpc>
+                <a:spcPct val="100000"/>
+              </a:lnSpc>
+              <a:spcBef>
+                <a:spcPts val="290"/>
+              </a:spcBef>
+              <a:spcAft>
+                <a:spcPts val="0"/>
+              </a:spcAft>
+              <a:buClrTx/>
+              <a:buSzPct val="100000"/>
+              <a:buFont typeface="Arial" pitchFamily="34"/>
+              <a:buChar char="•"/>
+              <a:tabLst/>
+              <a:defRPr sz="1800" b="0" i="0" u="none" strike="noStrike" kern="0" cap="none" spc="0" baseline="0">
+                <a:solidFill>
+                  <a:srgbClr val="000000"/>
+                </a:solidFill>
+                <a:uFillTx/>
+              </a:defRPr>
+            </a:pPr>
+            <a:endParaRPr kumimoji="0" lang="en-US" sz="900" b="0" i="0" u="none" strike="noStrike" kern="1200" cap="none" spc="0" normalizeH="0" baseline="0" noProof="0" dirty="0">
+              <a:ln>
+                <a:noFill/>
+              </a:ln>
+              <a:solidFill>
+                <a:srgbClr val="000000"/>
+              </a:solidFill>
+              <a:effectLst/>
+              <a:uLnTx/>
+              <a:uFillTx/>
+              <a:latin typeface="Arial" pitchFamily="34"/>
+              <a:ea typeface="+mn-ea"/>
+              <a:cs typeface="Arial" pitchFamily="34"/>
+            </a:endParaRPr>
+          </a:p>
+          <a:p>
+            <a:pPr marL="298451" marR="0" lvl="0" indent="-285750" algn="l" defTabSz="914400" rtl="0" eaLnBrk="1" fontAlgn="auto" latinLnBrk="0" hangingPunct="1">
+              <a:lnSpc>
+                <a:spcPct val="100000"/>
+              </a:lnSpc>
+              <a:spcBef>
+                <a:spcPts val="290"/>
+              </a:spcBef>
+              <a:spcAft>
+                <a:spcPts val="0"/>
+              </a:spcAft>
+              <a:buClr>
+                <a:srgbClr val="EF4751"/>
+              </a:buClr>
+              <a:buSzPct val="100000"/>
+              <a:buFont typeface="Arial" panose="020B0604020202020204" pitchFamily="34" charset="0"/>
+              <a:buChar char="•"/>
+              <a:tabLst/>
+              <a:defRPr sz="1800" b="0" i="0" u="none" strike="noStrike" kern="0" cap="none" spc="0" baseline="0">
+                <a:solidFill>
+                  <a:srgbClr val="000000"/>
+                </a:solidFill>
+                <a:uFillTx/>
+              </a:defRPr>
+            </a:pPr>
+            <a:r>
+              <a:rPr lang="en-US" sz="1400" dirty="0">
+                <a:solidFill>
+                  <a:srgbClr val="000000"/>
+                </a:solidFill>
+                <a:cs typeface="Arial" pitchFamily="34"/>
+              </a:rPr>
+              <a:t>Director</a:t>
+            </a:r>
+            <a:r>
+              <a:rPr kumimoji="0" lang="en-US" sz="1400" b="0" i="0" u="none" strike="noStrike" kern="1200" cap="none" spc="0" normalizeH="0" baseline="0" noProof="0" dirty="0">
+                <a:ln>
+                  <a:noFill/>
+                </a:ln>
+                <a:solidFill>
+                  <a:srgbClr val="000000"/>
+                </a:solidFill>
+                <a:effectLst/>
+                <a:uLnTx/>
+                <a:uFillTx/>
+                <a:ea typeface="+mn-ea"/>
+                <a:cs typeface="Arial" pitchFamily="34"/>
+              </a:rPr>
+              <a:t> at the Nielsen Company overseeing retail measurement Services across North Africa</a:t>
+            </a:r>
+          </a:p>
+          <a:p>
+            <a:pPr marL="298451" marR="0" lvl="0" indent="-285750" algn="l" defTabSz="914400" rtl="0" eaLnBrk="1" fontAlgn="auto" latinLnBrk="0" hangingPunct="1">
+              <a:lnSpc>
+                <a:spcPct val="100000"/>
+              </a:lnSpc>
+              <a:spcBef>
+                <a:spcPts val="290"/>
+              </a:spcBef>
+              <a:spcAft>
+                <a:spcPts val="0"/>
+              </a:spcAft>
+              <a:buClr>
+                <a:srgbClr val="EF4751"/>
+              </a:buClr>
+              <a:buSzPct val="100000"/>
+              <a:buFont typeface="Arial" panose="020B0604020202020204" pitchFamily="34" charset="0"/>
+              <a:buChar char="•"/>
+              <a:tabLst/>
+              <a:defRPr sz="1800" b="0" i="0" u="none" strike="noStrike" kern="0" cap="none" spc="0" baseline="0">
+                <a:solidFill>
+                  <a:srgbClr val="000000"/>
+                </a:solidFill>
+                <a:uFillTx/>
+              </a:defRPr>
+            </a:pPr>
+            <a:r>
+              <a:rPr kumimoji="0" lang="en-US" sz="1400" b="0" i="0" u="none" strike="noStrike" kern="1200" cap="none" spc="0" normalizeH="0" baseline="0" noProof="0" dirty="0">
+                <a:ln>
+                  <a:noFill/>
+                </a:ln>
+                <a:solidFill>
+                  <a:srgbClr val="000000"/>
+                </a:solidFill>
+                <a:effectLst/>
+                <a:uLnTx/>
+                <a:uFillTx/>
+                <a:ea typeface="+mn-ea"/>
+                <a:cs typeface="Arial" pitchFamily="34"/>
+              </a:rPr>
+              <a:t>Director at Global Health TV  – covering global health issues in Africa- </a:t>
+            </a:r>
+            <a:r>
+              <a:rPr kumimoji="0" lang="en-US" sz="1400" b="0" i="0" u="none" strike="noStrike" kern="1200" cap="none" spc="0" normalizeH="0" baseline="0" noProof="0" dirty="0" err="1">
+                <a:ln>
+                  <a:noFill/>
+                </a:ln>
+                <a:solidFill>
+                  <a:srgbClr val="000000"/>
+                </a:solidFill>
+                <a:effectLst/>
+                <a:uLnTx/>
+                <a:uFillTx/>
+                <a:ea typeface="+mn-ea"/>
+                <a:cs typeface="Arial" pitchFamily="34"/>
+              </a:rPr>
+              <a:t>WebsEdge</a:t>
+            </a:r>
+            <a:r>
+              <a:rPr kumimoji="0" lang="en-US" sz="1400" b="0" i="0" u="none" strike="noStrike" kern="1200" cap="none" spc="0" normalizeH="0" baseline="0" noProof="0" dirty="0">
+                <a:ln>
+                  <a:noFill/>
+                </a:ln>
+                <a:solidFill>
+                  <a:srgbClr val="000000"/>
+                </a:solidFill>
+                <a:effectLst/>
+                <a:uLnTx/>
+                <a:uFillTx/>
+                <a:ea typeface="+mn-ea"/>
+                <a:cs typeface="Arial" pitchFamily="34"/>
+              </a:rPr>
+              <a:t> TV- UK </a:t>
+            </a:r>
+          </a:p>
+          <a:p>
+            <a:pPr marL="298451" marR="0" lvl="0" indent="-285750" algn="l" defTabSz="914400" rtl="0" eaLnBrk="1" fontAlgn="auto" latinLnBrk="0" hangingPunct="1">
+              <a:lnSpc>
+                <a:spcPct val="100000"/>
+              </a:lnSpc>
+              <a:spcBef>
+                <a:spcPts val="290"/>
+              </a:spcBef>
+              <a:spcAft>
+                <a:spcPts val="0"/>
+              </a:spcAft>
+              <a:buClr>
+                <a:srgbClr val="EF4751"/>
+              </a:buClr>
+              <a:buSzPct val="100000"/>
+              <a:buFont typeface="Arial" panose="020B0604020202020204" pitchFamily="34" charset="0"/>
+              <a:buChar char="•"/>
+              <a:tabLst/>
+              <a:defRPr sz="1800" b="0" i="0" u="none" strike="noStrike" kern="0" cap="none" spc="0" baseline="0">
+                <a:solidFill>
+                  <a:srgbClr val="000000"/>
+                </a:solidFill>
+                <a:uFillTx/>
+              </a:defRPr>
+            </a:pPr>
+            <a:r>
+              <a:rPr kumimoji="0" lang="en-US" sz="1400" b="0" i="0" u="none" strike="noStrike" kern="1200" cap="none" spc="0" normalizeH="0" baseline="0" noProof="0" dirty="0">
+                <a:ln>
+                  <a:noFill/>
+                </a:ln>
+                <a:solidFill>
+                  <a:srgbClr val="000000"/>
+                </a:solidFill>
+                <a:effectLst/>
+                <a:uLnTx/>
+                <a:uFillTx/>
+                <a:ea typeface="+mn-ea"/>
+                <a:cs typeface="Arial" pitchFamily="34"/>
+              </a:rPr>
+              <a:t>Partner and co-founder </a:t>
+            </a:r>
+            <a:r>
+              <a:rPr lang="en-US" sz="1400" dirty="0">
+                <a:solidFill>
+                  <a:srgbClr val="000000"/>
+                </a:solidFill>
+                <a:cs typeface="Arial" pitchFamily="34"/>
+              </a:rPr>
+              <a:t>at IMS Research</a:t>
+            </a:r>
+            <a:r>
+              <a:rPr kumimoji="0" lang="en-US" sz="1400" b="0" i="0" u="none" strike="noStrike" kern="1200" cap="none" spc="0" normalizeH="0" baseline="0" noProof="0" dirty="0">
+                <a:ln>
+                  <a:noFill/>
+                </a:ln>
+                <a:solidFill>
+                  <a:srgbClr val="000000"/>
+                </a:solidFill>
+                <a:effectLst/>
+                <a:uLnTx/>
+                <a:uFillTx/>
+                <a:ea typeface="+mn-ea"/>
+                <a:cs typeface="Arial" pitchFamily="34"/>
+              </a:rPr>
+              <a:t> </a:t>
+            </a:r>
+          </a:p>
+          <a:p>
+            <a:pPr marL="12701" marR="0" lvl="0" algn="l" defTabSz="914400" rtl="0" eaLnBrk="1" fontAlgn="auto" latinLnBrk="0" hangingPunct="1">
+              <a:lnSpc>
+                <a:spcPct val="100000"/>
+              </a:lnSpc>
+              <a:spcBef>
+                <a:spcPts val="290"/>
+              </a:spcBef>
+              <a:spcAft>
+                <a:spcPts val="0"/>
+              </a:spcAft>
+              <a:buClr>
+                <a:srgbClr val="EF4751"/>
+              </a:buClr>
+              <a:buSzTx/>
+              <a:tabLst/>
+              <a:defRPr sz="1800" b="0" i="0" u="none" strike="noStrike" kern="0" cap="none" spc="0" baseline="0">
+                <a:solidFill>
+                  <a:srgbClr val="000000"/>
+                </a:solidFill>
+                <a:uFillTx/>
+              </a:defRPr>
+            </a:pPr>
+            <a:r>
+              <a:rPr kumimoji="0" lang="en-US" sz="1400" b="0" i="0" u="none" strike="noStrike" kern="1200" cap="none" spc="0" normalizeH="0" baseline="0" noProof="0" dirty="0">
+                <a:ln>
+                  <a:noFill/>
+                </a:ln>
+                <a:solidFill>
+                  <a:srgbClr val="000000"/>
+                </a:solidFill>
+                <a:effectLst/>
+                <a:uLnTx/>
+                <a:uFillTx/>
+                <a:ea typeface="+mn-ea"/>
+                <a:cs typeface="Arial" pitchFamily="34"/>
+              </a:rPr>
+              <a:t>	- Market Research: (Quant, Qual, Panels), Data Analysis, </a:t>
+            </a:r>
+          </a:p>
+          <a:p>
+            <a:pPr marL="12701" marR="0" lvl="0" algn="l" defTabSz="914400" rtl="0" eaLnBrk="1" fontAlgn="auto" latinLnBrk="0" hangingPunct="1">
+              <a:lnSpc>
+                <a:spcPct val="100000"/>
+              </a:lnSpc>
+              <a:spcBef>
+                <a:spcPts val="290"/>
+              </a:spcBef>
+              <a:spcAft>
+                <a:spcPts val="0"/>
+              </a:spcAft>
+              <a:buClr>
+                <a:srgbClr val="EF4751"/>
+              </a:buClr>
+              <a:buSzTx/>
+              <a:tabLst/>
+              <a:defRPr sz="1800" b="0" i="0" u="none" strike="noStrike" kern="0" cap="none" spc="0" baseline="0">
+                <a:solidFill>
+                  <a:srgbClr val="000000"/>
+                </a:solidFill>
+                <a:uFillTx/>
+              </a:defRPr>
+            </a:pPr>
+            <a:r>
+              <a:rPr kumimoji="0" lang="en-US" sz="1400" b="0" i="0" u="none" strike="noStrike" kern="1200" cap="none" spc="0" normalizeH="0" baseline="0" noProof="0" dirty="0">
+                <a:ln>
+                  <a:noFill/>
+                </a:ln>
+                <a:solidFill>
+                  <a:srgbClr val="000000"/>
+                </a:solidFill>
+                <a:effectLst/>
+                <a:uLnTx/>
+                <a:uFillTx/>
+                <a:ea typeface="+mn-ea"/>
+                <a:cs typeface="Arial" pitchFamily="34"/>
+              </a:rPr>
+              <a:t>	- Brands Performance, Consumer insights. </a:t>
+            </a:r>
+          </a:p>
+          <a:p>
+            <a:pPr marL="298451" marR="0" lvl="0" indent="-285750" algn="l" defTabSz="914400" rtl="0" eaLnBrk="1" fontAlgn="auto" latinLnBrk="0" hangingPunct="1">
+              <a:lnSpc>
+                <a:spcPct val="100000"/>
+              </a:lnSpc>
+              <a:spcBef>
+                <a:spcPts val="290"/>
+              </a:spcBef>
+              <a:spcAft>
+                <a:spcPts val="0"/>
+              </a:spcAft>
+              <a:buClr>
+                <a:srgbClr val="EF4751"/>
+              </a:buClr>
+              <a:buSzTx/>
+              <a:buFont typeface="Arial" panose="020B0604020202020204" pitchFamily="34" charset="0"/>
+              <a:buChar char="•"/>
+              <a:tabLst/>
+              <a:defRPr sz="1800" b="0" i="0" u="none" strike="noStrike" kern="0" cap="none" spc="0" baseline="0">
+                <a:solidFill>
+                  <a:srgbClr val="000000"/>
+                </a:solidFill>
+                <a:uFillTx/>
+              </a:defRPr>
+            </a:pPr>
+            <a:r>
+              <a:rPr lang="en-US" sz="1400" dirty="0">
+                <a:solidFill>
+                  <a:srgbClr val="000000"/>
+                </a:solidFill>
+                <a:cs typeface="Arial" pitchFamily="34"/>
+              </a:rPr>
+              <a:t>CEO SmartRocket Africa (Intelligence retail Audit)</a:t>
+            </a:r>
+            <a:endParaRPr kumimoji="0" lang="en-US" sz="900" b="0" i="0" u="none" strike="noStrike" kern="1200" cap="none" spc="0" normalizeH="0" baseline="0" noProof="0" dirty="0">
+              <a:ln>
+                <a:noFill/>
+              </a:ln>
+              <a:solidFill>
+                <a:srgbClr val="000000"/>
+              </a:solidFill>
+              <a:effectLst/>
+              <a:uLnTx/>
+              <a:uFillTx/>
+              <a:latin typeface="Arial" pitchFamily="34"/>
+              <a:ea typeface="+mn-ea"/>
+              <a:cs typeface="Arial" pitchFamily="34"/>
+            </a:endParaRPr>
+          </a:p>
+          <a:p>
+            <a:pPr marL="0" marR="0" lvl="0" indent="0" algn="l" defTabSz="914400" rtl="0" eaLnBrk="1" fontAlgn="auto" latinLnBrk="0" hangingPunct="1">
+              <a:lnSpc>
+                <a:spcPct val="100000"/>
+              </a:lnSpc>
+              <a:spcBef>
+                <a:spcPts val="40"/>
+              </a:spcBef>
+              <a:spcAft>
+                <a:spcPts val="0"/>
+              </a:spcAft>
+              <a:buClrTx/>
+              <a:buSzTx/>
+              <a:buFontTx/>
+              <a:buNone/>
+              <a:tabLst/>
+              <a:defRPr sz="1800" b="0" i="0" u="none" strike="noStrike" kern="0" cap="none" spc="0" baseline="0">
+                <a:solidFill>
+                  <a:srgbClr val="000000"/>
+                </a:solidFill>
+                <a:uFillTx/>
+              </a:defRPr>
+            </a:pPr>
+            <a:endParaRPr kumimoji="0" lang="en-US" sz="900" b="0" i="0" u="none" strike="noStrike" kern="1200" cap="none" spc="0" normalizeH="0" baseline="0" noProof="0" dirty="0">
+              <a:ln>
+                <a:noFill/>
+              </a:ln>
+              <a:solidFill>
+                <a:srgbClr val="000000"/>
+              </a:solidFill>
+              <a:effectLst/>
+              <a:uLnTx/>
+              <a:uFillTx/>
+              <a:latin typeface="Arial" pitchFamily="34"/>
+              <a:ea typeface="+mn-ea"/>
+              <a:cs typeface="Arial" pitchFamily="34"/>
+            </a:endParaRPr>
+          </a:p>
+        </p:txBody>
+      </p:sp>
+      <p:pic>
+        <p:nvPicPr>
+          <p:cNvPr id="21" name="b65dbba3-8f41-456c-8794-cacda36ee180" descr="Image">
+            <a:extLst>
+              <a:ext uri="{FF2B5EF4-FFF2-40B4-BE49-F238E27FC236}">
+                <a16:creationId xmlns:a16="http://schemas.microsoft.com/office/drawing/2014/main" id="{D8151E81-328B-4D53-3B8D-E1884F00D07C}"/>
+              </a:ext>
+            </a:extLst>
+          </p:cNvPr>
+          <p:cNvPicPr>
+            <a:picLocks noChangeAspect="1"/>
+          </p:cNvPicPr>
+          <p:nvPr/>
+        </p:nvPicPr>
+        <p:blipFill>
+          <a:blip r:embed="rId4"/>
+          <a:srcRect/>
+          <a:stretch>
+            <a:fillRect/>
+          </a:stretch>
+        </p:blipFill>
+        <p:spPr>
+          <a:xfrm rot="5400013">
+            <a:off x="2595158" y="3838854"/>
+            <a:ext cx="838321" cy="834551"/>
+          </a:xfrm>
+          <a:prstGeom prst="rect">
+            <a:avLst/>
+          </a:prstGeom>
+          <a:noFill/>
+          <a:ln cap="flat">
+            <a:noFill/>
+          </a:ln>
+        </p:spPr>
+      </p:pic>
+    </p:spTree>
+    <p:extLst>
+      <p:ext uri="{BB962C8B-B14F-4D97-AF65-F5344CB8AC3E}">
+        <p14:creationId xmlns:p14="http://schemas.microsoft.com/office/powerpoint/2010/main" val="3018639340"/>
+      </p:ext>
+    </p:extLst>
+  </p:cSld>
+  <p:clrMapOvr>
+    <a:masterClrMapping/>
+  </p:clrMapOvr>
+</p:sld>
+</file>
+
+<file path=ppt/slides/slide14.xml><?xml version="1.0" encoding="utf-8"?>
+<p:sld xmlns:a="http://schemas.openxmlformats.org/drawingml/2006/main" xmlns:r="http://schemas.openxmlformats.org/officeDocument/2006/relationships" xmlns:p="http://schemas.openxmlformats.org/presentationml/2006/main">
+  <p:cSld>
+    <p:spTree>
+      <p:nvGrpSpPr>
+        <p:cNvPr id="1" name=""/>
+        <p:cNvGrpSpPr/>
+        <p:nvPr/>
+      </p:nvGrpSpPr>
+      <p:grpSpPr>
+        <a:xfrm>
+          <a:off x="0" y="0"/>
+          <a:ext cx="0" cy="0"/>
+          <a:chOff x="0" y="0"/>
+          <a:chExt cx="0" cy="0"/>
+        </a:xfrm>
+      </p:grpSpPr>
+      <p:sp>
+        <p:nvSpPr>
+          <p:cNvPr id="72" name="TextBox 14">
+            <a:extLst>
+              <a:ext uri="{FF2B5EF4-FFF2-40B4-BE49-F238E27FC236}">
+                <a16:creationId xmlns:a16="http://schemas.microsoft.com/office/drawing/2014/main" id="{DBF1ED07-FC11-4B33-B6CA-1B87CEBC8124}"/>
+              </a:ext>
+            </a:extLst>
+          </p:cNvPr>
+          <p:cNvSpPr txBox="1"/>
+          <p:nvPr/>
+        </p:nvSpPr>
+        <p:spPr>
+          <a:xfrm>
+            <a:off x="172692" y="231028"/>
+            <a:ext cx="4496633" cy="523220"/>
+          </a:xfrm>
+          <a:prstGeom prst="rect">
+            <a:avLst/>
+          </a:prstGeom>
+          <a:noFill/>
+        </p:spPr>
+        <p:txBody>
+          <a:bodyPr wrap="square" rtlCol="0">
+            <a:spAutoFit/>
+          </a:bodyPr>
+          <a:lstStyle/>
+          <a:p>
+            <a:pPr defTabSz="342900">
+              <a:defRPr/>
+            </a:pPr>
+            <a:r>
+              <a:rPr lang="en-US" sz="2800" dirty="0">
+                <a:solidFill>
+                  <a:srgbClr val="EF4751"/>
+                </a:solidFill>
+                <a:latin typeface="Geogrotesque Rg" panose="02000000000000000000" pitchFamily="50" charset="0"/>
+                <a:ea typeface="+mj-ea"/>
+                <a:cs typeface="+mj-cs"/>
+              </a:rPr>
+              <a:t>Organizational chart</a:t>
+            </a:r>
+          </a:p>
+        </p:txBody>
+      </p:sp>
+      <p:sp>
+        <p:nvSpPr>
+          <p:cNvPr id="3" name="Slide Number Placeholder 2">
+            <a:extLst>
+              <a:ext uri="{FF2B5EF4-FFF2-40B4-BE49-F238E27FC236}">
+                <a16:creationId xmlns:a16="http://schemas.microsoft.com/office/drawing/2014/main" id="{20156AB0-34A0-4568-82A2-47A73D512D92}"/>
+              </a:ext>
+            </a:extLst>
+          </p:cNvPr>
+          <p:cNvSpPr>
+            <a:spLocks noGrp="1"/>
+          </p:cNvSpPr>
+          <p:nvPr>
+            <p:ph type="sldNum" sz="quarter" idx="4"/>
+          </p:nvPr>
+        </p:nvSpPr>
+        <p:spPr/>
+        <p:txBody>
+          <a:bodyPr/>
+          <a:lstStyle/>
+          <a:p>
+            <a:fld id="{041C6976-BE5D-4658-9F25-132912CB2553}" type="slidenum">
+              <a:rPr lang="en-HK" sz="1400" b="0" smtClean="0"/>
+              <a:t>14</a:t>
+            </a:fld>
+            <a:endParaRPr lang="en-HK" sz="1400" b="0" dirty="0"/>
+          </a:p>
+        </p:txBody>
+      </p:sp>
+      <p:grpSp>
+        <p:nvGrpSpPr>
+          <p:cNvPr id="2" name="Groupe 1">
+            <a:extLst>
+              <a:ext uri="{FF2B5EF4-FFF2-40B4-BE49-F238E27FC236}">
+                <a16:creationId xmlns:a16="http://schemas.microsoft.com/office/drawing/2014/main" id="{70F40C27-AD5E-4108-889B-BD5BCFB1E405}"/>
+              </a:ext>
+            </a:extLst>
+          </p:cNvPr>
+          <p:cNvGrpSpPr/>
+          <p:nvPr/>
+        </p:nvGrpSpPr>
+        <p:grpSpPr>
+          <a:xfrm>
+            <a:off x="352203" y="710430"/>
+            <a:ext cx="10983051" cy="5273440"/>
+            <a:chOff x="1938427" y="1784244"/>
+            <a:chExt cx="8320628" cy="3828969"/>
+          </a:xfrm>
+        </p:grpSpPr>
+        <p:sp>
+          <p:nvSpPr>
+            <p:cNvPr id="48" name="object 4">
+              <a:extLst>
+                <a:ext uri="{FF2B5EF4-FFF2-40B4-BE49-F238E27FC236}">
+                  <a16:creationId xmlns:a16="http://schemas.microsoft.com/office/drawing/2014/main" id="{9C3B8C50-4C44-425C-B7EE-A7A8101E734B}"/>
+                </a:ext>
+              </a:extLst>
+            </p:cNvPr>
+            <p:cNvSpPr txBox="1"/>
+            <p:nvPr/>
+          </p:nvSpPr>
+          <p:spPr>
+            <a:xfrm>
+              <a:off x="6195885" y="1784244"/>
+              <a:ext cx="267335" cy="121047"/>
+            </a:xfrm>
+            <a:prstGeom prst="rect">
+              <a:avLst/>
+            </a:prstGeom>
+          </p:spPr>
+          <p:txBody>
+            <a:bodyPr vert="horz" wrap="square" lIns="0" tIns="12700" rIns="0" bIns="0" rtlCol="0">
+              <a:spAutoFit/>
+            </a:bodyPr>
+            <a:lstStyle/>
+            <a:p>
+              <a:pPr marL="12700">
+                <a:lnSpc>
+                  <a:spcPct val="100000"/>
+                </a:lnSpc>
+                <a:spcBef>
+                  <a:spcPts val="100"/>
+                </a:spcBef>
+              </a:pPr>
+              <a:r>
+                <a:rPr sz="1000" spc="-95" dirty="0">
+                  <a:latin typeface="Arial"/>
+                  <a:cs typeface="Arial"/>
+                </a:rPr>
+                <a:t>CEO</a:t>
+              </a:r>
+              <a:endParaRPr sz="1000" dirty="0">
+                <a:latin typeface="Arial"/>
+                <a:cs typeface="Arial"/>
+              </a:endParaRPr>
+            </a:p>
+          </p:txBody>
+        </p:sp>
+        <p:sp>
+          <p:nvSpPr>
+            <p:cNvPr id="61" name="object 8">
+              <a:extLst>
+                <a:ext uri="{FF2B5EF4-FFF2-40B4-BE49-F238E27FC236}">
+                  <a16:creationId xmlns:a16="http://schemas.microsoft.com/office/drawing/2014/main" id="{5EE4E00D-6B07-402E-994E-6E02E32467A1}"/>
+                </a:ext>
+              </a:extLst>
+            </p:cNvPr>
+            <p:cNvSpPr txBox="1"/>
+            <p:nvPr/>
+          </p:nvSpPr>
+          <p:spPr>
+            <a:xfrm>
+              <a:off x="3802516" y="4147215"/>
+              <a:ext cx="267970" cy="177800"/>
+            </a:xfrm>
+            <a:prstGeom prst="rect">
+              <a:avLst/>
+            </a:prstGeom>
+          </p:spPr>
+          <p:txBody>
+            <a:bodyPr vert="horz" wrap="square" lIns="0" tIns="12700" rIns="0" bIns="0" rtlCol="0">
+              <a:spAutoFit/>
+            </a:bodyPr>
+            <a:lstStyle/>
+            <a:p>
+              <a:pPr marL="12700">
+                <a:lnSpc>
+                  <a:spcPct val="100000"/>
+                </a:lnSpc>
+                <a:spcBef>
+                  <a:spcPts val="100"/>
+                </a:spcBef>
+              </a:pPr>
+              <a:r>
+                <a:rPr sz="1000" spc="-90" dirty="0">
+                  <a:solidFill>
+                    <a:srgbClr val="FFFFFF"/>
+                  </a:solidFill>
+                  <a:latin typeface="Arial"/>
+                  <a:cs typeface="Arial"/>
+                </a:rPr>
+                <a:t>C</a:t>
+              </a:r>
+              <a:r>
+                <a:rPr sz="1000" spc="-30" dirty="0">
+                  <a:solidFill>
+                    <a:srgbClr val="FFFFFF"/>
+                  </a:solidFill>
+                  <a:latin typeface="Arial"/>
+                  <a:cs typeface="Arial"/>
+                </a:rPr>
+                <a:t>T</a:t>
+              </a:r>
+              <a:r>
+                <a:rPr sz="1000" spc="-95" dirty="0">
+                  <a:solidFill>
+                    <a:srgbClr val="FFFFFF"/>
+                  </a:solidFill>
+                  <a:latin typeface="Arial"/>
+                  <a:cs typeface="Arial"/>
+                </a:rPr>
+                <a:t>O</a:t>
+              </a:r>
+              <a:endParaRPr sz="1000" dirty="0">
+                <a:latin typeface="Arial"/>
+                <a:cs typeface="Arial"/>
+              </a:endParaRPr>
+            </a:p>
+          </p:txBody>
+        </p:sp>
+        <p:sp>
+          <p:nvSpPr>
+            <p:cNvPr id="64" name="object 10">
+              <a:extLst>
+                <a:ext uri="{FF2B5EF4-FFF2-40B4-BE49-F238E27FC236}">
+                  <a16:creationId xmlns:a16="http://schemas.microsoft.com/office/drawing/2014/main" id="{F764C1D5-FC8B-4202-8DE3-BD218AFA4ED9}"/>
+                </a:ext>
+              </a:extLst>
+            </p:cNvPr>
+            <p:cNvSpPr txBox="1"/>
+            <p:nvPr/>
+          </p:nvSpPr>
+          <p:spPr>
+            <a:xfrm>
+              <a:off x="5691208" y="4086691"/>
+              <a:ext cx="949325" cy="121047"/>
+            </a:xfrm>
+            <a:prstGeom prst="rect">
+              <a:avLst/>
+            </a:prstGeom>
+          </p:spPr>
+          <p:txBody>
+            <a:bodyPr vert="horz" wrap="square" lIns="0" tIns="12700" rIns="0" bIns="0" rtlCol="0">
+              <a:spAutoFit/>
+            </a:bodyPr>
+            <a:lstStyle/>
+            <a:p>
+              <a:pPr marL="12700">
+                <a:lnSpc>
+                  <a:spcPct val="100000"/>
+                </a:lnSpc>
+                <a:spcBef>
+                  <a:spcPts val="100"/>
+                </a:spcBef>
+              </a:pPr>
+              <a:r>
+                <a:rPr lang="fr-FR" sz="1000" spc="-15" dirty="0">
+                  <a:solidFill>
+                    <a:srgbClr val="FFFFFF"/>
+                  </a:solidFill>
+                  <a:latin typeface="Arial"/>
+                  <a:cs typeface="Arial"/>
+                </a:rPr>
+                <a:t>Community Manager</a:t>
+              </a:r>
+              <a:endParaRPr sz="1000" dirty="0">
+                <a:latin typeface="Arial"/>
+                <a:cs typeface="Arial"/>
+              </a:endParaRPr>
+            </a:p>
+          </p:txBody>
+        </p:sp>
+        <p:sp>
+          <p:nvSpPr>
+            <p:cNvPr id="69" name="object 12">
+              <a:extLst>
+                <a:ext uri="{FF2B5EF4-FFF2-40B4-BE49-F238E27FC236}">
+                  <a16:creationId xmlns:a16="http://schemas.microsoft.com/office/drawing/2014/main" id="{309389F6-CC89-4B94-A1A9-CE568F8574A5}"/>
+                </a:ext>
+              </a:extLst>
+            </p:cNvPr>
+            <p:cNvSpPr txBox="1"/>
+            <p:nvPr/>
+          </p:nvSpPr>
+          <p:spPr>
+            <a:xfrm>
+              <a:off x="7932976" y="4086691"/>
+              <a:ext cx="1322143" cy="121047"/>
+            </a:xfrm>
+            <a:prstGeom prst="rect">
+              <a:avLst/>
+            </a:prstGeom>
+          </p:spPr>
+          <p:txBody>
+            <a:bodyPr vert="horz" wrap="square" lIns="0" tIns="12700" rIns="0" bIns="0" rtlCol="0">
+              <a:spAutoFit/>
+            </a:bodyPr>
+            <a:lstStyle/>
+            <a:p>
+              <a:pPr marL="12700" marR="5080" indent="202565">
+                <a:lnSpc>
+                  <a:spcPct val="100000"/>
+                </a:lnSpc>
+                <a:spcBef>
+                  <a:spcPts val="100"/>
+                </a:spcBef>
+              </a:pPr>
+              <a:r>
+                <a:rPr sz="1000" spc="-15" dirty="0">
+                  <a:solidFill>
+                    <a:srgbClr val="FFFFFF"/>
+                  </a:solidFill>
+                  <a:latin typeface="Arial"/>
+                  <a:cs typeface="Arial"/>
+                </a:rPr>
+                <a:t>Head </a:t>
+              </a:r>
+              <a:r>
+                <a:rPr sz="1000" spc="35" dirty="0">
+                  <a:solidFill>
+                    <a:srgbClr val="FFFFFF"/>
+                  </a:solidFill>
+                  <a:latin typeface="Arial"/>
+                  <a:cs typeface="Arial"/>
+                </a:rPr>
+                <a:t>of  </a:t>
+              </a:r>
+              <a:r>
+                <a:rPr sz="1000" spc="-20" dirty="0">
+                  <a:solidFill>
+                    <a:srgbClr val="FFFFFF"/>
+                  </a:solidFill>
+                  <a:latin typeface="Arial"/>
+                  <a:cs typeface="Arial"/>
+                </a:rPr>
+                <a:t>Sales </a:t>
+              </a:r>
+              <a:endParaRPr sz="1000" dirty="0">
+                <a:latin typeface="Arial"/>
+                <a:cs typeface="Arial"/>
+              </a:endParaRPr>
+            </a:p>
+          </p:txBody>
+        </p:sp>
+        <p:sp>
+          <p:nvSpPr>
+            <p:cNvPr id="71" name="object 14">
+              <a:extLst>
+                <a:ext uri="{FF2B5EF4-FFF2-40B4-BE49-F238E27FC236}">
+                  <a16:creationId xmlns:a16="http://schemas.microsoft.com/office/drawing/2014/main" id="{D9B81990-67D7-470E-9370-176B30C26D0C}"/>
+                </a:ext>
+              </a:extLst>
+            </p:cNvPr>
+            <p:cNvSpPr/>
+            <p:nvPr/>
+          </p:nvSpPr>
+          <p:spPr>
+            <a:xfrm>
+              <a:off x="8250740" y="4661253"/>
+              <a:ext cx="934719" cy="442595"/>
+            </a:xfrm>
+            <a:custGeom>
+              <a:avLst/>
+              <a:gdLst/>
+              <a:ahLst/>
+              <a:cxnLst/>
+              <a:rect l="l" t="t" r="r" b="b"/>
+              <a:pathLst>
+                <a:path w="934720" h="442595">
+                  <a:moveTo>
+                    <a:pt x="713248" y="442499"/>
+                  </a:moveTo>
+                  <a:lnTo>
+                    <a:pt x="221249" y="442499"/>
+                  </a:lnTo>
+                  <a:lnTo>
+                    <a:pt x="176658" y="438004"/>
+                  </a:lnTo>
+                  <a:lnTo>
+                    <a:pt x="135126" y="425113"/>
+                  </a:lnTo>
+                  <a:lnTo>
+                    <a:pt x="97543" y="404715"/>
+                  </a:lnTo>
+                  <a:lnTo>
+                    <a:pt x="64799" y="377699"/>
+                  </a:lnTo>
+                  <a:lnTo>
+                    <a:pt x="37784" y="344955"/>
+                  </a:lnTo>
+                  <a:lnTo>
+                    <a:pt x="17385" y="307372"/>
+                  </a:lnTo>
+                  <a:lnTo>
+                    <a:pt x="4494" y="265841"/>
+                  </a:lnTo>
+                  <a:lnTo>
+                    <a:pt x="0" y="221249"/>
+                  </a:lnTo>
+                  <a:lnTo>
+                    <a:pt x="4494" y="176658"/>
+                  </a:lnTo>
+                  <a:lnTo>
+                    <a:pt x="17385" y="135126"/>
+                  </a:lnTo>
+                  <a:lnTo>
+                    <a:pt x="37784" y="97543"/>
+                  </a:lnTo>
+                  <a:lnTo>
+                    <a:pt x="64799" y="64799"/>
+                  </a:lnTo>
+                  <a:lnTo>
+                    <a:pt x="97543" y="37784"/>
+                  </a:lnTo>
+                  <a:lnTo>
+                    <a:pt x="135126" y="17385"/>
+                  </a:lnTo>
+                  <a:lnTo>
+                    <a:pt x="176658" y="4494"/>
+                  </a:lnTo>
+                  <a:lnTo>
+                    <a:pt x="221249" y="0"/>
+                  </a:lnTo>
+                  <a:lnTo>
+                    <a:pt x="713248" y="0"/>
+                  </a:lnTo>
+                  <a:lnTo>
+                    <a:pt x="756611" y="4289"/>
+                  </a:lnTo>
+                  <a:lnTo>
+                    <a:pt x="797914" y="16837"/>
+                  </a:lnTo>
+                  <a:lnTo>
+                    <a:pt x="835996" y="37167"/>
+                  </a:lnTo>
+                  <a:lnTo>
+                    <a:pt x="869698" y="64799"/>
+                  </a:lnTo>
+                  <a:lnTo>
+                    <a:pt x="897331" y="98501"/>
+                  </a:lnTo>
+                  <a:lnTo>
+                    <a:pt x="917660" y="136584"/>
+                  </a:lnTo>
+                  <a:lnTo>
+                    <a:pt x="930209" y="177886"/>
+                  </a:lnTo>
+                  <a:lnTo>
+                    <a:pt x="934498" y="221249"/>
+                  </a:lnTo>
+                  <a:lnTo>
+                    <a:pt x="930003" y="265841"/>
+                  </a:lnTo>
+                  <a:lnTo>
+                    <a:pt x="917112" y="307372"/>
+                  </a:lnTo>
+                  <a:lnTo>
+                    <a:pt x="896714" y="344955"/>
+                  </a:lnTo>
+                  <a:lnTo>
+                    <a:pt x="869698" y="377699"/>
+                  </a:lnTo>
+                  <a:lnTo>
+                    <a:pt x="836954" y="404715"/>
+                  </a:lnTo>
+                  <a:lnTo>
+                    <a:pt x="799371" y="425113"/>
+                  </a:lnTo>
+                  <a:lnTo>
+                    <a:pt x="757840" y="438004"/>
+                  </a:lnTo>
+                  <a:lnTo>
+                    <a:pt x="713248" y="442499"/>
+                  </a:lnTo>
+                  <a:close/>
+                </a:path>
+              </a:pathLst>
+            </a:custGeom>
+            <a:noFill/>
+            <a:ln>
+              <a:solidFill>
+                <a:srgbClr val="FF0000"/>
+              </a:solidFill>
+              <a:prstDash val="lgDashDot"/>
+            </a:ln>
+          </p:spPr>
+          <p:txBody>
+            <a:bodyPr wrap="square" lIns="0" tIns="0" rIns="0" bIns="0" rtlCol="0"/>
+            <a:lstStyle/>
+            <a:p>
+              <a:endParaRPr/>
+            </a:p>
+          </p:txBody>
+        </p:sp>
+        <p:sp>
+          <p:nvSpPr>
+            <p:cNvPr id="80" name="object 20">
+              <a:extLst>
+                <a:ext uri="{FF2B5EF4-FFF2-40B4-BE49-F238E27FC236}">
+                  <a16:creationId xmlns:a16="http://schemas.microsoft.com/office/drawing/2014/main" id="{B98063F6-9525-462C-B219-5B2BF628217D}"/>
+                </a:ext>
+              </a:extLst>
+            </p:cNvPr>
+            <p:cNvSpPr/>
+            <p:nvPr/>
+          </p:nvSpPr>
+          <p:spPr>
+            <a:xfrm>
+              <a:off x="5959640" y="4742438"/>
+              <a:ext cx="1029961" cy="373431"/>
+            </a:xfrm>
+            <a:custGeom>
+              <a:avLst/>
+              <a:gdLst/>
+              <a:ahLst/>
+              <a:cxnLst/>
+              <a:rect l="l" t="t" r="r" b="b"/>
+              <a:pathLst>
+                <a:path w="1095375" h="442595">
+                  <a:moveTo>
+                    <a:pt x="874048" y="442499"/>
+                  </a:moveTo>
+                  <a:lnTo>
+                    <a:pt x="221249" y="442499"/>
+                  </a:lnTo>
+                  <a:lnTo>
+                    <a:pt x="176658" y="438004"/>
+                  </a:lnTo>
+                  <a:lnTo>
+                    <a:pt x="135126" y="425113"/>
+                  </a:lnTo>
+                  <a:lnTo>
+                    <a:pt x="97543" y="404715"/>
+                  </a:lnTo>
+                  <a:lnTo>
+                    <a:pt x="64799" y="377699"/>
+                  </a:lnTo>
+                  <a:lnTo>
+                    <a:pt x="37784" y="344955"/>
+                  </a:lnTo>
+                  <a:lnTo>
+                    <a:pt x="17385" y="307372"/>
+                  </a:lnTo>
+                  <a:lnTo>
+                    <a:pt x="4494" y="265841"/>
+                  </a:lnTo>
+                  <a:lnTo>
+                    <a:pt x="0" y="221249"/>
+                  </a:lnTo>
+                  <a:lnTo>
+                    <a:pt x="4494" y="176658"/>
+                  </a:lnTo>
+                  <a:lnTo>
+                    <a:pt x="17385" y="135126"/>
+                  </a:lnTo>
+                  <a:lnTo>
+                    <a:pt x="37784" y="97543"/>
+                  </a:lnTo>
+                  <a:lnTo>
+                    <a:pt x="64799" y="64799"/>
+                  </a:lnTo>
+                  <a:lnTo>
+                    <a:pt x="97543" y="37784"/>
+                  </a:lnTo>
+                  <a:lnTo>
+                    <a:pt x="135126" y="17385"/>
+                  </a:lnTo>
+                  <a:lnTo>
+                    <a:pt x="176658" y="4494"/>
+                  </a:lnTo>
+                  <a:lnTo>
+                    <a:pt x="221249" y="0"/>
+                  </a:lnTo>
+                  <a:lnTo>
+                    <a:pt x="874048" y="0"/>
+                  </a:lnTo>
+                  <a:lnTo>
+                    <a:pt x="917411" y="4289"/>
+                  </a:lnTo>
+                  <a:lnTo>
+                    <a:pt x="958713" y="16837"/>
+                  </a:lnTo>
+                  <a:lnTo>
+                    <a:pt x="996796" y="37167"/>
+                  </a:lnTo>
+                  <a:lnTo>
+                    <a:pt x="1030497" y="64799"/>
+                  </a:lnTo>
+                  <a:lnTo>
+                    <a:pt x="1058130" y="98501"/>
+                  </a:lnTo>
+                  <a:lnTo>
+                    <a:pt x="1078460" y="136584"/>
+                  </a:lnTo>
+                  <a:lnTo>
+                    <a:pt x="1091008" y="177886"/>
+                  </a:lnTo>
+                  <a:lnTo>
+                    <a:pt x="1095297" y="221249"/>
+                  </a:lnTo>
+                  <a:lnTo>
+                    <a:pt x="1090803" y="265841"/>
+                  </a:lnTo>
+                  <a:lnTo>
+                    <a:pt x="1077911" y="307372"/>
+                  </a:lnTo>
+                  <a:lnTo>
+                    <a:pt x="1057513" y="344955"/>
+                  </a:lnTo>
+                  <a:lnTo>
+                    <a:pt x="1030497" y="377699"/>
+                  </a:lnTo>
+                  <a:lnTo>
+                    <a:pt x="997754" y="404715"/>
+                  </a:lnTo>
+                  <a:lnTo>
+                    <a:pt x="960171" y="425113"/>
+                  </a:lnTo>
+                  <a:lnTo>
+                    <a:pt x="918639" y="438004"/>
+                  </a:lnTo>
+                  <a:lnTo>
+                    <a:pt x="874048" y="442499"/>
+                  </a:lnTo>
+                  <a:close/>
+                </a:path>
+              </a:pathLst>
+            </a:custGeom>
+            <a:noFill/>
+            <a:ln>
+              <a:solidFill>
+                <a:srgbClr val="FF0000"/>
+              </a:solidFill>
+              <a:prstDash val="lgDashDot"/>
+            </a:ln>
+          </p:spPr>
+          <p:txBody>
+            <a:bodyPr wrap="square" lIns="0" tIns="0" rIns="0" bIns="0" rtlCol="0"/>
+            <a:lstStyle/>
+            <a:p>
+              <a:endParaRPr dirty="0"/>
+            </a:p>
+          </p:txBody>
+        </p:sp>
+        <p:sp>
+          <p:nvSpPr>
+            <p:cNvPr id="81" name="object 21">
+              <a:extLst>
+                <a:ext uri="{FF2B5EF4-FFF2-40B4-BE49-F238E27FC236}">
+                  <a16:creationId xmlns:a16="http://schemas.microsoft.com/office/drawing/2014/main" id="{03F7F96F-BF48-4600-9C60-980AF2907788}"/>
+                </a:ext>
+              </a:extLst>
+            </p:cNvPr>
+            <p:cNvSpPr txBox="1"/>
+            <p:nvPr/>
+          </p:nvSpPr>
+          <p:spPr>
+            <a:xfrm>
+              <a:off x="8452488" y="4773648"/>
+              <a:ext cx="643255" cy="232784"/>
+            </a:xfrm>
+            <a:prstGeom prst="rect">
+              <a:avLst/>
+            </a:prstGeom>
+          </p:spPr>
+          <p:txBody>
+            <a:bodyPr vert="horz" wrap="square" lIns="0" tIns="12700" rIns="0" bIns="0" rtlCol="0">
+              <a:spAutoFit/>
+            </a:bodyPr>
+            <a:lstStyle/>
+            <a:p>
+              <a:pPr marL="189865" marR="5080" indent="-177800">
+                <a:lnSpc>
+                  <a:spcPct val="100000"/>
+                </a:lnSpc>
+                <a:spcBef>
+                  <a:spcPts val="100"/>
+                </a:spcBef>
+              </a:pPr>
+              <a:r>
+                <a:rPr lang="fr-FR" sz="1000" spc="10" dirty="0">
+                  <a:latin typeface="Arial"/>
+                  <a:cs typeface="Arial"/>
+                </a:rPr>
+                <a:t>Help desk and CRM </a:t>
+              </a:r>
+              <a:endParaRPr sz="1000" dirty="0">
+                <a:latin typeface="Arial"/>
+                <a:cs typeface="Arial"/>
+              </a:endParaRPr>
+            </a:p>
+          </p:txBody>
+        </p:sp>
+        <p:sp>
+          <p:nvSpPr>
+            <p:cNvPr id="87" name="object 22">
+              <a:extLst>
+                <a:ext uri="{FF2B5EF4-FFF2-40B4-BE49-F238E27FC236}">
+                  <a16:creationId xmlns:a16="http://schemas.microsoft.com/office/drawing/2014/main" id="{BD611D6C-E330-435B-BD74-13B8C77E9F04}"/>
+                </a:ext>
+              </a:extLst>
+            </p:cNvPr>
+            <p:cNvSpPr/>
+            <p:nvPr/>
+          </p:nvSpPr>
+          <p:spPr>
+            <a:xfrm>
+              <a:off x="7223516" y="4664002"/>
+              <a:ext cx="934719" cy="442595"/>
+            </a:xfrm>
+            <a:custGeom>
+              <a:avLst/>
+              <a:gdLst/>
+              <a:ahLst/>
+              <a:cxnLst/>
+              <a:rect l="l" t="t" r="r" b="b"/>
+              <a:pathLst>
+                <a:path w="934720" h="442595">
+                  <a:moveTo>
+                    <a:pt x="713248" y="442499"/>
+                  </a:moveTo>
+                  <a:lnTo>
+                    <a:pt x="221249" y="442499"/>
+                  </a:lnTo>
+                  <a:lnTo>
+                    <a:pt x="176658" y="438004"/>
+                  </a:lnTo>
+                  <a:lnTo>
+                    <a:pt x="135126" y="425113"/>
+                  </a:lnTo>
+                  <a:lnTo>
+                    <a:pt x="97543" y="404715"/>
+                  </a:lnTo>
+                  <a:lnTo>
+                    <a:pt x="64799" y="377699"/>
+                  </a:lnTo>
+                  <a:lnTo>
+                    <a:pt x="37784" y="344955"/>
+                  </a:lnTo>
+                  <a:lnTo>
+                    <a:pt x="17385" y="307372"/>
+                  </a:lnTo>
+                  <a:lnTo>
+                    <a:pt x="4494" y="265841"/>
+                  </a:lnTo>
+                  <a:lnTo>
+                    <a:pt x="0" y="221249"/>
+                  </a:lnTo>
+                  <a:lnTo>
+                    <a:pt x="4494" y="176658"/>
+                  </a:lnTo>
+                  <a:lnTo>
+                    <a:pt x="17385" y="135126"/>
+                  </a:lnTo>
+                  <a:lnTo>
+                    <a:pt x="37784" y="97543"/>
+                  </a:lnTo>
+                  <a:lnTo>
+                    <a:pt x="64799" y="64799"/>
+                  </a:lnTo>
+                  <a:lnTo>
+                    <a:pt x="97543" y="37784"/>
+                  </a:lnTo>
+                  <a:lnTo>
+                    <a:pt x="135126" y="17385"/>
+                  </a:lnTo>
+                  <a:lnTo>
+                    <a:pt x="176658" y="4494"/>
+                  </a:lnTo>
+                  <a:lnTo>
+                    <a:pt x="221249" y="0"/>
+                  </a:lnTo>
+                  <a:lnTo>
+                    <a:pt x="713248" y="0"/>
+                  </a:lnTo>
+                  <a:lnTo>
+                    <a:pt x="756611" y="4289"/>
+                  </a:lnTo>
+                  <a:lnTo>
+                    <a:pt x="797914" y="16837"/>
+                  </a:lnTo>
+                  <a:lnTo>
+                    <a:pt x="835996" y="37167"/>
+                  </a:lnTo>
+                  <a:lnTo>
+                    <a:pt x="869698" y="64799"/>
+                  </a:lnTo>
+                  <a:lnTo>
+                    <a:pt x="897320" y="98501"/>
+                  </a:lnTo>
+                  <a:lnTo>
+                    <a:pt x="917651" y="136584"/>
+                  </a:lnTo>
+                  <a:lnTo>
+                    <a:pt x="930205" y="177886"/>
+                  </a:lnTo>
+                  <a:lnTo>
+                    <a:pt x="934498" y="221249"/>
+                  </a:lnTo>
+                  <a:lnTo>
+                    <a:pt x="930003" y="265841"/>
+                  </a:lnTo>
+                  <a:lnTo>
+                    <a:pt x="917112" y="307372"/>
+                  </a:lnTo>
+                  <a:lnTo>
+                    <a:pt x="896714" y="344955"/>
+                  </a:lnTo>
+                  <a:lnTo>
+                    <a:pt x="869698" y="377699"/>
+                  </a:lnTo>
+                  <a:lnTo>
+                    <a:pt x="836954" y="404715"/>
+                  </a:lnTo>
+                  <a:lnTo>
+                    <a:pt x="799371" y="425113"/>
+                  </a:lnTo>
+                  <a:lnTo>
+                    <a:pt x="757840" y="438004"/>
+                  </a:lnTo>
+                  <a:lnTo>
+                    <a:pt x="713248" y="442499"/>
+                  </a:lnTo>
+                  <a:close/>
+                </a:path>
+              </a:pathLst>
+            </a:custGeom>
+            <a:noFill/>
+            <a:ln>
+              <a:solidFill>
+                <a:srgbClr val="FF0000"/>
+              </a:solidFill>
+              <a:prstDash val="lgDashDot"/>
+            </a:ln>
+          </p:spPr>
+          <p:txBody>
+            <a:bodyPr wrap="square" lIns="0" tIns="0" rIns="0" bIns="0" rtlCol="0"/>
+            <a:lstStyle/>
+            <a:p>
+              <a:endParaRPr/>
+            </a:p>
+          </p:txBody>
+        </p:sp>
+        <p:sp>
+          <p:nvSpPr>
+            <p:cNvPr id="90" name="object 23">
+              <a:extLst>
+                <a:ext uri="{FF2B5EF4-FFF2-40B4-BE49-F238E27FC236}">
+                  <a16:creationId xmlns:a16="http://schemas.microsoft.com/office/drawing/2014/main" id="{FBC151EA-B78A-440E-817B-8694E7585990}"/>
+                </a:ext>
+              </a:extLst>
+            </p:cNvPr>
+            <p:cNvSpPr txBox="1"/>
+            <p:nvPr/>
+          </p:nvSpPr>
+          <p:spPr>
+            <a:xfrm>
+              <a:off x="7464115" y="4793651"/>
+              <a:ext cx="627380" cy="121047"/>
+            </a:xfrm>
+            <a:prstGeom prst="rect">
+              <a:avLst/>
+            </a:prstGeom>
+          </p:spPr>
+          <p:txBody>
+            <a:bodyPr vert="horz" wrap="square" lIns="0" tIns="12700" rIns="0" bIns="0" rtlCol="0">
+              <a:spAutoFit/>
+            </a:bodyPr>
+            <a:lstStyle/>
+            <a:p>
+              <a:pPr marL="12700">
+                <a:lnSpc>
+                  <a:spcPct val="100000"/>
+                </a:lnSpc>
+                <a:spcBef>
+                  <a:spcPts val="100"/>
+                </a:spcBef>
+              </a:pPr>
+              <a:r>
+                <a:rPr sz="1000" spc="-20" dirty="0">
+                  <a:latin typeface="Arial"/>
+                  <a:cs typeface="Arial"/>
+                </a:rPr>
+                <a:t>Sales</a:t>
+              </a:r>
+              <a:r>
+                <a:rPr sz="1000" spc="-100" dirty="0">
+                  <a:latin typeface="Arial"/>
+                  <a:cs typeface="Arial"/>
+                </a:rPr>
+                <a:t> </a:t>
+              </a:r>
+              <a:r>
+                <a:rPr sz="1000" spc="-15" dirty="0">
+                  <a:latin typeface="Arial"/>
+                  <a:cs typeface="Arial"/>
+                </a:rPr>
+                <a:t>Dept</a:t>
+              </a:r>
+              <a:endParaRPr sz="1000" dirty="0">
+                <a:latin typeface="Arial"/>
+                <a:cs typeface="Arial"/>
+              </a:endParaRPr>
+            </a:p>
+          </p:txBody>
+        </p:sp>
+        <p:sp>
+          <p:nvSpPr>
+            <p:cNvPr id="96" name="object 24">
+              <a:extLst>
+                <a:ext uri="{FF2B5EF4-FFF2-40B4-BE49-F238E27FC236}">
+                  <a16:creationId xmlns:a16="http://schemas.microsoft.com/office/drawing/2014/main" id="{9154DA47-C2EE-43BC-B913-799AFC591B14}"/>
+                </a:ext>
+              </a:extLst>
+            </p:cNvPr>
+            <p:cNvSpPr txBox="1"/>
+            <p:nvPr/>
+          </p:nvSpPr>
+          <p:spPr>
+            <a:xfrm>
+              <a:off x="6191112" y="4859056"/>
+              <a:ext cx="679450" cy="121047"/>
+            </a:xfrm>
+            <a:prstGeom prst="rect">
+              <a:avLst/>
+            </a:prstGeom>
+          </p:spPr>
+          <p:txBody>
+            <a:bodyPr vert="horz" wrap="square" lIns="0" tIns="12700" rIns="0" bIns="0" rtlCol="0">
+              <a:spAutoFit/>
+            </a:bodyPr>
+            <a:lstStyle/>
+            <a:p>
+              <a:pPr marL="12700">
+                <a:lnSpc>
+                  <a:spcPct val="100000"/>
+                </a:lnSpc>
+                <a:spcBef>
+                  <a:spcPts val="100"/>
+                </a:spcBef>
+              </a:pPr>
+              <a:r>
+                <a:rPr sz="1000" spc="-10" dirty="0">
+                  <a:latin typeface="Arial"/>
+                  <a:cs typeface="Arial"/>
+                </a:rPr>
+                <a:t>Hub</a:t>
+              </a:r>
+              <a:r>
+                <a:rPr sz="1000" spc="-75" dirty="0">
+                  <a:latin typeface="Arial"/>
+                  <a:cs typeface="Arial"/>
+                </a:rPr>
+                <a:t> </a:t>
+              </a:r>
+              <a:r>
+                <a:rPr sz="1000" spc="-5" dirty="0">
+                  <a:latin typeface="Arial"/>
+                  <a:cs typeface="Arial"/>
+                </a:rPr>
+                <a:t>Algiers</a:t>
+              </a:r>
+              <a:endParaRPr sz="1000" dirty="0">
+                <a:latin typeface="Arial"/>
+                <a:cs typeface="Arial"/>
+              </a:endParaRPr>
+            </a:p>
+          </p:txBody>
+        </p:sp>
+        <p:sp>
+          <p:nvSpPr>
+            <p:cNvPr id="104" name="object 31">
+              <a:extLst>
+                <a:ext uri="{FF2B5EF4-FFF2-40B4-BE49-F238E27FC236}">
+                  <a16:creationId xmlns:a16="http://schemas.microsoft.com/office/drawing/2014/main" id="{1A0153AD-E7B7-4D33-AE49-476A889F1234}"/>
+                </a:ext>
+              </a:extLst>
+            </p:cNvPr>
+            <p:cNvSpPr/>
+            <p:nvPr/>
+          </p:nvSpPr>
+          <p:spPr>
+            <a:xfrm>
+              <a:off x="9255120" y="4676128"/>
+              <a:ext cx="1003935" cy="442595"/>
+            </a:xfrm>
+            <a:custGeom>
+              <a:avLst/>
+              <a:gdLst/>
+              <a:ahLst/>
+              <a:cxnLst/>
+              <a:rect l="l" t="t" r="r" b="b"/>
+              <a:pathLst>
+                <a:path w="1003934" h="442595">
+                  <a:moveTo>
+                    <a:pt x="782548" y="442499"/>
+                  </a:moveTo>
+                  <a:lnTo>
+                    <a:pt x="221249" y="442499"/>
+                  </a:lnTo>
+                  <a:lnTo>
+                    <a:pt x="176658" y="438004"/>
+                  </a:lnTo>
+                  <a:lnTo>
+                    <a:pt x="135126" y="425113"/>
+                  </a:lnTo>
+                  <a:lnTo>
+                    <a:pt x="97543" y="404715"/>
+                  </a:lnTo>
+                  <a:lnTo>
+                    <a:pt x="64799" y="377699"/>
+                  </a:lnTo>
+                  <a:lnTo>
+                    <a:pt x="37784" y="344955"/>
+                  </a:lnTo>
+                  <a:lnTo>
+                    <a:pt x="17385" y="307372"/>
+                  </a:lnTo>
+                  <a:lnTo>
+                    <a:pt x="4494" y="265841"/>
+                  </a:lnTo>
+                  <a:lnTo>
+                    <a:pt x="0" y="221249"/>
+                  </a:lnTo>
+                  <a:lnTo>
+                    <a:pt x="4494" y="176658"/>
+                  </a:lnTo>
+                  <a:lnTo>
+                    <a:pt x="17385" y="135126"/>
+                  </a:lnTo>
+                  <a:lnTo>
+                    <a:pt x="37784" y="97543"/>
+                  </a:lnTo>
+                  <a:lnTo>
+                    <a:pt x="64799" y="64799"/>
+                  </a:lnTo>
+                  <a:lnTo>
+                    <a:pt x="97543" y="37784"/>
+                  </a:lnTo>
+                  <a:lnTo>
+                    <a:pt x="135126" y="17385"/>
+                  </a:lnTo>
+                  <a:lnTo>
+                    <a:pt x="176658" y="4494"/>
+                  </a:lnTo>
+                  <a:lnTo>
+                    <a:pt x="221249" y="0"/>
+                  </a:lnTo>
+                  <a:lnTo>
+                    <a:pt x="782548" y="0"/>
+                  </a:lnTo>
+                  <a:lnTo>
+                    <a:pt x="825911" y="4289"/>
+                  </a:lnTo>
+                  <a:lnTo>
+                    <a:pt x="867213" y="16837"/>
+                  </a:lnTo>
+                  <a:lnTo>
+                    <a:pt x="905296" y="37167"/>
+                  </a:lnTo>
+                  <a:lnTo>
+                    <a:pt x="938998" y="64799"/>
+                  </a:lnTo>
+                  <a:lnTo>
+                    <a:pt x="966630" y="98501"/>
+                  </a:lnTo>
+                  <a:lnTo>
+                    <a:pt x="986960" y="136584"/>
+                  </a:lnTo>
+                  <a:lnTo>
+                    <a:pt x="999508" y="177886"/>
+                  </a:lnTo>
+                  <a:lnTo>
+                    <a:pt x="1003798" y="221249"/>
+                  </a:lnTo>
+                  <a:lnTo>
+                    <a:pt x="999303" y="265841"/>
+                  </a:lnTo>
+                  <a:lnTo>
+                    <a:pt x="986412" y="307372"/>
+                  </a:lnTo>
+                  <a:lnTo>
+                    <a:pt x="966013" y="344955"/>
+                  </a:lnTo>
+                  <a:lnTo>
+                    <a:pt x="938998" y="377699"/>
+                  </a:lnTo>
+                  <a:lnTo>
+                    <a:pt x="906254" y="404715"/>
+                  </a:lnTo>
+                  <a:lnTo>
+                    <a:pt x="868671" y="425113"/>
+                  </a:lnTo>
+                  <a:lnTo>
+                    <a:pt x="827139" y="438004"/>
+                  </a:lnTo>
+                  <a:lnTo>
+                    <a:pt x="782548" y="442499"/>
+                  </a:lnTo>
+                  <a:close/>
+                </a:path>
+              </a:pathLst>
+            </a:custGeom>
+            <a:noFill/>
+            <a:ln>
+              <a:solidFill>
+                <a:srgbClr val="FF0000"/>
+              </a:solidFill>
+              <a:prstDash val="lgDashDot"/>
+            </a:ln>
+          </p:spPr>
+          <p:txBody>
+            <a:bodyPr wrap="square" lIns="0" tIns="0" rIns="0" bIns="0" rtlCol="0"/>
+            <a:lstStyle/>
+            <a:p>
+              <a:endParaRPr/>
+            </a:p>
+          </p:txBody>
+        </p:sp>
+        <p:sp>
+          <p:nvSpPr>
+            <p:cNvPr id="105" name="object 32">
+              <a:extLst>
+                <a:ext uri="{FF2B5EF4-FFF2-40B4-BE49-F238E27FC236}">
+                  <a16:creationId xmlns:a16="http://schemas.microsoft.com/office/drawing/2014/main" id="{92E83ABC-0459-459E-8AE9-FE596F0539AE}"/>
+                </a:ext>
+              </a:extLst>
+            </p:cNvPr>
+            <p:cNvSpPr txBox="1"/>
+            <p:nvPr/>
+          </p:nvSpPr>
+          <p:spPr>
+            <a:xfrm>
+              <a:off x="9435459" y="4689505"/>
+              <a:ext cx="643255" cy="344520"/>
+            </a:xfrm>
+            <a:prstGeom prst="rect">
+              <a:avLst/>
+            </a:prstGeom>
+          </p:spPr>
+          <p:txBody>
+            <a:bodyPr vert="horz" wrap="square" lIns="0" tIns="12700" rIns="0" bIns="0" rtlCol="0">
+              <a:spAutoFit/>
+            </a:bodyPr>
+            <a:lstStyle/>
+            <a:p>
+              <a:pPr marL="12065" marR="5080" indent="-635" algn="ctr">
+                <a:lnSpc>
+                  <a:spcPct val="100000"/>
+                </a:lnSpc>
+                <a:spcBef>
+                  <a:spcPts val="100"/>
+                </a:spcBef>
+              </a:pPr>
+              <a:r>
+                <a:rPr sz="1000" spc="-15" dirty="0">
+                  <a:solidFill>
+                    <a:srgbClr val="FFFFFF"/>
+                  </a:solidFill>
+                  <a:latin typeface="Arial"/>
+                  <a:cs typeface="Arial"/>
+                </a:rPr>
+                <a:t>Vendor  </a:t>
+              </a:r>
+              <a:r>
+                <a:rPr sz="1000" spc="-20" dirty="0">
+                  <a:latin typeface="Arial"/>
+                  <a:cs typeface="Arial"/>
+                </a:rPr>
+                <a:t>Experience  </a:t>
+              </a:r>
+              <a:r>
+                <a:rPr sz="1000" spc="-5" dirty="0">
+                  <a:latin typeface="Arial"/>
+                  <a:cs typeface="Arial"/>
+                </a:rPr>
+                <a:t>Manager</a:t>
+              </a:r>
+              <a:endParaRPr sz="1000" dirty="0">
+                <a:latin typeface="Arial"/>
+                <a:cs typeface="Arial"/>
+              </a:endParaRPr>
+            </a:p>
+          </p:txBody>
+        </p:sp>
+        <p:sp>
+          <p:nvSpPr>
+            <p:cNvPr id="106" name="object 33">
+              <a:extLst>
+                <a:ext uri="{FF2B5EF4-FFF2-40B4-BE49-F238E27FC236}">
+                  <a16:creationId xmlns:a16="http://schemas.microsoft.com/office/drawing/2014/main" id="{F7C88D93-8E9A-4528-9512-3DAE2DF103B8}"/>
+                </a:ext>
+              </a:extLst>
+            </p:cNvPr>
+            <p:cNvSpPr/>
+            <p:nvPr/>
+          </p:nvSpPr>
+          <p:spPr>
+            <a:xfrm>
+              <a:off x="3153152" y="4657041"/>
+              <a:ext cx="934719" cy="408012"/>
+            </a:xfrm>
+            <a:custGeom>
+              <a:avLst/>
+              <a:gdLst/>
+              <a:ahLst/>
+              <a:cxnLst/>
+              <a:rect l="l" t="t" r="r" b="b"/>
+              <a:pathLst>
+                <a:path w="934719" h="442595">
+                  <a:moveTo>
+                    <a:pt x="713248" y="442499"/>
+                  </a:moveTo>
+                  <a:lnTo>
+                    <a:pt x="221249" y="442499"/>
+                  </a:lnTo>
+                  <a:lnTo>
+                    <a:pt x="176660" y="438004"/>
+                  </a:lnTo>
+                  <a:lnTo>
+                    <a:pt x="135129" y="425113"/>
+                  </a:lnTo>
+                  <a:lnTo>
+                    <a:pt x="97547" y="404715"/>
+                  </a:lnTo>
+                  <a:lnTo>
+                    <a:pt x="64802" y="377699"/>
+                  </a:lnTo>
+                  <a:lnTo>
+                    <a:pt x="37786" y="344955"/>
+                  </a:lnTo>
+                  <a:lnTo>
+                    <a:pt x="17386" y="307372"/>
+                  </a:lnTo>
+                  <a:lnTo>
+                    <a:pt x="4495" y="265841"/>
+                  </a:lnTo>
+                  <a:lnTo>
+                    <a:pt x="0" y="221249"/>
+                  </a:lnTo>
+                  <a:lnTo>
+                    <a:pt x="4495" y="176658"/>
+                  </a:lnTo>
+                  <a:lnTo>
+                    <a:pt x="17386" y="135126"/>
+                  </a:lnTo>
+                  <a:lnTo>
+                    <a:pt x="37786" y="97543"/>
+                  </a:lnTo>
+                  <a:lnTo>
+                    <a:pt x="64802" y="64799"/>
+                  </a:lnTo>
+                  <a:lnTo>
+                    <a:pt x="97547" y="37784"/>
+                  </a:lnTo>
+                  <a:lnTo>
+                    <a:pt x="135129" y="17385"/>
+                  </a:lnTo>
+                  <a:lnTo>
+                    <a:pt x="176660" y="4494"/>
+                  </a:lnTo>
+                  <a:lnTo>
+                    <a:pt x="221249" y="0"/>
+                  </a:lnTo>
+                  <a:lnTo>
+                    <a:pt x="713248" y="0"/>
+                  </a:lnTo>
+                  <a:lnTo>
+                    <a:pt x="756614" y="4289"/>
+                  </a:lnTo>
+                  <a:lnTo>
+                    <a:pt x="797917" y="16837"/>
+                  </a:lnTo>
+                  <a:lnTo>
+                    <a:pt x="835998" y="37167"/>
+                  </a:lnTo>
+                  <a:lnTo>
+                    <a:pt x="869695" y="64799"/>
+                  </a:lnTo>
+                  <a:lnTo>
+                    <a:pt x="897325" y="98501"/>
+                  </a:lnTo>
+                  <a:lnTo>
+                    <a:pt x="917656" y="136584"/>
+                  </a:lnTo>
+                  <a:lnTo>
+                    <a:pt x="930207" y="177886"/>
+                  </a:lnTo>
+                  <a:lnTo>
+                    <a:pt x="934498" y="221249"/>
+                  </a:lnTo>
+                  <a:lnTo>
+                    <a:pt x="930003" y="265841"/>
+                  </a:lnTo>
+                  <a:lnTo>
+                    <a:pt x="917111" y="307372"/>
+                  </a:lnTo>
+                  <a:lnTo>
+                    <a:pt x="896712" y="344955"/>
+                  </a:lnTo>
+                  <a:lnTo>
+                    <a:pt x="869695" y="377699"/>
+                  </a:lnTo>
+                  <a:lnTo>
+                    <a:pt x="836951" y="404715"/>
+                  </a:lnTo>
+                  <a:lnTo>
+                    <a:pt x="799368" y="425113"/>
+                  </a:lnTo>
+                  <a:lnTo>
+                    <a:pt x="757837" y="438004"/>
+                  </a:lnTo>
+                  <a:lnTo>
+                    <a:pt x="713248" y="442499"/>
+                  </a:lnTo>
+                  <a:close/>
+                </a:path>
+              </a:pathLst>
+            </a:custGeom>
+            <a:noFill/>
+            <a:ln>
+              <a:solidFill>
+                <a:srgbClr val="FF0000"/>
+              </a:solidFill>
+              <a:prstDash val="lgDashDot"/>
+            </a:ln>
+          </p:spPr>
+          <p:txBody>
+            <a:bodyPr wrap="square" lIns="0" tIns="0" rIns="0" bIns="0" rtlCol="0"/>
+            <a:lstStyle/>
+            <a:p>
+              <a:endParaRPr dirty="0"/>
+            </a:p>
+          </p:txBody>
+        </p:sp>
+        <p:sp>
+          <p:nvSpPr>
+            <p:cNvPr id="107" name="object 34">
+              <a:extLst>
+                <a:ext uri="{FF2B5EF4-FFF2-40B4-BE49-F238E27FC236}">
+                  <a16:creationId xmlns:a16="http://schemas.microsoft.com/office/drawing/2014/main" id="{FA8D15E0-438E-4B38-A2D7-CDA29A1868CC}"/>
+                </a:ext>
+              </a:extLst>
+            </p:cNvPr>
+            <p:cNvSpPr txBox="1"/>
+            <p:nvPr/>
+          </p:nvSpPr>
+          <p:spPr>
+            <a:xfrm>
+              <a:off x="3364413" y="4756195"/>
+              <a:ext cx="598170" cy="232784"/>
+            </a:xfrm>
+            <a:prstGeom prst="rect">
+              <a:avLst/>
+            </a:prstGeom>
+          </p:spPr>
+          <p:txBody>
+            <a:bodyPr vert="horz" wrap="square" lIns="0" tIns="12700" rIns="0" bIns="0" rtlCol="0">
+              <a:spAutoFit/>
+            </a:bodyPr>
+            <a:lstStyle/>
+            <a:p>
+              <a:pPr marL="12700" algn="ctr">
+                <a:lnSpc>
+                  <a:spcPct val="100000"/>
+                </a:lnSpc>
+                <a:spcBef>
+                  <a:spcPts val="100"/>
+                </a:spcBef>
+              </a:pPr>
+              <a:r>
+                <a:rPr sz="1000" spc="15" dirty="0">
+                  <a:latin typeface="Arial"/>
+                  <a:cs typeface="Arial"/>
+                </a:rPr>
+                <a:t>Mobil</a:t>
+              </a:r>
+              <a:r>
+                <a:rPr sz="1000" spc="-90" dirty="0">
+                  <a:latin typeface="Arial"/>
+                  <a:cs typeface="Arial"/>
+                </a:rPr>
+                <a:t> </a:t>
+              </a:r>
+              <a:r>
+                <a:rPr sz="1000" spc="-10" dirty="0">
+                  <a:latin typeface="Arial"/>
+                  <a:cs typeface="Arial"/>
+                </a:rPr>
+                <a:t>App</a:t>
+              </a:r>
+              <a:r>
+                <a:rPr lang="fr-FR" sz="1000" spc="-10" dirty="0">
+                  <a:latin typeface="Arial"/>
+                  <a:cs typeface="Arial"/>
+                </a:rPr>
+                <a:t> </a:t>
+              </a:r>
+              <a:r>
+                <a:rPr lang="fr-FR" sz="1000" spc="-10" dirty="0" err="1">
+                  <a:latin typeface="Arial"/>
+                  <a:cs typeface="Arial"/>
+                </a:rPr>
+                <a:t>Coordinator</a:t>
+              </a:r>
+              <a:endParaRPr sz="1000" dirty="0">
+                <a:latin typeface="Arial"/>
+                <a:cs typeface="Arial"/>
+              </a:endParaRPr>
+            </a:p>
+          </p:txBody>
+        </p:sp>
+        <p:sp>
+          <p:nvSpPr>
+            <p:cNvPr id="108" name="object 35">
+              <a:extLst>
+                <a:ext uri="{FF2B5EF4-FFF2-40B4-BE49-F238E27FC236}">
+                  <a16:creationId xmlns:a16="http://schemas.microsoft.com/office/drawing/2014/main" id="{82FC56AB-C8F2-469A-BFC7-9B5C77881845}"/>
+                </a:ext>
+              </a:extLst>
+            </p:cNvPr>
+            <p:cNvSpPr/>
+            <p:nvPr/>
+          </p:nvSpPr>
+          <p:spPr>
+            <a:xfrm>
+              <a:off x="1938427" y="4689505"/>
+              <a:ext cx="934719" cy="375548"/>
+            </a:xfrm>
+            <a:custGeom>
+              <a:avLst/>
+              <a:gdLst/>
+              <a:ahLst/>
+              <a:cxnLst/>
+              <a:rect l="l" t="t" r="r" b="b"/>
+              <a:pathLst>
+                <a:path w="934719" h="442595">
+                  <a:moveTo>
+                    <a:pt x="713248" y="442499"/>
+                  </a:moveTo>
+                  <a:lnTo>
+                    <a:pt x="221249" y="442499"/>
+                  </a:lnTo>
+                  <a:lnTo>
+                    <a:pt x="176660" y="438004"/>
+                  </a:lnTo>
+                  <a:lnTo>
+                    <a:pt x="135129" y="425113"/>
+                  </a:lnTo>
+                  <a:lnTo>
+                    <a:pt x="97546" y="404715"/>
+                  </a:lnTo>
+                  <a:lnTo>
+                    <a:pt x="64802" y="377699"/>
+                  </a:lnTo>
+                  <a:lnTo>
+                    <a:pt x="37785" y="344955"/>
+                  </a:lnTo>
+                  <a:lnTo>
+                    <a:pt x="17386" y="307372"/>
+                  </a:lnTo>
+                  <a:lnTo>
+                    <a:pt x="4495" y="265841"/>
+                  </a:lnTo>
+                  <a:lnTo>
+                    <a:pt x="0" y="221249"/>
+                  </a:lnTo>
+                  <a:lnTo>
+                    <a:pt x="4495" y="176658"/>
+                  </a:lnTo>
+                  <a:lnTo>
+                    <a:pt x="17386" y="135126"/>
+                  </a:lnTo>
+                  <a:lnTo>
+                    <a:pt x="37785" y="97543"/>
+                  </a:lnTo>
+                  <a:lnTo>
+                    <a:pt x="64802" y="64799"/>
+                  </a:lnTo>
+                  <a:lnTo>
+                    <a:pt x="97546" y="37784"/>
+                  </a:lnTo>
+                  <a:lnTo>
+                    <a:pt x="135129" y="17385"/>
+                  </a:lnTo>
+                  <a:lnTo>
+                    <a:pt x="176660" y="4494"/>
+                  </a:lnTo>
+                  <a:lnTo>
+                    <a:pt x="221249" y="0"/>
+                  </a:lnTo>
+                  <a:lnTo>
+                    <a:pt x="713248" y="0"/>
+                  </a:lnTo>
+                  <a:lnTo>
+                    <a:pt x="756614" y="4289"/>
+                  </a:lnTo>
+                  <a:lnTo>
+                    <a:pt x="797917" y="16837"/>
+                  </a:lnTo>
+                  <a:lnTo>
+                    <a:pt x="835998" y="37167"/>
+                  </a:lnTo>
+                  <a:lnTo>
+                    <a:pt x="869695" y="64799"/>
+                  </a:lnTo>
+                  <a:lnTo>
+                    <a:pt x="897325" y="98501"/>
+                  </a:lnTo>
+                  <a:lnTo>
+                    <a:pt x="917656" y="136584"/>
+                  </a:lnTo>
+                  <a:lnTo>
+                    <a:pt x="930207" y="177886"/>
+                  </a:lnTo>
+                  <a:lnTo>
+                    <a:pt x="934498" y="221249"/>
+                  </a:lnTo>
+                  <a:lnTo>
+                    <a:pt x="930003" y="265841"/>
+                  </a:lnTo>
+                  <a:lnTo>
+                    <a:pt x="917111" y="307372"/>
+                  </a:lnTo>
+                  <a:lnTo>
+                    <a:pt x="896712" y="344955"/>
+                  </a:lnTo>
+                  <a:lnTo>
+                    <a:pt x="869695" y="377699"/>
+                  </a:lnTo>
+                  <a:lnTo>
+                    <a:pt x="836951" y="404715"/>
+                  </a:lnTo>
+                  <a:lnTo>
+                    <a:pt x="799368" y="425113"/>
+                  </a:lnTo>
+                  <a:lnTo>
+                    <a:pt x="757837" y="438004"/>
+                  </a:lnTo>
+                  <a:lnTo>
+                    <a:pt x="713248" y="442499"/>
+                  </a:lnTo>
+                  <a:close/>
+                </a:path>
+              </a:pathLst>
+            </a:custGeom>
+            <a:noFill/>
+            <a:ln>
+              <a:solidFill>
+                <a:srgbClr val="FF0000"/>
+              </a:solidFill>
+              <a:prstDash val="lgDashDot"/>
+            </a:ln>
+          </p:spPr>
+          <p:txBody>
+            <a:bodyPr wrap="square" lIns="0" tIns="0" rIns="0" bIns="0" rtlCol="0"/>
+            <a:lstStyle/>
+            <a:p>
+              <a:endParaRPr/>
+            </a:p>
+          </p:txBody>
+        </p:sp>
+        <p:sp>
+          <p:nvSpPr>
+            <p:cNvPr id="109" name="object 36">
+              <a:extLst>
+                <a:ext uri="{FF2B5EF4-FFF2-40B4-BE49-F238E27FC236}">
+                  <a16:creationId xmlns:a16="http://schemas.microsoft.com/office/drawing/2014/main" id="{27FF8770-41BC-45C4-9AD8-62F71A33A31B}"/>
+                </a:ext>
+              </a:extLst>
+            </p:cNvPr>
+            <p:cNvSpPr txBox="1"/>
+            <p:nvPr/>
+          </p:nvSpPr>
+          <p:spPr>
+            <a:xfrm>
+              <a:off x="2127001" y="4732908"/>
+              <a:ext cx="494472" cy="344520"/>
+            </a:xfrm>
+            <a:prstGeom prst="rect">
+              <a:avLst/>
+            </a:prstGeom>
+          </p:spPr>
+          <p:txBody>
+            <a:bodyPr vert="horz" wrap="square" lIns="0" tIns="12700" rIns="0" bIns="0" rtlCol="0">
+              <a:spAutoFit/>
+            </a:bodyPr>
+            <a:lstStyle/>
+            <a:p>
+              <a:pPr marL="12700" algn="ctr">
+                <a:lnSpc>
+                  <a:spcPct val="100000"/>
+                </a:lnSpc>
+                <a:spcBef>
+                  <a:spcPts val="100"/>
+                </a:spcBef>
+              </a:pPr>
+              <a:r>
+                <a:rPr sz="1000" spc="-25" dirty="0">
+                  <a:latin typeface="Arial"/>
+                  <a:cs typeface="Arial"/>
+                </a:rPr>
+                <a:t>Back-</a:t>
+              </a:r>
+              <a:r>
+                <a:rPr sz="1000" spc="-80" dirty="0">
+                  <a:latin typeface="Arial"/>
+                  <a:cs typeface="Arial"/>
+                </a:rPr>
+                <a:t> </a:t>
+              </a:r>
+              <a:r>
+                <a:rPr sz="1000" spc="-40" dirty="0">
+                  <a:latin typeface="Arial"/>
+                  <a:cs typeface="Arial"/>
+                </a:rPr>
+                <a:t>End</a:t>
+              </a:r>
+              <a:r>
+                <a:rPr lang="fr-FR" sz="1000" spc="-40" dirty="0">
+                  <a:latin typeface="Arial"/>
+                  <a:cs typeface="Arial"/>
+                </a:rPr>
+                <a:t> system Manager</a:t>
+              </a:r>
+              <a:endParaRPr sz="1000" dirty="0">
+                <a:latin typeface="Arial"/>
+                <a:cs typeface="Arial"/>
+              </a:endParaRPr>
+            </a:p>
+          </p:txBody>
+        </p:sp>
+        <p:sp>
+          <p:nvSpPr>
+            <p:cNvPr id="110" name="object 37">
+              <a:extLst>
+                <a:ext uri="{FF2B5EF4-FFF2-40B4-BE49-F238E27FC236}">
+                  <a16:creationId xmlns:a16="http://schemas.microsoft.com/office/drawing/2014/main" id="{F262ABC5-5497-4962-B683-2C1E250E1FD2}"/>
+                </a:ext>
+              </a:extLst>
+            </p:cNvPr>
+            <p:cNvSpPr/>
+            <p:nvPr/>
+          </p:nvSpPr>
+          <p:spPr>
+            <a:xfrm>
+              <a:off x="4408865" y="4683324"/>
+              <a:ext cx="1003935" cy="410447"/>
+            </a:xfrm>
+            <a:custGeom>
+              <a:avLst/>
+              <a:gdLst/>
+              <a:ahLst/>
+              <a:cxnLst/>
+              <a:rect l="l" t="t" r="r" b="b"/>
+              <a:pathLst>
+                <a:path w="1003935" h="442595">
+                  <a:moveTo>
+                    <a:pt x="782548" y="442499"/>
+                  </a:moveTo>
+                  <a:lnTo>
+                    <a:pt x="221249" y="442499"/>
+                  </a:lnTo>
+                  <a:lnTo>
+                    <a:pt x="176660" y="438004"/>
+                  </a:lnTo>
+                  <a:lnTo>
+                    <a:pt x="135129" y="425113"/>
+                  </a:lnTo>
+                  <a:lnTo>
+                    <a:pt x="97547" y="404715"/>
+                  </a:lnTo>
+                  <a:lnTo>
+                    <a:pt x="64802" y="377699"/>
+                  </a:lnTo>
+                  <a:lnTo>
+                    <a:pt x="37786" y="344955"/>
+                  </a:lnTo>
+                  <a:lnTo>
+                    <a:pt x="17386" y="307372"/>
+                  </a:lnTo>
+                  <a:lnTo>
+                    <a:pt x="4495" y="265841"/>
+                  </a:lnTo>
+                  <a:lnTo>
+                    <a:pt x="0" y="221249"/>
+                  </a:lnTo>
+                  <a:lnTo>
+                    <a:pt x="4495" y="176658"/>
+                  </a:lnTo>
+                  <a:lnTo>
+                    <a:pt x="17386" y="135126"/>
+                  </a:lnTo>
+                  <a:lnTo>
+                    <a:pt x="37786" y="97543"/>
+                  </a:lnTo>
+                  <a:lnTo>
+                    <a:pt x="64802" y="64799"/>
+                  </a:lnTo>
+                  <a:lnTo>
+                    <a:pt x="97547" y="37784"/>
+                  </a:lnTo>
+                  <a:lnTo>
+                    <a:pt x="135129" y="17385"/>
+                  </a:lnTo>
+                  <a:lnTo>
+                    <a:pt x="176660" y="4494"/>
+                  </a:lnTo>
+                  <a:lnTo>
+                    <a:pt x="221249" y="0"/>
+                  </a:lnTo>
+                  <a:lnTo>
+                    <a:pt x="782548" y="0"/>
+                  </a:lnTo>
+                  <a:lnTo>
+                    <a:pt x="825911" y="4289"/>
+                  </a:lnTo>
+                  <a:lnTo>
+                    <a:pt x="867213" y="16837"/>
+                  </a:lnTo>
+                  <a:lnTo>
+                    <a:pt x="905296" y="37167"/>
+                  </a:lnTo>
+                  <a:lnTo>
+                    <a:pt x="938998" y="64799"/>
+                  </a:lnTo>
+                  <a:lnTo>
+                    <a:pt x="966630" y="98501"/>
+                  </a:lnTo>
+                  <a:lnTo>
+                    <a:pt x="986960" y="136584"/>
+                  </a:lnTo>
+                  <a:lnTo>
+                    <a:pt x="999508" y="177886"/>
+                  </a:lnTo>
+                  <a:lnTo>
+                    <a:pt x="1003798" y="221249"/>
+                  </a:lnTo>
+                  <a:lnTo>
+                    <a:pt x="999303" y="265841"/>
+                  </a:lnTo>
+                  <a:lnTo>
+                    <a:pt x="986412" y="307372"/>
+                  </a:lnTo>
+                  <a:lnTo>
+                    <a:pt x="966013" y="344955"/>
+                  </a:lnTo>
+                  <a:lnTo>
+                    <a:pt x="938998" y="377699"/>
+                  </a:lnTo>
+                  <a:lnTo>
+                    <a:pt x="906254" y="404715"/>
+                  </a:lnTo>
+                  <a:lnTo>
+                    <a:pt x="868671" y="425113"/>
+                  </a:lnTo>
+                  <a:lnTo>
+                    <a:pt x="827139" y="438004"/>
+                  </a:lnTo>
+                  <a:lnTo>
+                    <a:pt x="782548" y="442499"/>
+                  </a:lnTo>
+                  <a:close/>
+                </a:path>
+              </a:pathLst>
+            </a:custGeom>
+            <a:noFill/>
+            <a:ln>
+              <a:solidFill>
+                <a:srgbClr val="FF0000"/>
+              </a:solidFill>
+              <a:prstDash val="lgDashDot"/>
+            </a:ln>
+          </p:spPr>
+          <p:txBody>
+            <a:bodyPr wrap="square" lIns="0" tIns="0" rIns="0" bIns="0" rtlCol="0"/>
+            <a:lstStyle/>
+            <a:p>
+              <a:endParaRPr/>
+            </a:p>
+          </p:txBody>
+        </p:sp>
+        <p:sp>
+          <p:nvSpPr>
+            <p:cNvPr id="111" name="object 38">
+              <a:extLst>
+                <a:ext uri="{FF2B5EF4-FFF2-40B4-BE49-F238E27FC236}">
+                  <a16:creationId xmlns:a16="http://schemas.microsoft.com/office/drawing/2014/main" id="{931479E4-EF36-42A5-A282-AF170637731A}"/>
+                </a:ext>
+              </a:extLst>
+            </p:cNvPr>
+            <p:cNvSpPr txBox="1"/>
+            <p:nvPr/>
+          </p:nvSpPr>
+          <p:spPr>
+            <a:xfrm>
+              <a:off x="4822265" y="4836902"/>
+              <a:ext cx="221615" cy="121047"/>
+            </a:xfrm>
+            <a:prstGeom prst="rect">
+              <a:avLst/>
+            </a:prstGeom>
+          </p:spPr>
+          <p:txBody>
+            <a:bodyPr vert="horz" wrap="square" lIns="0" tIns="12700" rIns="0" bIns="0" rtlCol="0">
+              <a:spAutoFit/>
+            </a:bodyPr>
+            <a:lstStyle/>
+            <a:p>
+              <a:pPr marL="12700">
+                <a:lnSpc>
+                  <a:spcPct val="100000"/>
+                </a:lnSpc>
+                <a:spcBef>
+                  <a:spcPts val="100"/>
+                </a:spcBef>
+              </a:pPr>
+              <a:r>
+                <a:rPr sz="1000" spc="-35" dirty="0">
+                  <a:latin typeface="Arial"/>
+                  <a:cs typeface="Arial"/>
+                </a:rPr>
+                <a:t>I</a:t>
+              </a:r>
+              <a:r>
+                <a:rPr sz="1000" spc="-90" dirty="0">
+                  <a:latin typeface="Arial"/>
+                  <a:cs typeface="Arial"/>
+                </a:rPr>
+                <a:t>O</a:t>
+              </a:r>
+              <a:r>
+                <a:rPr sz="1000" spc="-15" dirty="0">
+                  <a:latin typeface="Arial"/>
+                  <a:cs typeface="Arial"/>
+                </a:rPr>
+                <a:t>T</a:t>
+              </a:r>
+              <a:endParaRPr sz="1000" dirty="0">
+                <a:latin typeface="Arial"/>
+                <a:cs typeface="Arial"/>
+              </a:endParaRPr>
+            </a:p>
+          </p:txBody>
+        </p:sp>
+        <p:sp>
+          <p:nvSpPr>
+            <p:cNvPr id="113" name="object 40">
+              <a:extLst>
+                <a:ext uri="{FF2B5EF4-FFF2-40B4-BE49-F238E27FC236}">
+                  <a16:creationId xmlns:a16="http://schemas.microsoft.com/office/drawing/2014/main" id="{430F5F60-7B1A-4047-88FE-62ECBBC5A0F3}"/>
+                </a:ext>
+              </a:extLst>
+            </p:cNvPr>
+            <p:cNvSpPr txBox="1"/>
+            <p:nvPr/>
+          </p:nvSpPr>
+          <p:spPr>
+            <a:xfrm>
+              <a:off x="6342770" y="5492166"/>
+              <a:ext cx="568325" cy="121047"/>
+            </a:xfrm>
+            <a:prstGeom prst="rect">
+              <a:avLst/>
+            </a:prstGeom>
+          </p:spPr>
+          <p:txBody>
+            <a:bodyPr vert="horz" wrap="square" lIns="0" tIns="12700" rIns="0" bIns="0" rtlCol="0">
+              <a:spAutoFit/>
+            </a:bodyPr>
+            <a:lstStyle/>
+            <a:p>
+              <a:pPr marL="12700">
+                <a:lnSpc>
+                  <a:spcPct val="100000"/>
+                </a:lnSpc>
+                <a:spcBef>
+                  <a:spcPts val="100"/>
+                </a:spcBef>
+              </a:pPr>
+              <a:r>
+                <a:rPr lang="fr-FR" sz="1000" spc="-25" dirty="0" err="1" smtClean="0">
+                  <a:latin typeface="Arial"/>
+                  <a:cs typeface="Arial"/>
+                </a:rPr>
+                <a:t>reviewers</a:t>
+              </a:r>
+              <a:endParaRPr sz="1000" dirty="0">
+                <a:latin typeface="Arial"/>
+                <a:cs typeface="Arial"/>
+              </a:endParaRPr>
+            </a:p>
+          </p:txBody>
+        </p:sp>
+      </p:grpSp>
+      <p:pic>
+        <p:nvPicPr>
+          <p:cNvPr id="6" name="Image 5">
+            <a:extLst>
+              <a:ext uri="{FF2B5EF4-FFF2-40B4-BE49-F238E27FC236}">
+                <a16:creationId xmlns:a16="http://schemas.microsoft.com/office/drawing/2014/main" id="{BD97CFCA-CE04-472E-A9BB-DB738853D3F7}"/>
+              </a:ext>
+            </a:extLst>
+          </p:cNvPr>
+          <p:cNvPicPr>
+            <a:picLocks noChangeAspect="1"/>
+          </p:cNvPicPr>
+          <p:nvPr/>
+        </p:nvPicPr>
+        <p:blipFill>
+          <a:blip r:embed="rId3"/>
+          <a:stretch>
+            <a:fillRect/>
+          </a:stretch>
+        </p:blipFill>
+        <p:spPr>
+          <a:xfrm>
+            <a:off x="9799708" y="1568665"/>
+            <a:ext cx="615829" cy="779272"/>
+          </a:xfrm>
+          <a:prstGeom prst="rect">
+            <a:avLst/>
+          </a:prstGeom>
+        </p:spPr>
+      </p:pic>
+      <p:sp>
+        <p:nvSpPr>
+          <p:cNvPr id="42" name="object 8">
+            <a:extLst>
+              <a:ext uri="{FF2B5EF4-FFF2-40B4-BE49-F238E27FC236}">
+                <a16:creationId xmlns:a16="http://schemas.microsoft.com/office/drawing/2014/main" id="{2382E6D5-24AE-4A08-9015-CD8CAB3689A1}"/>
+              </a:ext>
+            </a:extLst>
+          </p:cNvPr>
+          <p:cNvSpPr txBox="1"/>
+          <p:nvPr/>
+        </p:nvSpPr>
+        <p:spPr>
+          <a:xfrm>
+            <a:off x="3155765" y="1874945"/>
+            <a:ext cx="353715" cy="166712"/>
+          </a:xfrm>
+          <a:prstGeom prst="rect">
+            <a:avLst/>
+          </a:prstGeom>
+        </p:spPr>
+        <p:txBody>
+          <a:bodyPr vert="horz" wrap="square" lIns="0" tIns="12700" rIns="0" bIns="0" rtlCol="0">
+            <a:spAutoFit/>
+          </a:bodyPr>
+          <a:lstStyle/>
+          <a:p>
+            <a:pPr marL="12700">
+              <a:lnSpc>
+                <a:spcPct val="100000"/>
+              </a:lnSpc>
+              <a:spcBef>
+                <a:spcPts val="100"/>
+              </a:spcBef>
+            </a:pPr>
+            <a:r>
+              <a:rPr lang="fr-FR" sz="1000" spc="-90" dirty="0">
+                <a:latin typeface="Arial"/>
+                <a:cs typeface="Arial"/>
+              </a:rPr>
+              <a:t>CFO</a:t>
+            </a:r>
+            <a:endParaRPr sz="1000" dirty="0">
+              <a:latin typeface="Arial"/>
+              <a:cs typeface="Arial"/>
+            </a:endParaRPr>
+          </a:p>
+        </p:txBody>
+      </p:sp>
+      <p:sp>
+        <p:nvSpPr>
+          <p:cNvPr id="44" name="object 8">
+            <a:extLst>
+              <a:ext uri="{FF2B5EF4-FFF2-40B4-BE49-F238E27FC236}">
+                <a16:creationId xmlns:a16="http://schemas.microsoft.com/office/drawing/2014/main" id="{B5C40D72-B28E-4616-8A09-7C5EABC05941}"/>
+              </a:ext>
+            </a:extLst>
+          </p:cNvPr>
+          <p:cNvSpPr txBox="1"/>
+          <p:nvPr/>
+        </p:nvSpPr>
+        <p:spPr>
+          <a:xfrm>
+            <a:off x="8833775" y="1891110"/>
+            <a:ext cx="353715" cy="166712"/>
+          </a:xfrm>
+          <a:prstGeom prst="rect">
+            <a:avLst/>
+          </a:prstGeom>
+        </p:spPr>
+        <p:txBody>
+          <a:bodyPr vert="horz" wrap="square" lIns="0" tIns="12700" rIns="0" bIns="0" rtlCol="0">
+            <a:spAutoFit/>
+          </a:bodyPr>
+          <a:lstStyle/>
+          <a:p>
+            <a:pPr marL="12700">
+              <a:lnSpc>
+                <a:spcPct val="100000"/>
+              </a:lnSpc>
+              <a:spcBef>
+                <a:spcPts val="100"/>
+              </a:spcBef>
+            </a:pPr>
+            <a:r>
+              <a:rPr sz="1000" spc="-90" dirty="0">
+                <a:latin typeface="Arial"/>
+                <a:cs typeface="Arial"/>
+              </a:rPr>
+              <a:t>C</a:t>
+            </a:r>
+            <a:r>
+              <a:rPr lang="fr-FR" sz="1000" spc="-30" dirty="0">
+                <a:latin typeface="Arial"/>
+                <a:cs typeface="Arial"/>
+              </a:rPr>
+              <a:t>OO</a:t>
+            </a:r>
+            <a:endParaRPr sz="1000" dirty="0">
+              <a:latin typeface="Arial"/>
+              <a:cs typeface="Arial"/>
+            </a:endParaRPr>
+          </a:p>
+        </p:txBody>
+      </p:sp>
+      <p:sp>
+        <p:nvSpPr>
+          <p:cNvPr id="45" name="object 8">
+            <a:extLst>
+              <a:ext uri="{FF2B5EF4-FFF2-40B4-BE49-F238E27FC236}">
+                <a16:creationId xmlns:a16="http://schemas.microsoft.com/office/drawing/2014/main" id="{1420A870-29DE-4D15-A4EB-DC52A6734C35}"/>
+              </a:ext>
+            </a:extLst>
+          </p:cNvPr>
+          <p:cNvSpPr txBox="1"/>
+          <p:nvPr/>
+        </p:nvSpPr>
+        <p:spPr>
+          <a:xfrm>
+            <a:off x="2998034" y="3090047"/>
+            <a:ext cx="1671292" cy="166712"/>
+          </a:xfrm>
+          <a:prstGeom prst="rect">
+            <a:avLst/>
+          </a:prstGeom>
+        </p:spPr>
+        <p:txBody>
+          <a:bodyPr vert="horz" wrap="square" lIns="0" tIns="12700" rIns="0" bIns="0" rtlCol="0">
+            <a:spAutoFit/>
+          </a:bodyPr>
+          <a:lstStyle/>
+          <a:p>
+            <a:pPr marL="12700">
+              <a:lnSpc>
+                <a:spcPct val="100000"/>
+              </a:lnSpc>
+              <a:spcBef>
+                <a:spcPts val="100"/>
+              </a:spcBef>
+            </a:pPr>
+            <a:r>
+              <a:rPr lang="fr-FR" sz="1000" spc="-90" dirty="0">
+                <a:solidFill>
+                  <a:srgbClr val="FFFFFF"/>
+                </a:solidFill>
+                <a:latin typeface="Arial"/>
+                <a:cs typeface="Arial"/>
+              </a:rPr>
+              <a:t>FINANCAL CONTROLLER</a:t>
+            </a:r>
+            <a:endParaRPr sz="1000" dirty="0">
+              <a:latin typeface="Arial"/>
+              <a:cs typeface="Arial"/>
+            </a:endParaRPr>
+          </a:p>
+        </p:txBody>
+      </p:sp>
+      <p:sp>
+        <p:nvSpPr>
+          <p:cNvPr id="4" name="Rectangle 3">
+            <a:extLst>
+              <a:ext uri="{FF2B5EF4-FFF2-40B4-BE49-F238E27FC236}">
+                <a16:creationId xmlns:a16="http://schemas.microsoft.com/office/drawing/2014/main" id="{8544B8E4-E4D3-48C6-BB5A-05DC2CB80235}"/>
+              </a:ext>
+            </a:extLst>
+          </p:cNvPr>
+          <p:cNvSpPr/>
+          <p:nvPr/>
+        </p:nvSpPr>
+        <p:spPr>
+          <a:xfrm>
+            <a:off x="5610935" y="530010"/>
+            <a:ext cx="1160089" cy="560749"/>
+          </a:xfrm>
+          <a:prstGeom prst="rect">
+            <a:avLst/>
+          </a:prstGeom>
+          <a:noFill/>
+          <a:ln>
+            <a:solidFill>
+              <a:srgbClr val="FF0000"/>
+            </a:solidFill>
+            <a:prstDash val="lgDash"/>
+          </a:ln>
+        </p:spPr>
+        <p:style>
+          <a:lnRef idx="2">
+            <a:schemeClr val="accent1">
+              <a:shade val="50000"/>
+            </a:schemeClr>
+          </a:lnRef>
+          <a:fillRef idx="1">
+            <a:schemeClr val="accent1"/>
+          </a:fillRef>
+          <a:effectRef idx="0">
+            <a:schemeClr val="accent1"/>
+          </a:effectRef>
+          <a:fontRef idx="minor">
+            <a:schemeClr val="lt1"/>
+          </a:fontRef>
+        </p:style>
+        <p:txBody>
+          <a:bodyPr rtlCol="0" anchor="ctr"/>
+          <a:lstStyle/>
+          <a:p>
+            <a:pPr algn="ctr"/>
+            <a:endParaRPr lang="fr-FR"/>
+          </a:p>
+        </p:txBody>
+      </p:sp>
+      <p:sp>
+        <p:nvSpPr>
+          <p:cNvPr id="50" name="Rectangle 49">
+            <a:extLst>
+              <a:ext uri="{FF2B5EF4-FFF2-40B4-BE49-F238E27FC236}">
+                <a16:creationId xmlns:a16="http://schemas.microsoft.com/office/drawing/2014/main" id="{551833AD-95D7-4308-814A-BCEBEA57621E}"/>
+              </a:ext>
+            </a:extLst>
+          </p:cNvPr>
+          <p:cNvSpPr/>
+          <p:nvPr/>
+        </p:nvSpPr>
+        <p:spPr>
+          <a:xfrm>
+            <a:off x="2752579" y="1665409"/>
+            <a:ext cx="1160089" cy="560749"/>
+          </a:xfrm>
+          <a:prstGeom prst="rect">
+            <a:avLst/>
+          </a:prstGeom>
+          <a:noFill/>
+          <a:ln>
+            <a:solidFill>
+              <a:srgbClr val="FF0000"/>
+            </a:solidFill>
+            <a:prstDash val="lgDash"/>
+          </a:ln>
+        </p:spPr>
+        <p:style>
+          <a:lnRef idx="2">
+            <a:schemeClr val="accent1">
+              <a:shade val="50000"/>
+            </a:schemeClr>
+          </a:lnRef>
+          <a:fillRef idx="1">
+            <a:schemeClr val="accent1"/>
+          </a:fillRef>
+          <a:effectRef idx="0">
+            <a:schemeClr val="accent1"/>
+          </a:effectRef>
+          <a:fontRef idx="minor">
+            <a:schemeClr val="lt1"/>
+          </a:fontRef>
+        </p:style>
+        <p:txBody>
+          <a:bodyPr rtlCol="0" anchor="ctr"/>
+          <a:lstStyle/>
+          <a:p>
+            <a:pPr algn="ctr"/>
+            <a:endParaRPr lang="fr-FR"/>
+          </a:p>
+        </p:txBody>
+      </p:sp>
+      <p:sp>
+        <p:nvSpPr>
+          <p:cNvPr id="52" name="Rectangle 51">
+            <a:extLst>
+              <a:ext uri="{FF2B5EF4-FFF2-40B4-BE49-F238E27FC236}">
+                <a16:creationId xmlns:a16="http://schemas.microsoft.com/office/drawing/2014/main" id="{AE6A616F-2FE6-46E3-BBD6-E4AF63949FDE}"/>
+              </a:ext>
+            </a:extLst>
+          </p:cNvPr>
+          <p:cNvSpPr/>
+          <p:nvPr/>
+        </p:nvSpPr>
+        <p:spPr>
+          <a:xfrm>
+            <a:off x="8392735" y="1665409"/>
+            <a:ext cx="1160089" cy="560749"/>
+          </a:xfrm>
+          <a:prstGeom prst="rect">
+            <a:avLst/>
+          </a:prstGeom>
+          <a:noFill/>
+          <a:ln>
+            <a:solidFill>
+              <a:srgbClr val="FF0000"/>
+            </a:solidFill>
+            <a:prstDash val="lgDash"/>
+          </a:ln>
+        </p:spPr>
+        <p:style>
+          <a:lnRef idx="2">
+            <a:schemeClr val="accent1">
+              <a:shade val="50000"/>
+            </a:schemeClr>
+          </a:lnRef>
+          <a:fillRef idx="1">
+            <a:schemeClr val="accent1"/>
+          </a:fillRef>
+          <a:effectRef idx="0">
+            <a:schemeClr val="accent1"/>
+          </a:effectRef>
+          <a:fontRef idx="minor">
+            <a:schemeClr val="lt1"/>
+          </a:fontRef>
+        </p:style>
+        <p:txBody>
+          <a:bodyPr rtlCol="0" anchor="ctr"/>
+          <a:lstStyle/>
+          <a:p>
+            <a:pPr algn="ctr"/>
+            <a:endParaRPr lang="fr-FR"/>
+          </a:p>
+        </p:txBody>
+      </p:sp>
+      <p:sp>
+        <p:nvSpPr>
+          <p:cNvPr id="53" name="Rectangle 52">
+            <a:extLst>
+              <a:ext uri="{FF2B5EF4-FFF2-40B4-BE49-F238E27FC236}">
+                <a16:creationId xmlns:a16="http://schemas.microsoft.com/office/drawing/2014/main" id="{E29A0431-D580-4613-AB84-75044EE0C7F2}"/>
+              </a:ext>
+            </a:extLst>
+          </p:cNvPr>
+          <p:cNvSpPr/>
+          <p:nvPr/>
+        </p:nvSpPr>
+        <p:spPr>
+          <a:xfrm>
+            <a:off x="1755386" y="3574568"/>
+            <a:ext cx="1160089" cy="671415"/>
+          </a:xfrm>
+          <a:prstGeom prst="rect">
+            <a:avLst/>
+          </a:prstGeom>
+          <a:noFill/>
+          <a:ln>
+            <a:solidFill>
+              <a:srgbClr val="FF0000"/>
+            </a:solidFill>
+            <a:prstDash val="lgDash"/>
+          </a:ln>
+        </p:spPr>
+        <p:style>
+          <a:lnRef idx="2">
+            <a:schemeClr val="accent1">
+              <a:shade val="50000"/>
+            </a:schemeClr>
+          </a:lnRef>
+          <a:fillRef idx="1">
+            <a:schemeClr val="accent1"/>
+          </a:fillRef>
+          <a:effectRef idx="0">
+            <a:schemeClr val="accent1"/>
+          </a:effectRef>
+          <a:fontRef idx="minor">
+            <a:schemeClr val="lt1"/>
+          </a:fontRef>
+        </p:style>
+        <p:txBody>
+          <a:bodyPr rtlCol="0" anchor="ctr"/>
+          <a:lstStyle/>
+          <a:p>
+            <a:pPr algn="ctr"/>
+            <a:r>
+              <a:rPr lang="fr-FR" sz="1100" dirty="0">
+                <a:solidFill>
+                  <a:schemeClr val="tx1"/>
+                </a:solidFill>
+                <a:latin typeface="Arial" panose="020B0604020202020204" pitchFamily="34" charset="0"/>
+                <a:cs typeface="Arial" panose="020B0604020202020204" pitchFamily="34" charset="0"/>
+              </a:rPr>
+              <a:t>CTO</a:t>
+            </a:r>
+          </a:p>
+        </p:txBody>
+      </p:sp>
+      <p:sp>
+        <p:nvSpPr>
+          <p:cNvPr id="54" name="Rectangle 53">
+            <a:extLst>
+              <a:ext uri="{FF2B5EF4-FFF2-40B4-BE49-F238E27FC236}">
+                <a16:creationId xmlns:a16="http://schemas.microsoft.com/office/drawing/2014/main" id="{2E87E76F-8D0E-409B-8515-C483B2926F7C}"/>
+              </a:ext>
+            </a:extLst>
+          </p:cNvPr>
+          <p:cNvSpPr/>
+          <p:nvPr/>
+        </p:nvSpPr>
+        <p:spPr>
+          <a:xfrm>
+            <a:off x="2195613" y="2791966"/>
+            <a:ext cx="1160089" cy="560749"/>
+          </a:xfrm>
+          <a:prstGeom prst="rect">
+            <a:avLst/>
+          </a:prstGeom>
+          <a:noFill/>
+          <a:ln>
+            <a:solidFill>
+              <a:srgbClr val="FF0000"/>
+            </a:solidFill>
+            <a:prstDash val="lgDash"/>
+          </a:ln>
+        </p:spPr>
+        <p:style>
+          <a:lnRef idx="2">
+            <a:schemeClr val="accent1">
+              <a:shade val="50000"/>
+            </a:schemeClr>
+          </a:lnRef>
+          <a:fillRef idx="1">
+            <a:schemeClr val="accent1"/>
+          </a:fillRef>
+          <a:effectRef idx="0">
+            <a:schemeClr val="accent1"/>
+          </a:effectRef>
+          <a:fontRef idx="minor">
+            <a:schemeClr val="lt1"/>
+          </a:fontRef>
+        </p:style>
+        <p:txBody>
+          <a:bodyPr rtlCol="0" anchor="ctr"/>
+          <a:lstStyle/>
+          <a:p>
+            <a:pPr algn="ctr"/>
+            <a:endParaRPr lang="fr-FR"/>
+          </a:p>
+        </p:txBody>
+      </p:sp>
+      <p:sp>
+        <p:nvSpPr>
+          <p:cNvPr id="55" name="Rectangle 54">
+            <a:extLst>
+              <a:ext uri="{FF2B5EF4-FFF2-40B4-BE49-F238E27FC236}">
+                <a16:creationId xmlns:a16="http://schemas.microsoft.com/office/drawing/2014/main" id="{FB5D4636-2C00-4A2A-8A99-C05EDE1C4B9D}"/>
+              </a:ext>
+            </a:extLst>
+          </p:cNvPr>
+          <p:cNvSpPr/>
+          <p:nvPr/>
+        </p:nvSpPr>
+        <p:spPr>
+          <a:xfrm>
+            <a:off x="8602438" y="3558328"/>
+            <a:ext cx="1160089" cy="703891"/>
+          </a:xfrm>
+          <a:prstGeom prst="rect">
+            <a:avLst/>
+          </a:prstGeom>
+          <a:noFill/>
+          <a:ln>
+            <a:solidFill>
+              <a:srgbClr val="FF0000"/>
+            </a:solidFill>
+            <a:prstDash val="lgDash"/>
+          </a:ln>
+        </p:spPr>
+        <p:style>
+          <a:lnRef idx="2">
+            <a:schemeClr val="accent1">
+              <a:shade val="50000"/>
+            </a:schemeClr>
+          </a:lnRef>
+          <a:fillRef idx="1">
+            <a:schemeClr val="accent1"/>
+          </a:fillRef>
+          <a:effectRef idx="0">
+            <a:schemeClr val="accent1"/>
+          </a:effectRef>
+          <a:fontRef idx="minor">
+            <a:schemeClr val="lt1"/>
+          </a:fontRef>
+        </p:style>
+        <p:txBody>
+          <a:bodyPr rtlCol="0" anchor="ctr"/>
+          <a:lstStyle/>
+          <a:p>
+            <a:pPr algn="ctr"/>
+            <a:endParaRPr lang="fr-FR"/>
+          </a:p>
+        </p:txBody>
+      </p:sp>
+      <p:sp>
+        <p:nvSpPr>
+          <p:cNvPr id="56" name="Rectangle 55">
+            <a:extLst>
+              <a:ext uri="{FF2B5EF4-FFF2-40B4-BE49-F238E27FC236}">
+                <a16:creationId xmlns:a16="http://schemas.microsoft.com/office/drawing/2014/main" id="{B0CA4FA3-A66F-464F-A9E1-62BF3C028CF9}"/>
+              </a:ext>
+            </a:extLst>
+          </p:cNvPr>
+          <p:cNvSpPr/>
+          <p:nvPr/>
+        </p:nvSpPr>
+        <p:spPr>
+          <a:xfrm>
+            <a:off x="5727860" y="3536735"/>
+            <a:ext cx="1160089" cy="671415"/>
+          </a:xfrm>
+          <a:prstGeom prst="rect">
+            <a:avLst/>
+          </a:prstGeom>
+          <a:noFill/>
+          <a:ln>
+            <a:solidFill>
+              <a:srgbClr val="FF0000"/>
+            </a:solidFill>
+            <a:prstDash val="lgDash"/>
+          </a:ln>
+        </p:spPr>
+        <p:style>
+          <a:lnRef idx="2">
+            <a:schemeClr val="accent1">
+              <a:shade val="50000"/>
+            </a:schemeClr>
+          </a:lnRef>
+          <a:fillRef idx="1">
+            <a:schemeClr val="accent1"/>
+          </a:fillRef>
+          <a:effectRef idx="0">
+            <a:schemeClr val="accent1"/>
+          </a:effectRef>
+          <a:fontRef idx="minor">
+            <a:schemeClr val="lt1"/>
+          </a:fontRef>
+        </p:style>
+        <p:txBody>
+          <a:bodyPr rtlCol="0" anchor="ctr"/>
+          <a:lstStyle/>
+          <a:p>
+            <a:pPr algn="ctr"/>
+            <a:endParaRPr lang="fr-FR"/>
+          </a:p>
+        </p:txBody>
+      </p:sp>
+      <p:sp>
+        <p:nvSpPr>
+          <p:cNvPr id="57" name="object 8">
+            <a:extLst>
+              <a:ext uri="{FF2B5EF4-FFF2-40B4-BE49-F238E27FC236}">
+                <a16:creationId xmlns:a16="http://schemas.microsoft.com/office/drawing/2014/main" id="{4EEAA7CF-98ED-4CBB-ACAC-9C282EB1104D}"/>
+              </a:ext>
+            </a:extLst>
+          </p:cNvPr>
+          <p:cNvSpPr txBox="1"/>
+          <p:nvPr/>
+        </p:nvSpPr>
+        <p:spPr>
+          <a:xfrm>
+            <a:off x="8784858" y="3778426"/>
+            <a:ext cx="866361" cy="320601"/>
+          </a:xfrm>
+          <a:prstGeom prst="rect">
+            <a:avLst/>
+          </a:prstGeom>
+        </p:spPr>
+        <p:txBody>
+          <a:bodyPr vert="horz" wrap="square" lIns="0" tIns="12700" rIns="0" bIns="0" rtlCol="0">
+            <a:spAutoFit/>
+          </a:bodyPr>
+          <a:lstStyle/>
+          <a:p>
+            <a:pPr marL="12700" algn="ctr">
+              <a:lnSpc>
+                <a:spcPct val="100000"/>
+              </a:lnSpc>
+              <a:spcBef>
+                <a:spcPts val="100"/>
+              </a:spcBef>
+            </a:pPr>
+            <a:r>
+              <a:rPr lang="fr-FR" sz="1000" spc="-90" dirty="0">
+                <a:latin typeface="Arial"/>
+                <a:cs typeface="Arial"/>
+              </a:rPr>
+              <a:t>CCOMMERCIAL DIRECTOR</a:t>
+            </a:r>
+            <a:endParaRPr sz="1000" dirty="0">
+              <a:latin typeface="Arial"/>
+              <a:cs typeface="Arial"/>
+            </a:endParaRPr>
+          </a:p>
+        </p:txBody>
+      </p:sp>
+      <p:sp>
+        <p:nvSpPr>
+          <p:cNvPr id="59" name="object 8">
+            <a:extLst>
+              <a:ext uri="{FF2B5EF4-FFF2-40B4-BE49-F238E27FC236}">
+                <a16:creationId xmlns:a16="http://schemas.microsoft.com/office/drawing/2014/main" id="{3BA849ED-6609-4905-B8F4-06A29D6B5B8B}"/>
+              </a:ext>
+            </a:extLst>
+          </p:cNvPr>
+          <p:cNvSpPr txBox="1"/>
+          <p:nvPr/>
+        </p:nvSpPr>
+        <p:spPr>
+          <a:xfrm>
+            <a:off x="2260401" y="2955217"/>
+            <a:ext cx="1000739" cy="320601"/>
+          </a:xfrm>
+          <a:prstGeom prst="rect">
+            <a:avLst/>
+          </a:prstGeom>
+        </p:spPr>
+        <p:txBody>
+          <a:bodyPr vert="horz" wrap="square" lIns="0" tIns="12700" rIns="0" bIns="0" rtlCol="0">
+            <a:spAutoFit/>
+          </a:bodyPr>
+          <a:lstStyle/>
+          <a:p>
+            <a:pPr marL="12700" algn="ctr">
+              <a:lnSpc>
+                <a:spcPct val="100000"/>
+              </a:lnSpc>
+              <a:spcBef>
+                <a:spcPts val="100"/>
+              </a:spcBef>
+            </a:pPr>
+            <a:r>
+              <a:rPr lang="fr-FR" sz="1000" spc="-90" dirty="0">
+                <a:latin typeface="Arial"/>
+                <a:cs typeface="Arial"/>
+              </a:rPr>
+              <a:t>FINANCIAL CONTROLLER</a:t>
+            </a:r>
+            <a:endParaRPr sz="1000" dirty="0">
+              <a:latin typeface="Arial"/>
+              <a:cs typeface="Arial"/>
+            </a:endParaRPr>
+          </a:p>
+        </p:txBody>
+      </p:sp>
+      <p:sp>
+        <p:nvSpPr>
+          <p:cNvPr id="62" name="object 8">
+            <a:extLst>
+              <a:ext uri="{FF2B5EF4-FFF2-40B4-BE49-F238E27FC236}">
+                <a16:creationId xmlns:a16="http://schemas.microsoft.com/office/drawing/2014/main" id="{203F8F41-400F-4F8D-92F0-4C8AC17FDC2D}"/>
+              </a:ext>
+            </a:extLst>
+          </p:cNvPr>
+          <p:cNvSpPr txBox="1"/>
+          <p:nvPr/>
+        </p:nvSpPr>
+        <p:spPr>
+          <a:xfrm>
+            <a:off x="6187217" y="3888680"/>
+            <a:ext cx="353715" cy="166712"/>
+          </a:xfrm>
+          <a:prstGeom prst="rect">
+            <a:avLst/>
+          </a:prstGeom>
+        </p:spPr>
+        <p:txBody>
+          <a:bodyPr vert="horz" wrap="square" lIns="0" tIns="12700" rIns="0" bIns="0" rtlCol="0">
+            <a:spAutoFit/>
+          </a:bodyPr>
+          <a:lstStyle/>
+          <a:p>
+            <a:pPr marL="12700">
+              <a:lnSpc>
+                <a:spcPct val="100000"/>
+              </a:lnSpc>
+              <a:spcBef>
+                <a:spcPts val="100"/>
+              </a:spcBef>
+            </a:pPr>
+            <a:r>
+              <a:rPr lang="fr-FR" sz="1000" spc="-90" dirty="0">
+                <a:latin typeface="Arial"/>
+                <a:cs typeface="Arial"/>
+              </a:rPr>
+              <a:t>CM</a:t>
+            </a:r>
+            <a:endParaRPr sz="1000" dirty="0">
+              <a:latin typeface="Arial"/>
+              <a:cs typeface="Arial"/>
+            </a:endParaRPr>
+          </a:p>
+        </p:txBody>
+      </p:sp>
+      <p:sp>
+        <p:nvSpPr>
+          <p:cNvPr id="65" name="object 39">
+            <a:extLst>
+              <a:ext uri="{FF2B5EF4-FFF2-40B4-BE49-F238E27FC236}">
+                <a16:creationId xmlns:a16="http://schemas.microsoft.com/office/drawing/2014/main" id="{29B7DE7A-C75C-4ADE-BE07-591804E26B51}"/>
+              </a:ext>
+            </a:extLst>
+          </p:cNvPr>
+          <p:cNvSpPr/>
+          <p:nvPr/>
+        </p:nvSpPr>
+        <p:spPr>
+          <a:xfrm>
+            <a:off x="5785837" y="5589714"/>
+            <a:ext cx="1233809" cy="609563"/>
+          </a:xfrm>
+          <a:custGeom>
+            <a:avLst/>
+            <a:gdLst/>
+            <a:ahLst/>
+            <a:cxnLst/>
+            <a:rect l="l" t="t" r="r" b="b"/>
+            <a:pathLst>
+              <a:path w="934719" h="442595">
+                <a:moveTo>
+                  <a:pt x="713248" y="442499"/>
+                </a:moveTo>
+                <a:lnTo>
+                  <a:pt x="221249" y="442499"/>
+                </a:lnTo>
+                <a:lnTo>
+                  <a:pt x="176660" y="438004"/>
+                </a:lnTo>
+                <a:lnTo>
+                  <a:pt x="135129" y="425113"/>
+                </a:lnTo>
+                <a:lnTo>
+                  <a:pt x="97547" y="404715"/>
+                </a:lnTo>
+                <a:lnTo>
+                  <a:pt x="64802" y="377699"/>
+                </a:lnTo>
+                <a:lnTo>
+                  <a:pt x="37786" y="344955"/>
+                </a:lnTo>
+                <a:lnTo>
+                  <a:pt x="17386" y="307372"/>
+                </a:lnTo>
+                <a:lnTo>
+                  <a:pt x="4495" y="265841"/>
+                </a:lnTo>
+                <a:lnTo>
+                  <a:pt x="0" y="221249"/>
+                </a:lnTo>
+                <a:lnTo>
+                  <a:pt x="4495" y="176658"/>
+                </a:lnTo>
+                <a:lnTo>
+                  <a:pt x="17386" y="135126"/>
+                </a:lnTo>
+                <a:lnTo>
+                  <a:pt x="37786" y="97543"/>
+                </a:lnTo>
+                <a:lnTo>
+                  <a:pt x="64802" y="64799"/>
+                </a:lnTo>
+                <a:lnTo>
+                  <a:pt x="97547" y="37784"/>
+                </a:lnTo>
+                <a:lnTo>
+                  <a:pt x="135129" y="17385"/>
+                </a:lnTo>
+                <a:lnTo>
+                  <a:pt x="176660" y="4494"/>
+                </a:lnTo>
+                <a:lnTo>
+                  <a:pt x="221249" y="0"/>
+                </a:lnTo>
+                <a:lnTo>
+                  <a:pt x="713248" y="0"/>
+                </a:lnTo>
+                <a:lnTo>
+                  <a:pt x="756614" y="4289"/>
+                </a:lnTo>
+                <a:lnTo>
+                  <a:pt x="797917" y="16837"/>
+                </a:lnTo>
+                <a:lnTo>
+                  <a:pt x="835998" y="37167"/>
+                </a:lnTo>
+                <a:lnTo>
+                  <a:pt x="869695" y="64799"/>
+                </a:lnTo>
+                <a:lnTo>
+                  <a:pt x="897325" y="98501"/>
+                </a:lnTo>
+                <a:lnTo>
+                  <a:pt x="917656" y="136584"/>
+                </a:lnTo>
+                <a:lnTo>
+                  <a:pt x="930207" y="177886"/>
+                </a:lnTo>
+                <a:lnTo>
+                  <a:pt x="934498" y="221249"/>
+                </a:lnTo>
+                <a:lnTo>
+                  <a:pt x="930003" y="265841"/>
+                </a:lnTo>
+                <a:lnTo>
+                  <a:pt x="917111" y="307372"/>
+                </a:lnTo>
+                <a:lnTo>
+                  <a:pt x="896712" y="344955"/>
+                </a:lnTo>
+                <a:lnTo>
+                  <a:pt x="869695" y="377699"/>
+                </a:lnTo>
+                <a:lnTo>
+                  <a:pt x="836951" y="404715"/>
+                </a:lnTo>
+                <a:lnTo>
+                  <a:pt x="799368" y="425113"/>
+                </a:lnTo>
+                <a:lnTo>
+                  <a:pt x="757837" y="438004"/>
+                </a:lnTo>
+                <a:lnTo>
+                  <a:pt x="713248" y="442499"/>
+                </a:lnTo>
+                <a:close/>
+              </a:path>
+            </a:pathLst>
+          </a:custGeom>
+          <a:noFill/>
+          <a:ln>
+            <a:solidFill>
+              <a:srgbClr val="FF0000"/>
+            </a:solidFill>
+            <a:prstDash val="lgDashDot"/>
+          </a:ln>
+        </p:spPr>
+        <p:txBody>
+          <a:bodyPr wrap="square" lIns="0" tIns="0" rIns="0" bIns="0" rtlCol="0"/>
+          <a:lstStyle/>
+          <a:p>
+            <a:endParaRPr/>
+          </a:p>
+        </p:txBody>
+      </p:sp>
+      <p:cxnSp>
+        <p:nvCxnSpPr>
+          <p:cNvPr id="7" name="Connecteur : en angle 6">
+            <a:extLst>
+              <a:ext uri="{FF2B5EF4-FFF2-40B4-BE49-F238E27FC236}">
+                <a16:creationId xmlns:a16="http://schemas.microsoft.com/office/drawing/2014/main" id="{B73E260D-3F11-4911-A448-FA75CB55B65F}"/>
+              </a:ext>
+            </a:extLst>
+          </p:cNvPr>
+          <p:cNvCxnSpPr>
+            <a:cxnSpLocks/>
+            <a:stCxn id="50" idx="3"/>
+            <a:endCxn id="4" idx="2"/>
+          </p:cNvCxnSpPr>
+          <p:nvPr/>
+        </p:nvCxnSpPr>
+        <p:spPr>
+          <a:xfrm flipV="1">
+            <a:off x="3912668" y="1090759"/>
+            <a:ext cx="2278312" cy="855025"/>
+          </a:xfrm>
+          <a:prstGeom prst="bentConnector2">
+            <a:avLst/>
+          </a:prstGeom>
+          <a:ln>
+            <a:prstDash val="lgDashDotDot"/>
+          </a:ln>
+        </p:spPr>
+        <p:style>
+          <a:lnRef idx="1">
+            <a:schemeClr val="accent1"/>
+          </a:lnRef>
+          <a:fillRef idx="0">
+            <a:schemeClr val="accent1"/>
+          </a:fillRef>
+          <a:effectRef idx="0">
+            <a:schemeClr val="accent1"/>
+          </a:effectRef>
+          <a:fontRef idx="minor">
+            <a:schemeClr val="tx1"/>
+          </a:fontRef>
+        </p:style>
+      </p:cxnSp>
+      <p:cxnSp>
+        <p:nvCxnSpPr>
+          <p:cNvPr id="32" name="Connecteur : en angle 31">
+            <a:extLst>
+              <a:ext uri="{FF2B5EF4-FFF2-40B4-BE49-F238E27FC236}">
+                <a16:creationId xmlns:a16="http://schemas.microsoft.com/office/drawing/2014/main" id="{2F0319DD-86E3-4BBA-90A4-156A3E9D23E8}"/>
+              </a:ext>
+            </a:extLst>
+          </p:cNvPr>
+          <p:cNvCxnSpPr>
+            <a:cxnSpLocks/>
+            <a:endCxn id="52" idx="1"/>
+          </p:cNvCxnSpPr>
+          <p:nvPr/>
+        </p:nvCxnSpPr>
+        <p:spPr>
+          <a:xfrm>
+            <a:off x="6187217" y="1398674"/>
+            <a:ext cx="2205518" cy="547110"/>
+          </a:xfrm>
+          <a:prstGeom prst="bentConnector3">
+            <a:avLst>
+              <a:gd name="adj1" fmla="val -295"/>
+            </a:avLst>
+          </a:prstGeom>
+          <a:ln>
+            <a:prstDash val="lgDashDotDot"/>
+          </a:ln>
+        </p:spPr>
+        <p:style>
+          <a:lnRef idx="1">
+            <a:schemeClr val="accent1"/>
+          </a:lnRef>
+          <a:fillRef idx="0">
+            <a:schemeClr val="accent1"/>
+          </a:fillRef>
+          <a:effectRef idx="0">
+            <a:schemeClr val="accent1"/>
+          </a:effectRef>
+          <a:fontRef idx="minor">
+            <a:schemeClr val="tx1"/>
+          </a:fontRef>
+        </p:style>
+      </p:cxnSp>
+      <p:cxnSp>
+        <p:nvCxnSpPr>
+          <p:cNvPr id="89" name="Connecteur : en angle 88">
+            <a:extLst>
+              <a:ext uri="{FF2B5EF4-FFF2-40B4-BE49-F238E27FC236}">
+                <a16:creationId xmlns:a16="http://schemas.microsoft.com/office/drawing/2014/main" id="{E270B0EC-66FF-435E-B787-98405B92D50C}"/>
+              </a:ext>
+            </a:extLst>
+          </p:cNvPr>
+          <p:cNvCxnSpPr>
+            <a:cxnSpLocks/>
+          </p:cNvCxnSpPr>
+          <p:nvPr/>
+        </p:nvCxnSpPr>
+        <p:spPr>
+          <a:xfrm rot="5400000">
+            <a:off x="2796961" y="2232478"/>
+            <a:ext cx="539230" cy="487551"/>
+          </a:xfrm>
+          <a:prstGeom prst="bentConnector3">
+            <a:avLst>
+              <a:gd name="adj1" fmla="val 50000"/>
+            </a:avLst>
+          </a:prstGeom>
+          <a:ln>
+            <a:prstDash val="lgDashDotDot"/>
+          </a:ln>
+        </p:spPr>
+        <p:style>
+          <a:lnRef idx="1">
+            <a:schemeClr val="accent1"/>
+          </a:lnRef>
+          <a:fillRef idx="0">
+            <a:schemeClr val="accent1"/>
+          </a:fillRef>
+          <a:effectRef idx="0">
+            <a:schemeClr val="accent1"/>
+          </a:effectRef>
+          <a:fontRef idx="minor">
+            <a:schemeClr val="tx1"/>
+          </a:fontRef>
+        </p:style>
+      </p:cxnSp>
+      <p:cxnSp>
+        <p:nvCxnSpPr>
+          <p:cNvPr id="1028" name="Connecteur droit 1027">
+            <a:extLst>
+              <a:ext uri="{FF2B5EF4-FFF2-40B4-BE49-F238E27FC236}">
+                <a16:creationId xmlns:a16="http://schemas.microsoft.com/office/drawing/2014/main" id="{E2BB4438-F2E4-44EF-88D8-FBD122015745}"/>
+              </a:ext>
+            </a:extLst>
+          </p:cNvPr>
+          <p:cNvCxnSpPr>
+            <a:cxnSpLocks/>
+            <a:stCxn id="53" idx="3"/>
+          </p:cNvCxnSpPr>
+          <p:nvPr/>
+        </p:nvCxnSpPr>
+        <p:spPr>
+          <a:xfrm>
+            <a:off x="2915475" y="3910276"/>
+            <a:ext cx="2857804" cy="0"/>
+          </a:xfrm>
+          <a:prstGeom prst="line">
+            <a:avLst/>
+          </a:prstGeom>
+          <a:ln>
+            <a:prstDash val="lgDashDotDot"/>
+          </a:ln>
+        </p:spPr>
+        <p:style>
+          <a:lnRef idx="1">
+            <a:schemeClr val="accent1"/>
+          </a:lnRef>
+          <a:fillRef idx="0">
+            <a:schemeClr val="accent1"/>
+          </a:fillRef>
+          <a:effectRef idx="0">
+            <a:schemeClr val="accent1"/>
+          </a:effectRef>
+          <a:fontRef idx="minor">
+            <a:schemeClr val="tx1"/>
+          </a:fontRef>
+        </p:style>
+      </p:cxnSp>
+      <p:cxnSp>
+        <p:nvCxnSpPr>
+          <p:cNvPr id="135" name="Connecteur droit 134">
+            <a:extLst>
+              <a:ext uri="{FF2B5EF4-FFF2-40B4-BE49-F238E27FC236}">
+                <a16:creationId xmlns:a16="http://schemas.microsoft.com/office/drawing/2014/main" id="{45A48A19-F125-445D-B2BA-9FDED33277AB}"/>
+              </a:ext>
+            </a:extLst>
+          </p:cNvPr>
+          <p:cNvCxnSpPr>
+            <a:cxnSpLocks/>
+          </p:cNvCxnSpPr>
+          <p:nvPr/>
+        </p:nvCxnSpPr>
+        <p:spPr>
+          <a:xfrm flipV="1">
+            <a:off x="6868555" y="3872442"/>
+            <a:ext cx="1717109" cy="1"/>
+          </a:xfrm>
+          <a:prstGeom prst="line">
+            <a:avLst/>
+          </a:prstGeom>
+          <a:ln>
+            <a:prstDash val="lgDashDotDot"/>
+          </a:ln>
+        </p:spPr>
+        <p:style>
+          <a:lnRef idx="1">
+            <a:schemeClr val="accent1"/>
+          </a:lnRef>
+          <a:fillRef idx="0">
+            <a:schemeClr val="accent1"/>
+          </a:fillRef>
+          <a:effectRef idx="0">
+            <a:schemeClr val="accent1"/>
+          </a:effectRef>
+          <a:fontRef idx="minor">
+            <a:schemeClr val="tx1"/>
+          </a:fontRef>
+        </p:style>
+      </p:cxnSp>
+      <p:cxnSp>
+        <p:nvCxnSpPr>
+          <p:cNvPr id="143" name="Connecteur droit 142">
+            <a:extLst>
+              <a:ext uri="{FF2B5EF4-FFF2-40B4-BE49-F238E27FC236}">
+                <a16:creationId xmlns:a16="http://schemas.microsoft.com/office/drawing/2014/main" id="{451A1C91-3598-42A9-9452-8544073B2339}"/>
+              </a:ext>
+            </a:extLst>
+          </p:cNvPr>
+          <p:cNvCxnSpPr>
+            <a:cxnSpLocks/>
+          </p:cNvCxnSpPr>
+          <p:nvPr/>
+        </p:nvCxnSpPr>
+        <p:spPr>
+          <a:xfrm flipV="1">
+            <a:off x="9021082" y="2226158"/>
+            <a:ext cx="0" cy="1303333"/>
+          </a:xfrm>
+          <a:prstGeom prst="line">
+            <a:avLst/>
+          </a:prstGeom>
+          <a:ln>
+            <a:prstDash val="lgDashDotDot"/>
+          </a:ln>
+        </p:spPr>
+        <p:style>
+          <a:lnRef idx="1">
+            <a:schemeClr val="accent1"/>
+          </a:lnRef>
+          <a:fillRef idx="0">
+            <a:schemeClr val="accent1"/>
+          </a:fillRef>
+          <a:effectRef idx="0">
+            <a:schemeClr val="accent1"/>
+          </a:effectRef>
+          <a:fontRef idx="minor">
+            <a:schemeClr val="tx1"/>
+          </a:fontRef>
+        </p:style>
+      </p:cxnSp>
+      <p:cxnSp>
+        <p:nvCxnSpPr>
+          <p:cNvPr id="147" name="Connecteur droit 146">
+            <a:extLst>
+              <a:ext uri="{FF2B5EF4-FFF2-40B4-BE49-F238E27FC236}">
+                <a16:creationId xmlns:a16="http://schemas.microsoft.com/office/drawing/2014/main" id="{ED82B169-5121-4959-A85B-E3ABB9534EFF}"/>
+              </a:ext>
+            </a:extLst>
+          </p:cNvPr>
+          <p:cNvCxnSpPr>
+            <a:cxnSpLocks/>
+          </p:cNvCxnSpPr>
+          <p:nvPr/>
+        </p:nvCxnSpPr>
+        <p:spPr>
+          <a:xfrm>
+            <a:off x="6307904" y="4262219"/>
+            <a:ext cx="0" cy="491275"/>
+          </a:xfrm>
+          <a:prstGeom prst="line">
+            <a:avLst/>
+          </a:prstGeom>
+          <a:ln>
+            <a:prstDash val="lgDashDotDot"/>
+          </a:ln>
+        </p:spPr>
+        <p:style>
+          <a:lnRef idx="1">
+            <a:schemeClr val="accent1"/>
+          </a:lnRef>
+          <a:fillRef idx="0">
+            <a:schemeClr val="accent1"/>
+          </a:fillRef>
+          <a:effectRef idx="0">
+            <a:schemeClr val="accent1"/>
+          </a:effectRef>
+          <a:fontRef idx="minor">
+            <a:schemeClr val="tx1"/>
+          </a:fontRef>
+        </p:style>
+      </p:cxnSp>
+      <p:cxnSp>
+        <p:nvCxnSpPr>
+          <p:cNvPr id="152" name="Connecteur droit 151">
+            <a:extLst>
+              <a:ext uri="{FF2B5EF4-FFF2-40B4-BE49-F238E27FC236}">
+                <a16:creationId xmlns:a16="http://schemas.microsoft.com/office/drawing/2014/main" id="{877C3B14-6101-43CD-9EA6-C73E921B81EB}"/>
+              </a:ext>
+            </a:extLst>
+          </p:cNvPr>
+          <p:cNvCxnSpPr>
+            <a:cxnSpLocks/>
+          </p:cNvCxnSpPr>
+          <p:nvPr/>
+        </p:nvCxnSpPr>
+        <p:spPr>
+          <a:xfrm>
+            <a:off x="9182482" y="4275524"/>
+            <a:ext cx="0" cy="409024"/>
+          </a:xfrm>
+          <a:prstGeom prst="line">
+            <a:avLst/>
+          </a:prstGeom>
+          <a:ln>
+            <a:prstDash val="lgDashDotDot"/>
+          </a:ln>
+        </p:spPr>
+        <p:style>
+          <a:lnRef idx="1">
+            <a:schemeClr val="accent1"/>
+          </a:lnRef>
+          <a:fillRef idx="0">
+            <a:schemeClr val="accent1"/>
+          </a:fillRef>
+          <a:effectRef idx="0">
+            <a:schemeClr val="accent1"/>
+          </a:effectRef>
+          <a:fontRef idx="minor">
+            <a:schemeClr val="tx1"/>
+          </a:fontRef>
+        </p:style>
+      </p:cxnSp>
+      <p:cxnSp>
+        <p:nvCxnSpPr>
+          <p:cNvPr id="155" name="Connecteur droit 154">
+            <a:extLst>
+              <a:ext uri="{FF2B5EF4-FFF2-40B4-BE49-F238E27FC236}">
+                <a16:creationId xmlns:a16="http://schemas.microsoft.com/office/drawing/2014/main" id="{73F32478-91CE-4CFC-90E1-02FD1FE7EA06}"/>
+              </a:ext>
+            </a:extLst>
+          </p:cNvPr>
+          <p:cNvCxnSpPr>
+            <a:cxnSpLocks/>
+          </p:cNvCxnSpPr>
+          <p:nvPr/>
+        </p:nvCxnSpPr>
+        <p:spPr>
+          <a:xfrm>
+            <a:off x="8014226" y="4422727"/>
+            <a:ext cx="0" cy="282306"/>
+          </a:xfrm>
+          <a:prstGeom prst="line">
+            <a:avLst/>
+          </a:prstGeom>
+          <a:ln>
+            <a:prstDash val="lgDashDotDot"/>
+          </a:ln>
+        </p:spPr>
+        <p:style>
+          <a:lnRef idx="1">
+            <a:schemeClr val="accent1"/>
+          </a:lnRef>
+          <a:fillRef idx="0">
+            <a:schemeClr val="accent1"/>
+          </a:fillRef>
+          <a:effectRef idx="0">
+            <a:schemeClr val="accent1"/>
+          </a:effectRef>
+          <a:fontRef idx="minor">
+            <a:schemeClr val="tx1"/>
+          </a:fontRef>
+        </p:style>
+      </p:cxnSp>
+      <p:cxnSp>
+        <p:nvCxnSpPr>
+          <p:cNvPr id="160" name="Connecteur droit 159">
+            <a:extLst>
+              <a:ext uri="{FF2B5EF4-FFF2-40B4-BE49-F238E27FC236}">
+                <a16:creationId xmlns:a16="http://schemas.microsoft.com/office/drawing/2014/main" id="{4788FF55-4F62-4C8A-BCB2-D9082A3CE157}"/>
+              </a:ext>
+            </a:extLst>
+          </p:cNvPr>
+          <p:cNvCxnSpPr>
+            <a:cxnSpLocks/>
+          </p:cNvCxnSpPr>
+          <p:nvPr/>
+        </p:nvCxnSpPr>
+        <p:spPr>
+          <a:xfrm>
+            <a:off x="10741581" y="4369350"/>
+            <a:ext cx="0" cy="302946"/>
+          </a:xfrm>
+          <a:prstGeom prst="line">
+            <a:avLst/>
+          </a:prstGeom>
+          <a:ln>
+            <a:prstDash val="lgDashDotDot"/>
+          </a:ln>
+        </p:spPr>
+        <p:style>
+          <a:lnRef idx="1">
+            <a:schemeClr val="accent1"/>
+          </a:lnRef>
+          <a:fillRef idx="0">
+            <a:schemeClr val="accent1"/>
+          </a:fillRef>
+          <a:effectRef idx="0">
+            <a:schemeClr val="accent1"/>
+          </a:effectRef>
+          <a:fontRef idx="minor">
+            <a:schemeClr val="tx1"/>
+          </a:fontRef>
+        </p:style>
+      </p:cxnSp>
+      <p:cxnSp>
+        <p:nvCxnSpPr>
+          <p:cNvPr id="161" name="Connecteur droit 160">
+            <a:extLst>
+              <a:ext uri="{FF2B5EF4-FFF2-40B4-BE49-F238E27FC236}">
+                <a16:creationId xmlns:a16="http://schemas.microsoft.com/office/drawing/2014/main" id="{C09D8B63-9B97-4311-BB83-A1A8C9E83F03}"/>
+              </a:ext>
+            </a:extLst>
+          </p:cNvPr>
+          <p:cNvCxnSpPr>
+            <a:cxnSpLocks/>
+          </p:cNvCxnSpPr>
+          <p:nvPr/>
+        </p:nvCxnSpPr>
+        <p:spPr>
+          <a:xfrm flipV="1">
+            <a:off x="8060058" y="4369351"/>
+            <a:ext cx="2681523" cy="7970"/>
+          </a:xfrm>
+          <a:prstGeom prst="line">
+            <a:avLst/>
+          </a:prstGeom>
+          <a:ln>
+            <a:prstDash val="lgDashDotDot"/>
+          </a:ln>
+        </p:spPr>
+        <p:style>
+          <a:lnRef idx="1">
+            <a:schemeClr val="accent1"/>
+          </a:lnRef>
+          <a:fillRef idx="0">
+            <a:schemeClr val="accent1"/>
+          </a:fillRef>
+          <a:effectRef idx="0">
+            <a:schemeClr val="accent1"/>
+          </a:effectRef>
+          <a:fontRef idx="minor">
+            <a:schemeClr val="tx1"/>
+          </a:fontRef>
+        </p:style>
+      </p:cxnSp>
+      <p:cxnSp>
+        <p:nvCxnSpPr>
+          <p:cNvPr id="166" name="Connecteur droit 165">
+            <a:extLst>
+              <a:ext uri="{FF2B5EF4-FFF2-40B4-BE49-F238E27FC236}">
+                <a16:creationId xmlns:a16="http://schemas.microsoft.com/office/drawing/2014/main" id="{E4742CC3-F7AF-40B3-87C9-441C1FB04D6C}"/>
+              </a:ext>
+            </a:extLst>
+          </p:cNvPr>
+          <p:cNvCxnSpPr>
+            <a:cxnSpLocks/>
+          </p:cNvCxnSpPr>
+          <p:nvPr/>
+        </p:nvCxnSpPr>
+        <p:spPr>
+          <a:xfrm flipH="1">
+            <a:off x="6307449" y="5322303"/>
+            <a:ext cx="455" cy="267411"/>
+          </a:xfrm>
+          <a:prstGeom prst="line">
+            <a:avLst/>
+          </a:prstGeom>
+          <a:ln>
+            <a:prstDash val="lgDashDotDot"/>
+          </a:ln>
+        </p:spPr>
+        <p:style>
+          <a:lnRef idx="1">
+            <a:schemeClr val="accent1"/>
+          </a:lnRef>
+          <a:fillRef idx="0">
+            <a:schemeClr val="accent1"/>
+          </a:fillRef>
+          <a:effectRef idx="0">
+            <a:schemeClr val="accent1"/>
+          </a:effectRef>
+          <a:fontRef idx="minor">
+            <a:schemeClr val="tx1"/>
+          </a:fontRef>
+        </p:style>
+      </p:cxnSp>
+      <p:cxnSp>
+        <p:nvCxnSpPr>
+          <p:cNvPr id="171" name="Connecteur droit 170">
+            <a:extLst>
+              <a:ext uri="{FF2B5EF4-FFF2-40B4-BE49-F238E27FC236}">
+                <a16:creationId xmlns:a16="http://schemas.microsoft.com/office/drawing/2014/main" id="{7BFFEAE2-1D10-4C6D-9EFE-5C4783D14FBC}"/>
+              </a:ext>
+            </a:extLst>
+          </p:cNvPr>
+          <p:cNvCxnSpPr>
+            <a:cxnSpLocks/>
+          </p:cNvCxnSpPr>
+          <p:nvPr/>
+        </p:nvCxnSpPr>
+        <p:spPr>
+          <a:xfrm>
+            <a:off x="3227910" y="4969574"/>
+            <a:ext cx="416005" cy="13126"/>
+          </a:xfrm>
+          <a:prstGeom prst="line">
+            <a:avLst/>
+          </a:prstGeom>
+          <a:ln>
+            <a:prstDash val="lgDashDotDot"/>
+          </a:ln>
+        </p:spPr>
+        <p:style>
+          <a:lnRef idx="1">
+            <a:schemeClr val="accent1"/>
+          </a:lnRef>
+          <a:fillRef idx="0">
+            <a:schemeClr val="accent1"/>
+          </a:fillRef>
+          <a:effectRef idx="0">
+            <a:schemeClr val="accent1"/>
+          </a:effectRef>
+          <a:fontRef idx="minor">
+            <a:schemeClr val="tx1"/>
+          </a:fontRef>
+        </p:style>
+      </p:cxnSp>
+      <p:cxnSp>
+        <p:nvCxnSpPr>
+          <p:cNvPr id="174" name="Connecteur droit 173">
+            <a:extLst>
+              <a:ext uri="{FF2B5EF4-FFF2-40B4-BE49-F238E27FC236}">
+                <a16:creationId xmlns:a16="http://schemas.microsoft.com/office/drawing/2014/main" id="{18AA2E5C-39E4-4116-B04F-F282E9084D29}"/>
+              </a:ext>
+            </a:extLst>
+          </p:cNvPr>
+          <p:cNvCxnSpPr>
+            <a:cxnSpLocks/>
+          </p:cNvCxnSpPr>
+          <p:nvPr/>
+        </p:nvCxnSpPr>
+        <p:spPr>
+          <a:xfrm>
+            <a:off x="1612519" y="4977566"/>
+            <a:ext cx="285734" cy="0"/>
+          </a:xfrm>
+          <a:prstGeom prst="line">
+            <a:avLst/>
+          </a:prstGeom>
+          <a:ln>
+            <a:prstDash val="lgDashDotDot"/>
+          </a:ln>
+        </p:spPr>
+        <p:style>
+          <a:lnRef idx="1">
+            <a:schemeClr val="accent1"/>
+          </a:lnRef>
+          <a:fillRef idx="0">
+            <a:schemeClr val="accent1"/>
+          </a:fillRef>
+          <a:effectRef idx="0">
+            <a:schemeClr val="accent1"/>
+          </a:effectRef>
+          <a:fontRef idx="minor">
+            <a:schemeClr val="tx1"/>
+          </a:fontRef>
+        </p:style>
+      </p:cxnSp>
+      <p:cxnSp>
+        <p:nvCxnSpPr>
+          <p:cNvPr id="182" name="Connecteur droit 181">
+            <a:extLst>
+              <a:ext uri="{FF2B5EF4-FFF2-40B4-BE49-F238E27FC236}">
+                <a16:creationId xmlns:a16="http://schemas.microsoft.com/office/drawing/2014/main" id="{41429670-5C83-4F7B-AF4E-5033EB377BF8}"/>
+              </a:ext>
+            </a:extLst>
+          </p:cNvPr>
+          <p:cNvCxnSpPr>
+            <a:cxnSpLocks/>
+          </p:cNvCxnSpPr>
+          <p:nvPr/>
+        </p:nvCxnSpPr>
+        <p:spPr>
+          <a:xfrm>
+            <a:off x="2339342" y="4277486"/>
+            <a:ext cx="0" cy="230370"/>
+          </a:xfrm>
+          <a:prstGeom prst="line">
+            <a:avLst/>
+          </a:prstGeom>
+          <a:ln>
+            <a:prstDash val="lgDashDotDot"/>
+          </a:ln>
+        </p:spPr>
+        <p:style>
+          <a:lnRef idx="1">
+            <a:schemeClr val="accent1"/>
+          </a:lnRef>
+          <a:fillRef idx="0">
+            <a:schemeClr val="accent1"/>
+          </a:fillRef>
+          <a:effectRef idx="0">
+            <a:schemeClr val="accent1"/>
+          </a:effectRef>
+          <a:fontRef idx="minor">
+            <a:schemeClr val="tx1"/>
+          </a:fontRef>
+        </p:style>
+      </p:cxnSp>
+      <p:cxnSp>
+        <p:nvCxnSpPr>
+          <p:cNvPr id="184" name="Connecteur droit 183">
+            <a:extLst>
+              <a:ext uri="{FF2B5EF4-FFF2-40B4-BE49-F238E27FC236}">
+                <a16:creationId xmlns:a16="http://schemas.microsoft.com/office/drawing/2014/main" id="{28DD606A-8A2C-4A54-B715-D3091F619A66}"/>
+              </a:ext>
+            </a:extLst>
+          </p:cNvPr>
+          <p:cNvCxnSpPr>
+            <a:cxnSpLocks/>
+          </p:cNvCxnSpPr>
+          <p:nvPr/>
+        </p:nvCxnSpPr>
+        <p:spPr>
+          <a:xfrm>
+            <a:off x="888962" y="4436300"/>
+            <a:ext cx="3426979" cy="28351"/>
+          </a:xfrm>
+          <a:prstGeom prst="line">
+            <a:avLst/>
+          </a:prstGeom>
+          <a:ln>
+            <a:prstDash val="lgDashDotDot"/>
+          </a:ln>
+        </p:spPr>
+        <p:style>
+          <a:lnRef idx="1">
+            <a:schemeClr val="accent1"/>
+          </a:lnRef>
+          <a:fillRef idx="0">
+            <a:schemeClr val="accent1"/>
+          </a:fillRef>
+          <a:effectRef idx="0">
+            <a:schemeClr val="accent1"/>
+          </a:effectRef>
+          <a:fontRef idx="minor">
+            <a:schemeClr val="tx1"/>
+          </a:fontRef>
+        </p:style>
+      </p:cxnSp>
+      <p:cxnSp>
+        <p:nvCxnSpPr>
+          <p:cNvPr id="191" name="Connecteur droit 190">
+            <a:extLst>
+              <a:ext uri="{FF2B5EF4-FFF2-40B4-BE49-F238E27FC236}">
+                <a16:creationId xmlns:a16="http://schemas.microsoft.com/office/drawing/2014/main" id="{7A646BB8-3AEC-4742-B20A-F2B97AEFA24F}"/>
+              </a:ext>
+            </a:extLst>
+          </p:cNvPr>
+          <p:cNvCxnSpPr>
+            <a:cxnSpLocks/>
+          </p:cNvCxnSpPr>
+          <p:nvPr/>
+        </p:nvCxnSpPr>
+        <p:spPr>
+          <a:xfrm>
+            <a:off x="888962" y="4431327"/>
+            <a:ext cx="0" cy="302946"/>
+          </a:xfrm>
+          <a:prstGeom prst="line">
+            <a:avLst/>
+          </a:prstGeom>
+          <a:ln>
+            <a:prstDash val="lgDashDotDot"/>
+          </a:ln>
+        </p:spPr>
+        <p:style>
+          <a:lnRef idx="1">
+            <a:schemeClr val="accent1"/>
+          </a:lnRef>
+          <a:fillRef idx="0">
+            <a:schemeClr val="accent1"/>
+          </a:fillRef>
+          <a:effectRef idx="0">
+            <a:schemeClr val="accent1"/>
+          </a:effectRef>
+          <a:fontRef idx="minor">
+            <a:schemeClr val="tx1"/>
+          </a:fontRef>
+        </p:style>
+      </p:cxnSp>
+      <p:cxnSp>
+        <p:nvCxnSpPr>
+          <p:cNvPr id="192" name="Connecteur droit 191">
+            <a:extLst>
+              <a:ext uri="{FF2B5EF4-FFF2-40B4-BE49-F238E27FC236}">
+                <a16:creationId xmlns:a16="http://schemas.microsoft.com/office/drawing/2014/main" id="{44C1E23B-3F53-4114-83B3-B1C6DA618EC7}"/>
+              </a:ext>
+            </a:extLst>
+          </p:cNvPr>
+          <p:cNvCxnSpPr>
+            <a:cxnSpLocks/>
+          </p:cNvCxnSpPr>
+          <p:nvPr/>
+        </p:nvCxnSpPr>
+        <p:spPr>
+          <a:xfrm>
+            <a:off x="4305070" y="4520823"/>
+            <a:ext cx="10871" cy="213450"/>
+          </a:xfrm>
+          <a:prstGeom prst="line">
+            <a:avLst/>
+          </a:prstGeom>
+          <a:ln>
+            <a:prstDash val="lgDashDotDot"/>
+          </a:ln>
+        </p:spPr>
+        <p:style>
+          <a:lnRef idx="1">
+            <a:schemeClr val="accent1"/>
+          </a:lnRef>
+          <a:fillRef idx="0">
+            <a:schemeClr val="accent1"/>
+          </a:fillRef>
+          <a:effectRef idx="0">
+            <a:schemeClr val="accent1"/>
+          </a:effectRef>
+          <a:fontRef idx="minor">
+            <a:schemeClr val="tx1"/>
+          </a:fontRef>
+        </p:style>
+      </p:cxnSp>
+      <p:cxnSp>
+        <p:nvCxnSpPr>
+          <p:cNvPr id="60" name="Straight Connector 59">
+            <a:extLst>
+              <a:ext uri="{FF2B5EF4-FFF2-40B4-BE49-F238E27FC236}">
+                <a16:creationId xmlns:a16="http://schemas.microsoft.com/office/drawing/2014/main" id="{E8E2187C-6F13-AEA7-EA7B-89DF24784C62}"/>
+              </a:ext>
+            </a:extLst>
+          </p:cNvPr>
+          <p:cNvCxnSpPr/>
+          <p:nvPr/>
+        </p:nvCxnSpPr>
+        <p:spPr>
+          <a:xfrm>
+            <a:off x="0" y="6357897"/>
+            <a:ext cx="12192000" cy="0"/>
+          </a:xfrm>
+          <a:prstGeom prst="line">
+            <a:avLst/>
+          </a:prstGeom>
+          <a:ln w="57150">
+            <a:solidFill>
+              <a:srgbClr val="70AD47"/>
+            </a:solidFill>
+          </a:ln>
+        </p:spPr>
+        <p:style>
+          <a:lnRef idx="1">
+            <a:schemeClr val="accent1"/>
+          </a:lnRef>
+          <a:fillRef idx="0">
+            <a:schemeClr val="accent1"/>
+          </a:fillRef>
+          <a:effectRef idx="0">
+            <a:schemeClr val="accent1"/>
+          </a:effectRef>
+          <a:fontRef idx="minor">
+            <a:schemeClr val="tx1"/>
+          </a:fontRef>
+        </p:style>
+      </p:cxnSp>
+      <p:pic>
+        <p:nvPicPr>
+          <p:cNvPr id="66" name="Picture 2" descr="sal mdjareb logo">
+            <a:extLst>
+              <a:ext uri="{FF2B5EF4-FFF2-40B4-BE49-F238E27FC236}">
+                <a16:creationId xmlns:a16="http://schemas.microsoft.com/office/drawing/2014/main" id="{82B551A4-32A9-AB1F-21C7-4DFF953192B6}"/>
+              </a:ext>
+            </a:extLst>
+          </p:cNvPr>
+          <p:cNvPicPr>
+            <a:picLocks noChangeAspect="1" noChangeArrowheads="1"/>
+          </p:cNvPicPr>
+          <p:nvPr/>
+        </p:nvPicPr>
+        <p:blipFill>
+          <a:blip r:embed="rId4" cstate="hqprint">
+            <a:extLst>
+              <a:ext uri="{28A0092B-C50C-407E-A947-70E740481C1C}">
+                <a14:useLocalDpi xmlns:a14="http://schemas.microsoft.com/office/drawing/2010/main" val="0"/>
+              </a:ext>
+            </a:extLst>
+          </a:blip>
+          <a:srcRect/>
+          <a:stretch>
+            <a:fillRect/>
+          </a:stretch>
+        </p:blipFill>
+        <p:spPr bwMode="auto">
+          <a:xfrm>
+            <a:off x="10324173" y="6427470"/>
+            <a:ext cx="1108035" cy="422920"/>
+          </a:xfrm>
+          <a:prstGeom prst="rect">
+            <a:avLst/>
+          </a:prstGeom>
+          <a:noFill/>
+          <a:extLst>
+            <a:ext uri="{909E8E84-426E-40DD-AFC4-6F175D3DCCD1}">
+              <a14:hiddenFill xmlns:a14="http://schemas.microsoft.com/office/drawing/2010/main">
+                <a:solidFill>
+                  <a:srgbClr val="FFFFFF"/>
+                </a:solidFill>
+              </a14:hiddenFill>
+            </a:ext>
+          </a:extLst>
+        </p:spPr>
+      </p:pic>
+    </p:spTree>
+    <p:extLst>
+      <p:ext uri="{BB962C8B-B14F-4D97-AF65-F5344CB8AC3E}">
+        <p14:creationId xmlns:p14="http://schemas.microsoft.com/office/powerpoint/2010/main" val="332525031"/>
+      </p:ext>
+    </p:extLst>
+  </p:cSld>
+  <p:clrMapOvr>
+    <a:masterClrMapping/>
+  </p:clrMapOvr>
+</p:sld>
+</file>
+
+<file path=ppt/slides/slide15.xml><?xml version="1.0" encoding="utf-8"?>
 <p:sld xmlns:a="http://schemas.openxmlformats.org/drawingml/2006/main" xmlns:r="http://schemas.openxmlformats.org/officeDocument/2006/relationships" xmlns:p="http://schemas.openxmlformats.org/presentationml/2006/main">
   <p:cSld>
     <p:spTree>
@@ -13741,7 +19954,7 @@
           <a:p>
             <a:fld id="{041C6976-BE5D-4658-9F25-132912CB2553}" type="slidenum">
               <a:rPr lang="en-HK" sz="1400" b="0" smtClean="0"/>
-              <a:t>13</a:t>
+              <a:t>15</a:t>
             </a:fld>
             <a:endParaRPr lang="en-HK" sz="1400" b="0" dirty="0"/>
           </a:p>
@@ -13814,7 +20027,7 @@
 </p:sld>
 </file>
 
-<file path=ppt/slides/slide14.xml><?xml version="1.0" encoding="utf-8"?>
+<file path=ppt/slides/slide16.xml><?xml version="1.0" encoding="utf-8"?>
 <p:sld xmlns:a="http://schemas.openxmlformats.org/drawingml/2006/main" xmlns:r="http://schemas.openxmlformats.org/officeDocument/2006/relationships" xmlns:p="http://schemas.openxmlformats.org/presentationml/2006/main">
   <p:cSld>
     <p:spTree>
@@ -13993,7 +20206,7 @@
           <a:p>
             <a:fld id="{041C6976-BE5D-4658-9F25-132912CB2553}" type="slidenum">
               <a:rPr lang="en-HK" sz="1400" b="0" smtClean="0"/>
-              <a:t>14</a:t>
+              <a:t>16</a:t>
             </a:fld>
             <a:endParaRPr lang="en-HK" sz="1400" b="0" dirty="0"/>
           </a:p>
@@ -15075,7 +21288,7 @@
 </p:sld>
 </file>
 
-<file path=ppt/slides/slide15.xml><?xml version="1.0" encoding="utf-8"?>
+<file path=ppt/slides/slide17.xml><?xml version="1.0" encoding="utf-8"?>
 <p:sld xmlns:a="http://schemas.openxmlformats.org/drawingml/2006/main" xmlns:r="http://schemas.openxmlformats.org/officeDocument/2006/relationships" xmlns:p="http://schemas.openxmlformats.org/presentationml/2006/main">
   <p:cSld>
     <p:spTree>
@@ -16947,7 +23160,7 @@
           <a:p>
             <a:fld id="{041C6976-BE5D-4658-9F25-132912CB2553}" type="slidenum">
               <a:rPr lang="en-HK" sz="1400" b="0" smtClean="0"/>
-              <a:t>15</a:t>
+              <a:t>17</a:t>
             </a:fld>
             <a:endParaRPr lang="en-HK" sz="1400" b="0" dirty="0"/>
           </a:p>
@@ -17195,7 +23408,7 @@
 </p:sld>
 </file>
 
-<file path=ppt/slides/slide16.xml><?xml version="1.0" encoding="utf-8"?>
+<file path=ppt/slides/slide18.xml><?xml version="1.0" encoding="utf-8"?>
 <p:sld xmlns:a="http://schemas.openxmlformats.org/drawingml/2006/main" xmlns:r="http://schemas.openxmlformats.org/officeDocument/2006/relationships" xmlns:p="http://schemas.openxmlformats.org/presentationml/2006/main">
   <p:cSld>
     <p:spTree>
@@ -17852,7 +24065,7 @@
           <a:p>
             <a:fld id="{B2D2221E-05DD-4B1B-A8F3-3C8922C95192}" type="slidenum">
               <a:rPr lang="en-HK" smtClean="0"/>
-              <a:t>16</a:t>
+              <a:t>18</a:t>
             </a:fld>
             <a:endParaRPr lang="en-HK" dirty="0"/>
           </a:p>
@@ -17908,7 +24121,7 @@
 </p:sld>
 </file>
 
-<file path=ppt/slides/slide17.xml><?xml version="1.0" encoding="utf-8"?>
+<file path=ppt/slides/slide19.xml><?xml version="1.0" encoding="utf-8"?>
 <p:sld xmlns:a="http://schemas.openxmlformats.org/drawingml/2006/main" xmlns:r="http://schemas.openxmlformats.org/officeDocument/2006/relationships" xmlns:p="http://schemas.openxmlformats.org/presentationml/2006/main">
   <p:cSld>
     <p:spTree>
@@ -18700,7 +24913,7 @@
           <a:p>
             <a:fld id="{041C6976-BE5D-4658-9F25-132912CB2553}" type="slidenum">
               <a:rPr lang="en-HK" sz="1400" b="0" smtClean="0"/>
-              <a:t>17</a:t>
+              <a:t>19</a:t>
             </a:fld>
             <a:endParaRPr lang="en-HK" sz="1400" b="0" dirty="0"/>
           </a:p>
@@ -18710,1190 +24923,6 @@
     <p:extLst>
       <p:ext uri="{BB962C8B-B14F-4D97-AF65-F5344CB8AC3E}">
         <p14:creationId xmlns:p14="http://schemas.microsoft.com/office/powerpoint/2010/main" val="982305036"/>
-      </p:ext>
-    </p:extLst>
-  </p:cSld>
-  <p:clrMapOvr>
-    <a:masterClrMapping/>
-  </p:clrMapOvr>
-  <p:timing>
-    <p:tnLst>
-      <p:par>
-        <p:cTn id="1" dur="indefinite" restart="never" nodeType="tmRoot"/>
-      </p:par>
-    </p:tnLst>
-  </p:timing>
-</p:sld>
-</file>
-
-<file path=ppt/slides/slide18.xml><?xml version="1.0" encoding="utf-8"?>
-<p:sld xmlns:a="http://schemas.openxmlformats.org/drawingml/2006/main" xmlns:r="http://schemas.openxmlformats.org/officeDocument/2006/relationships" xmlns:p="http://schemas.openxmlformats.org/presentationml/2006/main">
-  <p:cSld>
-    <p:spTree>
-      <p:nvGrpSpPr>
-        <p:cNvPr id="1" name=""/>
-        <p:cNvGrpSpPr/>
-        <p:nvPr/>
-      </p:nvGrpSpPr>
-      <p:grpSpPr>
-        <a:xfrm>
-          <a:off x="0" y="0"/>
-          <a:ext cx="0" cy="0"/>
-          <a:chOff x="0" y="0"/>
-          <a:chExt cx="0" cy="0"/>
-        </a:xfrm>
-      </p:grpSpPr>
-      <p:sp>
-        <p:nvSpPr>
-          <p:cNvPr id="2" name="Title 1">
-            <a:extLst>
-              <a:ext uri="{FF2B5EF4-FFF2-40B4-BE49-F238E27FC236}">
-                <a16:creationId xmlns:a16="http://schemas.microsoft.com/office/drawing/2014/main" id="{BD33671E-771A-432D-A2B6-B295BDCC7C06}"/>
-              </a:ext>
-            </a:extLst>
-          </p:cNvPr>
-          <p:cNvSpPr>
-            <a:spLocks noGrp="1"/>
-          </p:cNvSpPr>
-          <p:nvPr>
-            <p:ph type="title"/>
-          </p:nvPr>
-        </p:nvSpPr>
-        <p:spPr>
-          <a:xfrm>
-            <a:off x="147049" y="109619"/>
-            <a:ext cx="11991108" cy="613930"/>
-          </a:xfrm>
-        </p:spPr>
-        <p:txBody>
-          <a:bodyPr>
-            <a:normAutofit/>
-          </a:bodyPr>
-          <a:lstStyle/>
-          <a:p>
-            <a:pPr defTabSz="342900"/>
-            <a:r>
-              <a:rPr lang="en-HK" sz="2800" kern="0" dirty="0">
-                <a:solidFill>
-                  <a:srgbClr val="EF4751"/>
-                </a:solidFill>
-                <a:latin typeface="Geogrotesque Rg" panose="02000000000000000000" pitchFamily="50" charset="0"/>
-                <a:ea typeface="Microsoft JhengHei" panose="020B0604030504040204" pitchFamily="34" charset="-120"/>
-                <a:cs typeface="Calibri" panose="020F0502020204030204" pitchFamily="34" charset="0"/>
-              </a:rPr>
-              <a:t>Service areas</a:t>
-            </a:r>
-          </a:p>
-        </p:txBody>
-      </p:sp>
-      <p:sp>
-        <p:nvSpPr>
-          <p:cNvPr id="32" name="TextBox 31">
-            <a:extLst>
-              <a:ext uri="{FF2B5EF4-FFF2-40B4-BE49-F238E27FC236}">
-                <a16:creationId xmlns:a16="http://schemas.microsoft.com/office/drawing/2014/main" id="{A0AB4E50-4AE3-45D8-857E-788185DBC02D}"/>
-              </a:ext>
-            </a:extLst>
-          </p:cNvPr>
-          <p:cNvSpPr txBox="1"/>
-          <p:nvPr/>
-        </p:nvSpPr>
-        <p:spPr>
-          <a:xfrm>
-            <a:off x="1956681" y="789509"/>
-            <a:ext cx="6313227" cy="5324535"/>
-          </a:xfrm>
-          <a:prstGeom prst="rect">
-            <a:avLst/>
-          </a:prstGeom>
-          <a:noFill/>
-        </p:spPr>
-        <p:txBody>
-          <a:bodyPr wrap="square" rtlCol="0">
-            <a:spAutoFit/>
-          </a:bodyPr>
-          <a:lstStyle/>
-          <a:p>
-            <a:pPr marL="285750" indent="-285750">
-              <a:buFont typeface="Arial" panose="020B0604020202020204" pitchFamily="34" charset="0"/>
-              <a:buChar char="•"/>
-              <a:defRPr/>
-            </a:pPr>
-            <a:r>
-              <a:rPr lang="en-HK" sz="1700" b="1" dirty="0">
-                <a:solidFill>
-                  <a:srgbClr val="C00000"/>
-                </a:solidFill>
-                <a:latin typeface="Calibri" panose="020F0502020204030204" pitchFamily="34" charset="0"/>
-              </a:rPr>
-              <a:t>PRESENCE - are you where you should be?</a:t>
-            </a:r>
-          </a:p>
-          <a:p>
-            <a:pPr marL="742950" lvl="1" indent="-285750">
-              <a:buFont typeface="Arial" panose="020B0604020202020204" pitchFamily="34" charset="0"/>
-              <a:buChar char="•"/>
-              <a:defRPr/>
-            </a:pPr>
-            <a:r>
-              <a:rPr lang="en-HK" sz="1700" dirty="0">
-                <a:solidFill>
-                  <a:schemeClr val="tx1">
-                    <a:lumMod val="65000"/>
-                    <a:lumOff val="35000"/>
-                  </a:schemeClr>
-                </a:solidFill>
-                <a:latin typeface="Calibri" panose="020F0502020204030204" pitchFamily="34" charset="0"/>
-              </a:rPr>
-              <a:t>Build/ update/ clean target channel universes (all channels)</a:t>
-            </a:r>
-          </a:p>
-          <a:p>
-            <a:pPr marL="742950" lvl="1" indent="-285750">
-              <a:buFont typeface="Arial" panose="020B0604020202020204" pitchFamily="34" charset="0"/>
-              <a:buChar char="•"/>
-              <a:defRPr/>
-            </a:pPr>
-            <a:r>
-              <a:rPr lang="en-HK" sz="1700" dirty="0">
-                <a:solidFill>
-                  <a:schemeClr val="tx1">
-                    <a:lumMod val="65000"/>
-                    <a:lumOff val="35000"/>
-                  </a:schemeClr>
-                </a:solidFill>
-                <a:latin typeface="Calibri" panose="020F0502020204030204" pitchFamily="34" charset="0"/>
-              </a:rPr>
-              <a:t>Investigate emerging/ unmeasured channels</a:t>
-            </a:r>
-          </a:p>
-          <a:p>
-            <a:pPr marL="742950" lvl="1" indent="-285750">
-              <a:buFont typeface="Arial" panose="020B0604020202020204" pitchFamily="34" charset="0"/>
-              <a:buChar char="•"/>
-              <a:defRPr/>
-            </a:pPr>
-            <a:r>
-              <a:rPr lang="en-HK" sz="1700" dirty="0">
-                <a:solidFill>
-                  <a:schemeClr val="tx1">
-                    <a:lumMod val="65000"/>
-                    <a:lumOff val="35000"/>
-                  </a:schemeClr>
-                </a:solidFill>
-                <a:latin typeface="Calibri" panose="020F0502020204030204" pitchFamily="34" charset="0"/>
-              </a:rPr>
-              <a:t>Store attractiveness &amp; categorisation measures</a:t>
-            </a:r>
-          </a:p>
-          <a:p>
-            <a:pPr marL="742950" lvl="1" indent="-285750">
-              <a:buFont typeface="Arial" panose="020B0604020202020204" pitchFamily="34" charset="0"/>
-              <a:buChar char="•"/>
-              <a:defRPr/>
-            </a:pPr>
-            <a:r>
-              <a:rPr lang="en-HK" sz="1700" dirty="0">
-                <a:solidFill>
-                  <a:schemeClr val="tx1">
-                    <a:lumMod val="65000"/>
-                    <a:lumOff val="35000"/>
-                  </a:schemeClr>
-                </a:solidFill>
-                <a:latin typeface="Calibri" panose="020F0502020204030204" pitchFamily="34" charset="0"/>
-              </a:rPr>
-              <a:t>Brand &amp; SKU listing </a:t>
-            </a:r>
-          </a:p>
-          <a:p>
-            <a:pPr marL="285750" indent="-285750">
-              <a:buFont typeface="Arial" panose="020B0604020202020204" pitchFamily="34" charset="0"/>
-              <a:buChar char="•"/>
-              <a:defRPr/>
-            </a:pPr>
-            <a:endParaRPr lang="en-HK" sz="1700" b="1" dirty="0">
-              <a:solidFill>
-                <a:srgbClr val="C00000"/>
-              </a:solidFill>
-              <a:latin typeface="Calibri" panose="020F0502020204030204" pitchFamily="34" charset="0"/>
-            </a:endParaRPr>
-          </a:p>
-          <a:p>
-            <a:pPr marL="285750" indent="-285750">
-              <a:buFont typeface="Arial" panose="020B0604020202020204" pitchFamily="34" charset="0"/>
-              <a:buChar char="•"/>
-              <a:defRPr/>
-            </a:pPr>
-            <a:r>
-              <a:rPr lang="en-HK" sz="1700" b="1" dirty="0">
-                <a:solidFill>
-                  <a:srgbClr val="C00000"/>
-                </a:solidFill>
-                <a:latin typeface="Calibri" panose="020F0502020204030204" pitchFamily="34" charset="0"/>
-              </a:rPr>
-              <a:t>PROMINENCE – are you easy to find &amp; buy?</a:t>
-            </a:r>
-          </a:p>
-          <a:p>
-            <a:pPr marL="742950" lvl="1" indent="-285750">
-              <a:buFont typeface="Arial" panose="020B0604020202020204" pitchFamily="34" charset="0"/>
-              <a:buChar char="•"/>
-              <a:defRPr/>
-            </a:pPr>
-            <a:r>
-              <a:rPr lang="en-HK" sz="1700" dirty="0">
-                <a:solidFill>
-                  <a:schemeClr val="tx1">
-                    <a:lumMod val="65000"/>
-                    <a:lumOff val="35000"/>
-                  </a:schemeClr>
-                </a:solidFill>
-                <a:latin typeface="Calibri" panose="020F0502020204030204" pitchFamily="34" charset="0"/>
-              </a:rPr>
-              <a:t>Category SKU list building &amp; planogram</a:t>
-            </a:r>
-          </a:p>
-          <a:p>
-            <a:pPr marL="742950" lvl="1" indent="-285750">
-              <a:buFont typeface="Arial" panose="020B0604020202020204" pitchFamily="34" charset="0"/>
-              <a:buChar char="•"/>
-              <a:defRPr/>
-            </a:pPr>
-            <a:r>
-              <a:rPr lang="en-HK" sz="1700" dirty="0">
-                <a:solidFill>
-                  <a:schemeClr val="tx1">
-                    <a:lumMod val="65000"/>
-                    <a:lumOff val="35000"/>
-                  </a:schemeClr>
-                </a:solidFill>
-                <a:latin typeface="Calibri" panose="020F0502020204030204" pitchFamily="34" charset="0"/>
-              </a:rPr>
-              <a:t>Check quality of in store execution/ sales fundamentals</a:t>
-            </a:r>
-          </a:p>
-          <a:p>
-            <a:pPr marL="742950" lvl="1" indent="-285750">
-              <a:buFont typeface="Arial" panose="020B0604020202020204" pitchFamily="34" charset="0"/>
-              <a:buChar char="•"/>
-              <a:defRPr/>
-            </a:pPr>
-            <a:r>
-              <a:rPr lang="en-HK" sz="1700" dirty="0">
-                <a:solidFill>
-                  <a:schemeClr val="tx1">
-                    <a:lumMod val="65000"/>
-                    <a:lumOff val="35000"/>
-                  </a:schemeClr>
-                </a:solidFill>
-                <a:latin typeface="Calibri" panose="020F0502020204030204" pitchFamily="34" charset="0"/>
-              </a:rPr>
-              <a:t>Check Parallel Imports</a:t>
-            </a:r>
-          </a:p>
-          <a:p>
-            <a:pPr marL="742950" lvl="1" indent="-285750">
-              <a:buFont typeface="Arial" panose="020B0604020202020204" pitchFamily="34" charset="0"/>
-              <a:buChar char="•"/>
-              <a:defRPr/>
-            </a:pPr>
-            <a:r>
-              <a:rPr lang="en-HK" sz="1700" dirty="0">
-                <a:solidFill>
-                  <a:schemeClr val="tx1">
-                    <a:lumMod val="65000"/>
-                    <a:lumOff val="35000"/>
-                  </a:schemeClr>
-                </a:solidFill>
-                <a:latin typeface="Calibri" panose="020F0502020204030204" pitchFamily="34" charset="0"/>
-              </a:rPr>
-              <a:t>Category, brand &amp; product in store performance &amp; share</a:t>
-            </a:r>
-          </a:p>
-          <a:p>
-            <a:pPr marL="742950" lvl="1" indent="-285750">
-              <a:buFont typeface="Arial" panose="020B0604020202020204" pitchFamily="34" charset="0"/>
-              <a:buChar char="•"/>
-              <a:defRPr/>
-            </a:pPr>
-            <a:r>
-              <a:rPr lang="en-HK" sz="1700" dirty="0">
-                <a:solidFill>
-                  <a:schemeClr val="tx1">
-                    <a:lumMod val="65000"/>
-                    <a:lumOff val="35000"/>
-                  </a:schemeClr>
-                </a:solidFill>
-                <a:latin typeface="Calibri" panose="020F0502020204030204" pitchFamily="34" charset="0"/>
-              </a:rPr>
-              <a:t>Category &amp; brand POS materials usage &amp; share</a:t>
-            </a:r>
-          </a:p>
-          <a:p>
-            <a:pPr marL="285750" indent="-285750">
-              <a:buFont typeface="Arial" panose="020B0604020202020204" pitchFamily="34" charset="0"/>
-              <a:buChar char="•"/>
-              <a:defRPr/>
-            </a:pPr>
-            <a:endParaRPr lang="en-HK" sz="1700" b="1" dirty="0">
-              <a:solidFill>
-                <a:srgbClr val="347891"/>
-              </a:solidFill>
-              <a:latin typeface="Calibri" panose="020F0502020204030204" pitchFamily="34" charset="0"/>
-            </a:endParaRPr>
-          </a:p>
-          <a:p>
-            <a:pPr marL="285750" indent="-285750">
-              <a:buFont typeface="Arial" panose="020B0604020202020204" pitchFamily="34" charset="0"/>
-              <a:buChar char="•"/>
-              <a:defRPr/>
-            </a:pPr>
-            <a:r>
-              <a:rPr lang="en-HK" sz="1700" b="1" dirty="0">
-                <a:solidFill>
-                  <a:srgbClr val="C00000"/>
-                </a:solidFill>
-                <a:latin typeface="Calibri" panose="020F0502020204030204" pitchFamily="34" charset="0"/>
-              </a:rPr>
-              <a:t>RELEVANCE – do you create &amp; leverage relevance at POS?</a:t>
-            </a:r>
-            <a:endParaRPr lang="en-HK" sz="1700" b="1" dirty="0">
-              <a:solidFill>
-                <a:srgbClr val="347891"/>
-              </a:solidFill>
-              <a:latin typeface="Calibri" panose="020F0502020204030204" pitchFamily="34" charset="0"/>
-            </a:endParaRPr>
-          </a:p>
-          <a:p>
-            <a:pPr marL="742950" lvl="1" indent="-285750">
-              <a:buFont typeface="Arial" panose="020B0604020202020204" pitchFamily="34" charset="0"/>
-              <a:buChar char="•"/>
-              <a:defRPr/>
-            </a:pPr>
-            <a:r>
-              <a:rPr lang="en-HK" sz="1700" dirty="0">
-                <a:solidFill>
-                  <a:schemeClr val="tx1">
-                    <a:lumMod val="65000"/>
-                    <a:lumOff val="35000"/>
-                  </a:schemeClr>
-                </a:solidFill>
-                <a:latin typeface="Calibri" panose="020F0502020204030204" pitchFamily="34" charset="0"/>
-              </a:rPr>
-              <a:t>Shopper experience (in store advocacy &amp; purchase experience)</a:t>
-            </a:r>
-            <a:endParaRPr lang="en-HK" sz="1700" b="1" dirty="0">
-              <a:solidFill>
-                <a:schemeClr val="tx1">
-                  <a:lumMod val="65000"/>
-                  <a:lumOff val="35000"/>
-                </a:schemeClr>
-              </a:solidFill>
-              <a:latin typeface="Calibri" panose="020F0502020204030204" pitchFamily="34" charset="0"/>
-            </a:endParaRPr>
-          </a:p>
-          <a:p>
-            <a:pPr marL="285750" indent="-285750">
-              <a:buFont typeface="Arial" panose="020B0604020202020204" pitchFamily="34" charset="0"/>
-              <a:buChar char="•"/>
-              <a:defRPr/>
-            </a:pPr>
-            <a:endParaRPr lang="en-HK" sz="1700" b="1" dirty="0">
-              <a:solidFill>
-                <a:srgbClr val="C00000"/>
-              </a:solidFill>
-              <a:latin typeface="Calibri" panose="020F0502020204030204" pitchFamily="34" charset="0"/>
-            </a:endParaRPr>
-          </a:p>
-          <a:p>
-            <a:pPr marL="285750" indent="-285750">
-              <a:buFont typeface="Arial" panose="020B0604020202020204" pitchFamily="34" charset="0"/>
-              <a:buChar char="•"/>
-              <a:defRPr/>
-            </a:pPr>
-            <a:r>
-              <a:rPr lang="en-HK" sz="1700" b="1" dirty="0">
-                <a:solidFill>
-                  <a:srgbClr val="C00000"/>
-                </a:solidFill>
-                <a:latin typeface="Calibri" panose="020F0502020204030204" pitchFamily="34" charset="0"/>
-              </a:rPr>
-              <a:t>FOUNDATIONAL &amp; STRATEGIC SUPPORT</a:t>
-            </a:r>
-            <a:endParaRPr lang="en-HK" sz="1700" b="1" dirty="0">
-              <a:solidFill>
-                <a:srgbClr val="347891"/>
-              </a:solidFill>
-              <a:latin typeface="Calibri" panose="020F0502020204030204" pitchFamily="34" charset="0"/>
-            </a:endParaRPr>
-          </a:p>
-          <a:p>
-            <a:pPr marL="742950" lvl="1" indent="-285750">
-              <a:buFont typeface="Arial" panose="020B0604020202020204" pitchFamily="34" charset="0"/>
-              <a:buChar char="•"/>
-              <a:defRPr/>
-            </a:pPr>
-            <a:r>
-              <a:rPr lang="en-HK" sz="1700" dirty="0">
-                <a:solidFill>
-                  <a:schemeClr val="tx1">
-                    <a:lumMod val="65000"/>
-                    <a:lumOff val="35000"/>
-                  </a:schemeClr>
-                </a:solidFill>
-                <a:latin typeface="Calibri" panose="020F0502020204030204" pitchFamily="34" charset="0"/>
-              </a:rPr>
-              <a:t>Category purchase structure by channel, channel selection drivers &amp; channel volumes</a:t>
-            </a:r>
-            <a:endParaRPr lang="en-HK" sz="1700" b="1" dirty="0">
-              <a:solidFill>
-                <a:schemeClr val="tx1">
-                  <a:lumMod val="65000"/>
-                  <a:lumOff val="35000"/>
-                </a:schemeClr>
-              </a:solidFill>
-              <a:latin typeface="Calibri" panose="020F0502020204030204" pitchFamily="34" charset="0"/>
-            </a:endParaRPr>
-          </a:p>
-        </p:txBody>
-      </p:sp>
-      <p:cxnSp>
-        <p:nvCxnSpPr>
-          <p:cNvPr id="8" name="Straight Connector 7">
-            <a:extLst>
-              <a:ext uri="{FF2B5EF4-FFF2-40B4-BE49-F238E27FC236}">
-                <a16:creationId xmlns:a16="http://schemas.microsoft.com/office/drawing/2014/main" id="{6CA49B21-8555-4067-BC49-E5B60DCD3190}"/>
-              </a:ext>
-            </a:extLst>
-          </p:cNvPr>
-          <p:cNvCxnSpPr>
-            <a:cxnSpLocks/>
-          </p:cNvCxnSpPr>
-          <p:nvPr/>
-        </p:nvCxnSpPr>
-        <p:spPr>
-          <a:xfrm>
-            <a:off x="1810652" y="883685"/>
-            <a:ext cx="0" cy="5261476"/>
-          </a:xfrm>
-          <a:prstGeom prst="line">
-            <a:avLst/>
-          </a:prstGeom>
-          <a:ln w="28575">
-            <a:solidFill>
-              <a:schemeClr val="tx1">
-                <a:lumMod val="65000"/>
-                <a:lumOff val="35000"/>
-              </a:schemeClr>
-            </a:solidFill>
-          </a:ln>
-          <a:effectLst/>
-        </p:spPr>
-        <p:style>
-          <a:lnRef idx="2">
-            <a:schemeClr val="accent1"/>
-          </a:lnRef>
-          <a:fillRef idx="0">
-            <a:schemeClr val="accent1"/>
-          </a:fillRef>
-          <a:effectRef idx="1">
-            <a:schemeClr val="accent1"/>
-          </a:effectRef>
-          <a:fontRef idx="minor">
-            <a:schemeClr val="tx1"/>
-          </a:fontRef>
-        </p:style>
-      </p:cxnSp>
-      <p:pic>
-        <p:nvPicPr>
-          <p:cNvPr id="10" name="Picture 9">
-            <a:extLst>
-              <a:ext uri="{FF2B5EF4-FFF2-40B4-BE49-F238E27FC236}">
-                <a16:creationId xmlns:a16="http://schemas.microsoft.com/office/drawing/2014/main" id="{F9ABAE8B-26B6-4866-A4F6-2763F2956B3A}"/>
-              </a:ext>
-            </a:extLst>
-          </p:cNvPr>
-          <p:cNvPicPr>
-            <a:picLocks noChangeAspect="1"/>
-          </p:cNvPicPr>
-          <p:nvPr/>
-        </p:nvPicPr>
-        <p:blipFill>
-          <a:blip r:embed="rId2">
-            <a:extLst>
-              <a:ext uri="{28A0092B-C50C-407E-A947-70E740481C1C}">
-                <a14:useLocalDpi xmlns:a14="http://schemas.microsoft.com/office/drawing/2010/main" val="0"/>
-              </a:ext>
-            </a:extLst>
-          </a:blip>
-          <a:stretch>
-            <a:fillRect/>
-          </a:stretch>
-        </p:blipFill>
-        <p:spPr>
-          <a:xfrm>
-            <a:off x="550243" y="867036"/>
-            <a:ext cx="911402" cy="857956"/>
-          </a:xfrm>
-          <a:prstGeom prst="rect">
-            <a:avLst/>
-          </a:prstGeom>
-        </p:spPr>
-      </p:pic>
-      <p:sp>
-        <p:nvSpPr>
-          <p:cNvPr id="11" name="Rectangle: Rounded Corners 10">
-            <a:extLst>
-              <a:ext uri="{FF2B5EF4-FFF2-40B4-BE49-F238E27FC236}">
-                <a16:creationId xmlns:a16="http://schemas.microsoft.com/office/drawing/2014/main" id="{8534E272-767D-4136-93A6-EAA1C84073AF}"/>
-              </a:ext>
-            </a:extLst>
-          </p:cNvPr>
-          <p:cNvSpPr/>
-          <p:nvPr/>
-        </p:nvSpPr>
-        <p:spPr>
-          <a:xfrm>
-            <a:off x="10348587" y="4594343"/>
-            <a:ext cx="1616396" cy="1549343"/>
-          </a:xfrm>
-          <a:prstGeom prst="roundRect">
-            <a:avLst>
-              <a:gd name="adj" fmla="val 8346"/>
-            </a:avLst>
-          </a:prstGeom>
-          <a:noFill/>
-          <a:ln w="28575">
-            <a:solidFill>
-              <a:srgbClr val="C00000"/>
-            </a:solidFill>
-          </a:ln>
-        </p:spPr>
-        <p:style>
-          <a:lnRef idx="2">
-            <a:schemeClr val="accent1">
-              <a:shade val="50000"/>
-            </a:schemeClr>
-          </a:lnRef>
-          <a:fillRef idx="1">
-            <a:schemeClr val="accent1"/>
-          </a:fillRef>
-          <a:effectRef idx="0">
-            <a:schemeClr val="accent1"/>
-          </a:effectRef>
-          <a:fontRef idx="minor">
-            <a:schemeClr val="lt1"/>
-          </a:fontRef>
-        </p:style>
-        <p:txBody>
-          <a:bodyPr rtlCol="0" anchor="ctr"/>
-          <a:lstStyle/>
-          <a:p>
-            <a:pPr algn="ctr"/>
-            <a:endParaRPr lang="en-HK"/>
-          </a:p>
-        </p:txBody>
-      </p:sp>
-      <p:pic>
-        <p:nvPicPr>
-          <p:cNvPr id="6" name="Picture 5" descr="A close up of a sign&#10;&#10;Description automatically generated">
-            <a:extLst>
-              <a:ext uri="{FF2B5EF4-FFF2-40B4-BE49-F238E27FC236}">
-                <a16:creationId xmlns:a16="http://schemas.microsoft.com/office/drawing/2014/main" id="{DBDD64BB-A253-4892-946E-0893D0D508BB}"/>
-              </a:ext>
-            </a:extLst>
-          </p:cNvPr>
-          <p:cNvPicPr>
-            <a:picLocks noChangeAspect="1"/>
-          </p:cNvPicPr>
-          <p:nvPr/>
-        </p:nvPicPr>
-        <p:blipFill>
-          <a:blip r:embed="rId3" cstate="hqprint">
-            <a:extLst>
-              <a:ext uri="{28A0092B-C50C-407E-A947-70E740481C1C}">
-                <a14:useLocalDpi xmlns:a14="http://schemas.microsoft.com/office/drawing/2010/main" val="0"/>
-              </a:ext>
-            </a:extLst>
-          </a:blip>
-          <a:stretch>
-            <a:fillRect/>
-          </a:stretch>
-        </p:blipFill>
-        <p:spPr>
-          <a:xfrm>
-            <a:off x="9112914" y="5242149"/>
-            <a:ext cx="772996" cy="862188"/>
-          </a:xfrm>
-          <a:prstGeom prst="rect">
-            <a:avLst/>
-          </a:prstGeom>
-        </p:spPr>
-      </p:pic>
-      <p:pic>
-        <p:nvPicPr>
-          <p:cNvPr id="12" name="Picture 11" descr="A close up of a sign&#10;&#10;Description automatically generated">
-            <a:extLst>
-              <a:ext uri="{FF2B5EF4-FFF2-40B4-BE49-F238E27FC236}">
-                <a16:creationId xmlns:a16="http://schemas.microsoft.com/office/drawing/2014/main" id="{E260F42C-1B53-44B1-BC18-3F6232503832}"/>
-              </a:ext>
-            </a:extLst>
-          </p:cNvPr>
-          <p:cNvPicPr>
-            <a:picLocks noChangeAspect="1"/>
-          </p:cNvPicPr>
-          <p:nvPr/>
-        </p:nvPicPr>
-        <p:blipFill>
-          <a:blip r:embed="rId4" cstate="hqprint">
-            <a:extLst>
-              <a:ext uri="{28A0092B-C50C-407E-A947-70E740481C1C}">
-                <a14:useLocalDpi xmlns:a14="http://schemas.microsoft.com/office/drawing/2010/main" val="0"/>
-              </a:ext>
-            </a:extLst>
-          </a:blip>
-          <a:stretch>
-            <a:fillRect/>
-          </a:stretch>
-        </p:blipFill>
-        <p:spPr>
-          <a:xfrm>
-            <a:off x="10727746" y="5220277"/>
-            <a:ext cx="914910" cy="825213"/>
-          </a:xfrm>
-          <a:prstGeom prst="rect">
-            <a:avLst/>
-          </a:prstGeom>
-        </p:spPr>
-      </p:pic>
-      <p:sp>
-        <p:nvSpPr>
-          <p:cNvPr id="13" name="TextBox 12">
-            <a:extLst>
-              <a:ext uri="{FF2B5EF4-FFF2-40B4-BE49-F238E27FC236}">
-                <a16:creationId xmlns:a16="http://schemas.microsoft.com/office/drawing/2014/main" id="{9C79DDB3-7227-4933-A15A-D406E5009B3E}"/>
-              </a:ext>
-            </a:extLst>
-          </p:cNvPr>
-          <p:cNvSpPr txBox="1"/>
-          <p:nvPr/>
-        </p:nvSpPr>
-        <p:spPr>
-          <a:xfrm>
-            <a:off x="8642009" y="4588277"/>
-            <a:ext cx="1429301" cy="646331"/>
-          </a:xfrm>
-          <a:prstGeom prst="rect">
-            <a:avLst/>
-          </a:prstGeom>
-          <a:noFill/>
-        </p:spPr>
-        <p:txBody>
-          <a:bodyPr wrap="square" rtlCol="0">
-            <a:spAutoFit/>
-          </a:bodyPr>
-          <a:lstStyle/>
-          <a:p>
-            <a:r>
-              <a:rPr lang="en-HK" dirty="0">
-                <a:solidFill>
-                  <a:schemeClr val="tx1">
-                    <a:lumMod val="65000"/>
-                    <a:lumOff val="35000"/>
-                  </a:schemeClr>
-                </a:solidFill>
-                <a:latin typeface="Calibri" panose="020F0502020204030204" pitchFamily="34" charset="0"/>
-              </a:rPr>
-              <a:t>Compliance</a:t>
-            </a:r>
-          </a:p>
-          <a:p>
-            <a:r>
-              <a:rPr lang="en-HK" dirty="0">
-                <a:solidFill>
-                  <a:schemeClr val="tx1">
-                    <a:lumMod val="65000"/>
-                    <a:lumOff val="35000"/>
-                  </a:schemeClr>
-                </a:solidFill>
-                <a:latin typeface="Calibri" panose="020F0502020204030204" pitchFamily="34" charset="0"/>
-              </a:rPr>
-              <a:t>Checking</a:t>
-            </a:r>
-          </a:p>
-        </p:txBody>
-      </p:sp>
-      <p:sp>
-        <p:nvSpPr>
-          <p:cNvPr id="15" name="TextBox 14">
-            <a:extLst>
-              <a:ext uri="{FF2B5EF4-FFF2-40B4-BE49-F238E27FC236}">
-                <a16:creationId xmlns:a16="http://schemas.microsoft.com/office/drawing/2014/main" id="{D8D2048C-36E4-4B6E-86E8-5CCD2A1270A3}"/>
-              </a:ext>
-            </a:extLst>
-          </p:cNvPr>
-          <p:cNvSpPr txBox="1"/>
-          <p:nvPr/>
-        </p:nvSpPr>
-        <p:spPr>
-          <a:xfrm>
-            <a:off x="10348587" y="4573946"/>
-            <a:ext cx="1616390" cy="646331"/>
-          </a:xfrm>
-          <a:prstGeom prst="rect">
-            <a:avLst/>
-          </a:prstGeom>
-          <a:noFill/>
-        </p:spPr>
-        <p:txBody>
-          <a:bodyPr wrap="square" rtlCol="0">
-            <a:spAutoFit/>
-          </a:bodyPr>
-          <a:lstStyle/>
-          <a:p>
-            <a:r>
-              <a:rPr lang="en-HK" dirty="0">
-                <a:solidFill>
-                  <a:schemeClr val="tx1">
-                    <a:lumMod val="65000"/>
-                    <a:lumOff val="35000"/>
-                  </a:schemeClr>
-                </a:solidFill>
-                <a:latin typeface="Calibri" panose="020F0502020204030204" pitchFamily="34" charset="0"/>
-              </a:rPr>
-              <a:t>Consumer Experience</a:t>
-            </a:r>
-          </a:p>
-        </p:txBody>
-      </p:sp>
-      <p:sp>
-        <p:nvSpPr>
-          <p:cNvPr id="17" name="Rectangle: Rounded Corners 16">
-            <a:extLst>
-              <a:ext uri="{FF2B5EF4-FFF2-40B4-BE49-F238E27FC236}">
-                <a16:creationId xmlns:a16="http://schemas.microsoft.com/office/drawing/2014/main" id="{AA58C417-7DC5-47F5-A744-F419D17FDC69}"/>
-              </a:ext>
-            </a:extLst>
-          </p:cNvPr>
-          <p:cNvSpPr/>
-          <p:nvPr/>
-        </p:nvSpPr>
-        <p:spPr>
-          <a:xfrm>
-            <a:off x="8618923" y="4595818"/>
-            <a:ext cx="1616396" cy="1549343"/>
-          </a:xfrm>
-          <a:prstGeom prst="roundRect">
-            <a:avLst>
-              <a:gd name="adj" fmla="val 8346"/>
-            </a:avLst>
-          </a:prstGeom>
-          <a:noFill/>
-          <a:ln w="28575">
-            <a:solidFill>
-              <a:srgbClr val="C00000"/>
-            </a:solidFill>
-          </a:ln>
-        </p:spPr>
-        <p:style>
-          <a:lnRef idx="2">
-            <a:schemeClr val="accent1">
-              <a:shade val="50000"/>
-            </a:schemeClr>
-          </a:lnRef>
-          <a:fillRef idx="1">
-            <a:schemeClr val="accent1"/>
-          </a:fillRef>
-          <a:effectRef idx="0">
-            <a:schemeClr val="accent1"/>
-          </a:effectRef>
-          <a:fontRef idx="minor">
-            <a:schemeClr val="lt1"/>
-          </a:fontRef>
-        </p:style>
-        <p:txBody>
-          <a:bodyPr rtlCol="0" anchor="ctr"/>
-          <a:lstStyle/>
-          <a:p>
-            <a:pPr algn="ctr"/>
-            <a:endParaRPr lang="en-HK"/>
-          </a:p>
-        </p:txBody>
-      </p:sp>
-      <p:sp>
-        <p:nvSpPr>
-          <p:cNvPr id="4" name="Slide Number Placeholder 3">
-            <a:extLst>
-              <a:ext uri="{FF2B5EF4-FFF2-40B4-BE49-F238E27FC236}">
-                <a16:creationId xmlns:a16="http://schemas.microsoft.com/office/drawing/2014/main" id="{53511577-35CF-4784-AE9A-5E0CDC037ED8}"/>
-              </a:ext>
-            </a:extLst>
-          </p:cNvPr>
-          <p:cNvSpPr>
-            <a:spLocks noGrp="1"/>
-          </p:cNvSpPr>
-          <p:nvPr>
-            <p:ph type="sldNum" sz="quarter" idx="4"/>
-          </p:nvPr>
-        </p:nvSpPr>
-        <p:spPr/>
-        <p:txBody>
-          <a:bodyPr/>
-          <a:lstStyle/>
-          <a:p>
-            <a:fld id="{041C6976-BE5D-4658-9F25-132912CB2553}" type="slidenum">
-              <a:rPr lang="en-HK" sz="1400" b="0" smtClean="0"/>
-              <a:t>18</a:t>
-            </a:fld>
-            <a:endParaRPr lang="en-HK" sz="1400" b="0" dirty="0"/>
-          </a:p>
-        </p:txBody>
-      </p:sp>
-    </p:spTree>
-    <p:extLst>
-      <p:ext uri="{BB962C8B-B14F-4D97-AF65-F5344CB8AC3E}">
-        <p14:creationId xmlns:p14="http://schemas.microsoft.com/office/powerpoint/2010/main" val="394282724"/>
-      </p:ext>
-    </p:extLst>
-  </p:cSld>
-  <p:clrMapOvr>
-    <a:masterClrMapping/>
-  </p:clrMapOvr>
-  <p:timing>
-    <p:tnLst>
-      <p:par>
-        <p:cTn id="1" dur="indefinite" restart="never" nodeType="tmRoot"/>
-      </p:par>
-    </p:tnLst>
-  </p:timing>
-</p:sld>
-</file>
-
-<file path=ppt/slides/slide19.xml><?xml version="1.0" encoding="utf-8"?>
-<p:sld xmlns:a="http://schemas.openxmlformats.org/drawingml/2006/main" xmlns:r="http://schemas.openxmlformats.org/officeDocument/2006/relationships" xmlns:p="http://schemas.openxmlformats.org/presentationml/2006/main">
-  <p:cSld>
-    <p:spTree>
-      <p:nvGrpSpPr>
-        <p:cNvPr id="1" name=""/>
-        <p:cNvGrpSpPr/>
-        <p:nvPr/>
-      </p:nvGrpSpPr>
-      <p:grpSpPr>
-        <a:xfrm>
-          <a:off x="0" y="0"/>
-          <a:ext cx="0" cy="0"/>
-          <a:chOff x="0" y="0"/>
-          <a:chExt cx="0" cy="0"/>
-        </a:xfrm>
-      </p:grpSpPr>
-      <p:sp>
-        <p:nvSpPr>
-          <p:cNvPr id="46" name="TextBox 45">
-            <a:extLst>
-              <a:ext uri="{FF2B5EF4-FFF2-40B4-BE49-F238E27FC236}">
-                <a16:creationId xmlns:a16="http://schemas.microsoft.com/office/drawing/2014/main" id="{83BCF4F6-93AB-4D46-B9A0-2C133C0AC405}"/>
-              </a:ext>
-            </a:extLst>
-          </p:cNvPr>
-          <p:cNvSpPr txBox="1"/>
-          <p:nvPr/>
-        </p:nvSpPr>
-        <p:spPr>
-          <a:xfrm>
-            <a:off x="6430649" y="2613392"/>
-            <a:ext cx="6025705" cy="707886"/>
-          </a:xfrm>
-          <a:prstGeom prst="rect">
-            <a:avLst/>
-          </a:prstGeom>
-          <a:noFill/>
-        </p:spPr>
-        <p:txBody>
-          <a:bodyPr wrap="square" rtlCol="0">
-            <a:spAutoFit/>
-          </a:bodyPr>
-          <a:lstStyle/>
-          <a:p>
-            <a:pPr marL="0" marR="0" lvl="0" indent="0" algn="l" defTabSz="914400" rtl="0" eaLnBrk="1" fontAlgn="auto" latinLnBrk="0" hangingPunct="1">
-              <a:lnSpc>
-                <a:spcPct val="100000"/>
-              </a:lnSpc>
-              <a:spcBef>
-                <a:spcPts val="0"/>
-              </a:spcBef>
-              <a:spcAft>
-                <a:spcPts val="0"/>
-              </a:spcAft>
-              <a:buClrTx/>
-              <a:buSzTx/>
-              <a:buFontTx/>
-              <a:buNone/>
-              <a:tabLst/>
-              <a:defRPr/>
-            </a:pPr>
-            <a:r>
-              <a:rPr lang="en-US" sz="2000" kern="0" dirty="0">
-                <a:solidFill>
-                  <a:srgbClr val="EF4751"/>
-                </a:solidFill>
-                <a:ea typeface="Microsoft JhengHei" panose="020B0604030504040204" pitchFamily="34" charset="-120"/>
-                <a:cs typeface="Arial" panose="020B0604020202020204" pitchFamily="34" charset="0"/>
-              </a:rPr>
-              <a:t>contact.dz@salmdjareb.com </a:t>
-            </a:r>
-          </a:p>
-          <a:p>
-            <a:pPr lvl="0">
-              <a:defRPr/>
-            </a:pPr>
-            <a:r>
-              <a:rPr lang="en-US" sz="2000" kern="0" dirty="0">
-                <a:solidFill>
-                  <a:srgbClr val="EF4751"/>
-                </a:solidFill>
-                <a:ea typeface="Microsoft JhengHei" panose="020B0604030504040204" pitchFamily="34" charset="-120"/>
-                <a:cs typeface="Arial" panose="020B0604020202020204" pitchFamily="34" charset="0"/>
-              </a:rPr>
-              <a:t>www.salmdjareb.com</a:t>
-            </a:r>
-          </a:p>
-        </p:txBody>
-      </p:sp>
-      <p:sp>
-        <p:nvSpPr>
-          <p:cNvPr id="5" name="TextBox 4">
-            <a:extLst>
-              <a:ext uri="{FF2B5EF4-FFF2-40B4-BE49-F238E27FC236}">
-                <a16:creationId xmlns:a16="http://schemas.microsoft.com/office/drawing/2014/main" id="{7D138695-34DE-4CC2-93EC-4EEA4384D7EF}"/>
-              </a:ext>
-            </a:extLst>
-          </p:cNvPr>
-          <p:cNvSpPr txBox="1"/>
-          <p:nvPr/>
-        </p:nvSpPr>
-        <p:spPr>
-          <a:xfrm>
-            <a:off x="642470" y="380433"/>
-            <a:ext cx="3705595" cy="701731"/>
-          </a:xfrm>
-          <a:prstGeom prst="rect">
-            <a:avLst/>
-          </a:prstGeom>
-          <a:noFill/>
-        </p:spPr>
-        <p:txBody>
-          <a:bodyPr wrap="square" rtlCol="0">
-            <a:spAutoFit/>
-          </a:bodyPr>
-          <a:lstStyle/>
-          <a:p>
-            <a:pPr marR="0" lvl="0" indent="0" defTabSz="342900" fontAlgn="auto">
-              <a:lnSpc>
-                <a:spcPct val="90000"/>
-              </a:lnSpc>
-              <a:spcBef>
-                <a:spcPct val="0"/>
-              </a:spcBef>
-              <a:spcAft>
-                <a:spcPts val="0"/>
-              </a:spcAft>
-              <a:buClrTx/>
-              <a:buSzTx/>
-              <a:tabLst/>
-              <a:defRPr/>
-            </a:pPr>
-            <a:r>
-              <a:rPr lang="en-US" sz="4400" kern="0" dirty="0">
-                <a:solidFill>
-                  <a:srgbClr val="EF4751"/>
-                </a:solidFill>
-                <a:latin typeface="Geogrotesque Rg" panose="02000000000000000000" pitchFamily="50" charset="0"/>
-                <a:ea typeface="Microsoft JhengHei" panose="020B0604030504040204" pitchFamily="34" charset="-120"/>
-                <a:cs typeface="Calibri" panose="020F0502020204030204" pitchFamily="34" charset="0"/>
-              </a:rPr>
-              <a:t>Thank you</a:t>
-            </a:r>
-          </a:p>
-        </p:txBody>
-      </p:sp>
-      <p:cxnSp>
-        <p:nvCxnSpPr>
-          <p:cNvPr id="7" name="Straight Connector 6">
-            <a:extLst>
-              <a:ext uri="{FF2B5EF4-FFF2-40B4-BE49-F238E27FC236}">
-                <a16:creationId xmlns:a16="http://schemas.microsoft.com/office/drawing/2014/main" id="{E6EEA850-A0E8-4A91-9792-CBCF6DA85AA7}"/>
-              </a:ext>
-            </a:extLst>
-          </p:cNvPr>
-          <p:cNvCxnSpPr>
-            <a:cxnSpLocks/>
-          </p:cNvCxnSpPr>
-          <p:nvPr/>
-        </p:nvCxnSpPr>
-        <p:spPr>
-          <a:xfrm>
-            <a:off x="6099623" y="1262743"/>
-            <a:ext cx="0" cy="4480967"/>
-          </a:xfrm>
-          <a:prstGeom prst="line">
-            <a:avLst/>
-          </a:prstGeom>
-          <a:ln w="28575">
-            <a:solidFill>
-              <a:schemeClr val="tx1">
-                <a:lumMod val="65000"/>
-                <a:lumOff val="35000"/>
-              </a:schemeClr>
-            </a:solidFill>
-          </a:ln>
-          <a:effectLst/>
-        </p:spPr>
-        <p:style>
-          <a:lnRef idx="2">
-            <a:schemeClr val="accent1"/>
-          </a:lnRef>
-          <a:fillRef idx="0">
-            <a:schemeClr val="accent1"/>
-          </a:fillRef>
-          <a:effectRef idx="1">
-            <a:schemeClr val="accent1"/>
-          </a:effectRef>
-          <a:fontRef idx="minor">
-            <a:schemeClr val="tx1"/>
-          </a:fontRef>
-        </p:style>
-      </p:cxnSp>
-      <p:sp>
-        <p:nvSpPr>
-          <p:cNvPr id="2" name="Footer Placeholder 1">
-            <a:extLst>
-              <a:ext uri="{FF2B5EF4-FFF2-40B4-BE49-F238E27FC236}">
-                <a16:creationId xmlns:a16="http://schemas.microsoft.com/office/drawing/2014/main" id="{71DB1721-403A-4BE5-947A-A31FBD8B91B4}"/>
-              </a:ext>
-            </a:extLst>
-          </p:cNvPr>
-          <p:cNvSpPr>
-            <a:spLocks noGrp="1"/>
-          </p:cNvSpPr>
-          <p:nvPr>
-            <p:ph type="ftr" sz="quarter" idx="11"/>
-          </p:nvPr>
-        </p:nvSpPr>
-        <p:spPr/>
-        <p:txBody>
-          <a:bodyPr/>
-          <a:lstStyle/>
-          <a:p>
-            <a:r>
-              <a:rPr lang="en-HK"/>
-              <a:t>Strictly Confidential</a:t>
-            </a:r>
-            <a:endParaRPr lang="en-HK" dirty="0"/>
-          </a:p>
-        </p:txBody>
-      </p:sp>
-      <p:sp>
-        <p:nvSpPr>
-          <p:cNvPr id="4" name="Slide Number Placeholder 3">
-            <a:extLst>
-              <a:ext uri="{FF2B5EF4-FFF2-40B4-BE49-F238E27FC236}">
-                <a16:creationId xmlns:a16="http://schemas.microsoft.com/office/drawing/2014/main" id="{28165804-64B6-4C96-B8EF-A1823FF61AE0}"/>
-              </a:ext>
-            </a:extLst>
-          </p:cNvPr>
-          <p:cNvSpPr>
-            <a:spLocks noGrp="1"/>
-          </p:cNvSpPr>
-          <p:nvPr>
-            <p:ph type="sldNum" sz="quarter" idx="12"/>
-          </p:nvPr>
-        </p:nvSpPr>
-        <p:spPr/>
-        <p:txBody>
-          <a:bodyPr/>
-          <a:lstStyle/>
-          <a:p>
-            <a:fld id="{A7C83B54-5B68-4C34-ADA0-4D0778B429CD}" type="slidenum">
-              <a:rPr lang="en-HK" smtClean="0"/>
-              <a:t>19</a:t>
-            </a:fld>
-            <a:endParaRPr lang="en-HK" dirty="0"/>
-          </a:p>
-        </p:txBody>
-      </p:sp>
-      <p:pic>
-        <p:nvPicPr>
-          <p:cNvPr id="8" name="Picture 7">
-            <a:extLst>
-              <a:ext uri="{FF2B5EF4-FFF2-40B4-BE49-F238E27FC236}">
-                <a16:creationId xmlns:a16="http://schemas.microsoft.com/office/drawing/2014/main" id="{CC2A147C-A12A-F2C2-CC2D-B88F3583831A}"/>
-              </a:ext>
-            </a:extLst>
-          </p:cNvPr>
-          <p:cNvPicPr>
-            <a:picLocks noChangeAspect="1"/>
-          </p:cNvPicPr>
-          <p:nvPr/>
-        </p:nvPicPr>
-        <p:blipFill>
-          <a:blip r:embed="rId2"/>
-          <a:stretch>
-            <a:fillRect/>
-          </a:stretch>
-        </p:blipFill>
-        <p:spPr>
-          <a:xfrm>
-            <a:off x="5119825" y="3084178"/>
-            <a:ext cx="542857" cy="838095"/>
-          </a:xfrm>
-          <a:prstGeom prst="rect">
-            <a:avLst/>
-          </a:prstGeom>
-        </p:spPr>
-      </p:pic>
-      <mc:AlternateContent xmlns:mc="http://schemas.openxmlformats.org/markup-compatibility/2006" xmlns:p14="http://schemas.microsoft.com/office/powerpoint/2010/main">
-        <mc:Choice Requires="p14">
-          <p:contentPart p14:bwMode="auto" r:id="rId3">
-            <p14:nvContentPartPr>
-              <p14:cNvPr id="3" name="Ink 2"/>
-              <p14:cNvContentPartPr/>
-              <p14:nvPr/>
-            </p14:nvContentPartPr>
-            <p14:xfrm>
-              <a:off x="0" y="1855800"/>
-              <a:ext cx="9090720" cy="3774600"/>
-            </p14:xfrm>
-          </p:contentPart>
-        </mc:Choice>
-        <mc:Fallback xmlns="">
-          <p:pic>
-            <p:nvPicPr>
-              <p:cNvPr id="3" name="Ink 2"/>
-              <p:cNvPicPr/>
-              <p:nvPr/>
-            </p:nvPicPr>
-            <p:blipFill>
-              <a:blip r:embed="rId4"/>
-              <a:stretch>
-                <a:fillRect/>
-              </a:stretch>
-            </p:blipFill>
-            <p:spPr>
-              <a:xfrm>
-                <a:off x="-9360" y="1846440"/>
-                <a:ext cx="9109440" cy="3793320"/>
-              </a:xfrm>
-              <a:prstGeom prst="rect">
-                <a:avLst/>
-              </a:prstGeom>
-            </p:spPr>
-          </p:pic>
-        </mc:Fallback>
-      </mc:AlternateContent>
-    </p:spTree>
-    <p:extLst>
-      <p:ext uri="{BB962C8B-B14F-4D97-AF65-F5344CB8AC3E}">
-        <p14:creationId xmlns:p14="http://schemas.microsoft.com/office/powerpoint/2010/main" val="360675991"/>
       </p:ext>
     </p:extLst>
   </p:cSld>
@@ -20607,6 +25636,1190 @@
     <p:extLst>
       <p:ext uri="{BB962C8B-B14F-4D97-AF65-F5344CB8AC3E}">
         <p14:creationId xmlns:p14="http://schemas.microsoft.com/office/powerpoint/2010/main" val="2223622293"/>
+      </p:ext>
+    </p:extLst>
+  </p:cSld>
+  <p:clrMapOvr>
+    <a:masterClrMapping/>
+  </p:clrMapOvr>
+  <p:timing>
+    <p:tnLst>
+      <p:par>
+        <p:cTn id="1" dur="indefinite" restart="never" nodeType="tmRoot"/>
+      </p:par>
+    </p:tnLst>
+  </p:timing>
+</p:sld>
+</file>
+
+<file path=ppt/slides/slide20.xml><?xml version="1.0" encoding="utf-8"?>
+<p:sld xmlns:a="http://schemas.openxmlformats.org/drawingml/2006/main" xmlns:r="http://schemas.openxmlformats.org/officeDocument/2006/relationships" xmlns:p="http://schemas.openxmlformats.org/presentationml/2006/main">
+  <p:cSld>
+    <p:spTree>
+      <p:nvGrpSpPr>
+        <p:cNvPr id="1" name=""/>
+        <p:cNvGrpSpPr/>
+        <p:nvPr/>
+      </p:nvGrpSpPr>
+      <p:grpSpPr>
+        <a:xfrm>
+          <a:off x="0" y="0"/>
+          <a:ext cx="0" cy="0"/>
+          <a:chOff x="0" y="0"/>
+          <a:chExt cx="0" cy="0"/>
+        </a:xfrm>
+      </p:grpSpPr>
+      <p:sp>
+        <p:nvSpPr>
+          <p:cNvPr id="2" name="Title 1">
+            <a:extLst>
+              <a:ext uri="{FF2B5EF4-FFF2-40B4-BE49-F238E27FC236}">
+                <a16:creationId xmlns:a16="http://schemas.microsoft.com/office/drawing/2014/main" id="{BD33671E-771A-432D-A2B6-B295BDCC7C06}"/>
+              </a:ext>
+            </a:extLst>
+          </p:cNvPr>
+          <p:cNvSpPr>
+            <a:spLocks noGrp="1"/>
+          </p:cNvSpPr>
+          <p:nvPr>
+            <p:ph type="title"/>
+          </p:nvPr>
+        </p:nvSpPr>
+        <p:spPr>
+          <a:xfrm>
+            <a:off x="147049" y="109619"/>
+            <a:ext cx="11991108" cy="613930"/>
+          </a:xfrm>
+        </p:spPr>
+        <p:txBody>
+          <a:bodyPr>
+            <a:normAutofit/>
+          </a:bodyPr>
+          <a:lstStyle/>
+          <a:p>
+            <a:pPr defTabSz="342900"/>
+            <a:r>
+              <a:rPr lang="en-HK" sz="2800" kern="0" dirty="0">
+                <a:solidFill>
+                  <a:srgbClr val="EF4751"/>
+                </a:solidFill>
+                <a:latin typeface="Geogrotesque Rg" panose="02000000000000000000" pitchFamily="50" charset="0"/>
+                <a:ea typeface="Microsoft JhengHei" panose="020B0604030504040204" pitchFamily="34" charset="-120"/>
+                <a:cs typeface="Calibri" panose="020F0502020204030204" pitchFamily="34" charset="0"/>
+              </a:rPr>
+              <a:t>Service areas</a:t>
+            </a:r>
+          </a:p>
+        </p:txBody>
+      </p:sp>
+      <p:sp>
+        <p:nvSpPr>
+          <p:cNvPr id="32" name="TextBox 31">
+            <a:extLst>
+              <a:ext uri="{FF2B5EF4-FFF2-40B4-BE49-F238E27FC236}">
+                <a16:creationId xmlns:a16="http://schemas.microsoft.com/office/drawing/2014/main" id="{A0AB4E50-4AE3-45D8-857E-788185DBC02D}"/>
+              </a:ext>
+            </a:extLst>
+          </p:cNvPr>
+          <p:cNvSpPr txBox="1"/>
+          <p:nvPr/>
+        </p:nvSpPr>
+        <p:spPr>
+          <a:xfrm>
+            <a:off x="1956681" y="789509"/>
+            <a:ext cx="6313227" cy="5324535"/>
+          </a:xfrm>
+          <a:prstGeom prst="rect">
+            <a:avLst/>
+          </a:prstGeom>
+          <a:noFill/>
+        </p:spPr>
+        <p:txBody>
+          <a:bodyPr wrap="square" rtlCol="0">
+            <a:spAutoFit/>
+          </a:bodyPr>
+          <a:lstStyle/>
+          <a:p>
+            <a:pPr marL="285750" indent="-285750">
+              <a:buFont typeface="Arial" panose="020B0604020202020204" pitchFamily="34" charset="0"/>
+              <a:buChar char="•"/>
+              <a:defRPr/>
+            </a:pPr>
+            <a:r>
+              <a:rPr lang="en-HK" sz="1700" b="1" dirty="0">
+                <a:solidFill>
+                  <a:srgbClr val="C00000"/>
+                </a:solidFill>
+                <a:latin typeface="Calibri" panose="020F0502020204030204" pitchFamily="34" charset="0"/>
+              </a:rPr>
+              <a:t>PRESENCE - are you where you should be?</a:t>
+            </a:r>
+          </a:p>
+          <a:p>
+            <a:pPr marL="742950" lvl="1" indent="-285750">
+              <a:buFont typeface="Arial" panose="020B0604020202020204" pitchFamily="34" charset="0"/>
+              <a:buChar char="•"/>
+              <a:defRPr/>
+            </a:pPr>
+            <a:r>
+              <a:rPr lang="en-HK" sz="1700" dirty="0">
+                <a:solidFill>
+                  <a:schemeClr val="tx1">
+                    <a:lumMod val="65000"/>
+                    <a:lumOff val="35000"/>
+                  </a:schemeClr>
+                </a:solidFill>
+                <a:latin typeface="Calibri" panose="020F0502020204030204" pitchFamily="34" charset="0"/>
+              </a:rPr>
+              <a:t>Build/ update/ clean target channel universes (all channels)</a:t>
+            </a:r>
+          </a:p>
+          <a:p>
+            <a:pPr marL="742950" lvl="1" indent="-285750">
+              <a:buFont typeface="Arial" panose="020B0604020202020204" pitchFamily="34" charset="0"/>
+              <a:buChar char="•"/>
+              <a:defRPr/>
+            </a:pPr>
+            <a:r>
+              <a:rPr lang="en-HK" sz="1700" dirty="0">
+                <a:solidFill>
+                  <a:schemeClr val="tx1">
+                    <a:lumMod val="65000"/>
+                    <a:lumOff val="35000"/>
+                  </a:schemeClr>
+                </a:solidFill>
+                <a:latin typeface="Calibri" panose="020F0502020204030204" pitchFamily="34" charset="0"/>
+              </a:rPr>
+              <a:t>Investigate emerging/ unmeasured channels</a:t>
+            </a:r>
+          </a:p>
+          <a:p>
+            <a:pPr marL="742950" lvl="1" indent="-285750">
+              <a:buFont typeface="Arial" panose="020B0604020202020204" pitchFamily="34" charset="0"/>
+              <a:buChar char="•"/>
+              <a:defRPr/>
+            </a:pPr>
+            <a:r>
+              <a:rPr lang="en-HK" sz="1700" dirty="0">
+                <a:solidFill>
+                  <a:schemeClr val="tx1">
+                    <a:lumMod val="65000"/>
+                    <a:lumOff val="35000"/>
+                  </a:schemeClr>
+                </a:solidFill>
+                <a:latin typeface="Calibri" panose="020F0502020204030204" pitchFamily="34" charset="0"/>
+              </a:rPr>
+              <a:t>Store attractiveness &amp; categorisation measures</a:t>
+            </a:r>
+          </a:p>
+          <a:p>
+            <a:pPr marL="742950" lvl="1" indent="-285750">
+              <a:buFont typeface="Arial" panose="020B0604020202020204" pitchFamily="34" charset="0"/>
+              <a:buChar char="•"/>
+              <a:defRPr/>
+            </a:pPr>
+            <a:r>
+              <a:rPr lang="en-HK" sz="1700" dirty="0">
+                <a:solidFill>
+                  <a:schemeClr val="tx1">
+                    <a:lumMod val="65000"/>
+                    <a:lumOff val="35000"/>
+                  </a:schemeClr>
+                </a:solidFill>
+                <a:latin typeface="Calibri" panose="020F0502020204030204" pitchFamily="34" charset="0"/>
+              </a:rPr>
+              <a:t>Brand &amp; SKU listing </a:t>
+            </a:r>
+          </a:p>
+          <a:p>
+            <a:pPr marL="285750" indent="-285750">
+              <a:buFont typeface="Arial" panose="020B0604020202020204" pitchFamily="34" charset="0"/>
+              <a:buChar char="•"/>
+              <a:defRPr/>
+            </a:pPr>
+            <a:endParaRPr lang="en-HK" sz="1700" b="1" dirty="0">
+              <a:solidFill>
+                <a:srgbClr val="C00000"/>
+              </a:solidFill>
+              <a:latin typeface="Calibri" panose="020F0502020204030204" pitchFamily="34" charset="0"/>
+            </a:endParaRPr>
+          </a:p>
+          <a:p>
+            <a:pPr marL="285750" indent="-285750">
+              <a:buFont typeface="Arial" panose="020B0604020202020204" pitchFamily="34" charset="0"/>
+              <a:buChar char="•"/>
+              <a:defRPr/>
+            </a:pPr>
+            <a:r>
+              <a:rPr lang="en-HK" sz="1700" b="1" dirty="0">
+                <a:solidFill>
+                  <a:srgbClr val="C00000"/>
+                </a:solidFill>
+                <a:latin typeface="Calibri" panose="020F0502020204030204" pitchFamily="34" charset="0"/>
+              </a:rPr>
+              <a:t>PROMINENCE – are you easy to find &amp; buy?</a:t>
+            </a:r>
+          </a:p>
+          <a:p>
+            <a:pPr marL="742950" lvl="1" indent="-285750">
+              <a:buFont typeface="Arial" panose="020B0604020202020204" pitchFamily="34" charset="0"/>
+              <a:buChar char="•"/>
+              <a:defRPr/>
+            </a:pPr>
+            <a:r>
+              <a:rPr lang="en-HK" sz="1700" dirty="0">
+                <a:solidFill>
+                  <a:schemeClr val="tx1">
+                    <a:lumMod val="65000"/>
+                    <a:lumOff val="35000"/>
+                  </a:schemeClr>
+                </a:solidFill>
+                <a:latin typeface="Calibri" panose="020F0502020204030204" pitchFamily="34" charset="0"/>
+              </a:rPr>
+              <a:t>Category SKU list building &amp; planogram</a:t>
+            </a:r>
+          </a:p>
+          <a:p>
+            <a:pPr marL="742950" lvl="1" indent="-285750">
+              <a:buFont typeface="Arial" panose="020B0604020202020204" pitchFamily="34" charset="0"/>
+              <a:buChar char="•"/>
+              <a:defRPr/>
+            </a:pPr>
+            <a:r>
+              <a:rPr lang="en-HK" sz="1700" dirty="0">
+                <a:solidFill>
+                  <a:schemeClr val="tx1">
+                    <a:lumMod val="65000"/>
+                    <a:lumOff val="35000"/>
+                  </a:schemeClr>
+                </a:solidFill>
+                <a:latin typeface="Calibri" panose="020F0502020204030204" pitchFamily="34" charset="0"/>
+              </a:rPr>
+              <a:t>Check quality of in store execution/ sales fundamentals</a:t>
+            </a:r>
+          </a:p>
+          <a:p>
+            <a:pPr marL="742950" lvl="1" indent="-285750">
+              <a:buFont typeface="Arial" panose="020B0604020202020204" pitchFamily="34" charset="0"/>
+              <a:buChar char="•"/>
+              <a:defRPr/>
+            </a:pPr>
+            <a:r>
+              <a:rPr lang="en-HK" sz="1700" dirty="0">
+                <a:solidFill>
+                  <a:schemeClr val="tx1">
+                    <a:lumMod val="65000"/>
+                    <a:lumOff val="35000"/>
+                  </a:schemeClr>
+                </a:solidFill>
+                <a:latin typeface="Calibri" panose="020F0502020204030204" pitchFamily="34" charset="0"/>
+              </a:rPr>
+              <a:t>Check Parallel Imports</a:t>
+            </a:r>
+          </a:p>
+          <a:p>
+            <a:pPr marL="742950" lvl="1" indent="-285750">
+              <a:buFont typeface="Arial" panose="020B0604020202020204" pitchFamily="34" charset="0"/>
+              <a:buChar char="•"/>
+              <a:defRPr/>
+            </a:pPr>
+            <a:r>
+              <a:rPr lang="en-HK" sz="1700" dirty="0">
+                <a:solidFill>
+                  <a:schemeClr val="tx1">
+                    <a:lumMod val="65000"/>
+                    <a:lumOff val="35000"/>
+                  </a:schemeClr>
+                </a:solidFill>
+                <a:latin typeface="Calibri" panose="020F0502020204030204" pitchFamily="34" charset="0"/>
+              </a:rPr>
+              <a:t>Category, brand &amp; product in store performance &amp; share</a:t>
+            </a:r>
+          </a:p>
+          <a:p>
+            <a:pPr marL="742950" lvl="1" indent="-285750">
+              <a:buFont typeface="Arial" panose="020B0604020202020204" pitchFamily="34" charset="0"/>
+              <a:buChar char="•"/>
+              <a:defRPr/>
+            </a:pPr>
+            <a:r>
+              <a:rPr lang="en-HK" sz="1700" dirty="0">
+                <a:solidFill>
+                  <a:schemeClr val="tx1">
+                    <a:lumMod val="65000"/>
+                    <a:lumOff val="35000"/>
+                  </a:schemeClr>
+                </a:solidFill>
+                <a:latin typeface="Calibri" panose="020F0502020204030204" pitchFamily="34" charset="0"/>
+              </a:rPr>
+              <a:t>Category &amp; brand POS materials usage &amp; share</a:t>
+            </a:r>
+          </a:p>
+          <a:p>
+            <a:pPr marL="285750" indent="-285750">
+              <a:buFont typeface="Arial" panose="020B0604020202020204" pitchFamily="34" charset="0"/>
+              <a:buChar char="•"/>
+              <a:defRPr/>
+            </a:pPr>
+            <a:endParaRPr lang="en-HK" sz="1700" b="1" dirty="0">
+              <a:solidFill>
+                <a:srgbClr val="347891"/>
+              </a:solidFill>
+              <a:latin typeface="Calibri" panose="020F0502020204030204" pitchFamily="34" charset="0"/>
+            </a:endParaRPr>
+          </a:p>
+          <a:p>
+            <a:pPr marL="285750" indent="-285750">
+              <a:buFont typeface="Arial" panose="020B0604020202020204" pitchFamily="34" charset="0"/>
+              <a:buChar char="•"/>
+              <a:defRPr/>
+            </a:pPr>
+            <a:r>
+              <a:rPr lang="en-HK" sz="1700" b="1" dirty="0">
+                <a:solidFill>
+                  <a:srgbClr val="C00000"/>
+                </a:solidFill>
+                <a:latin typeface="Calibri" panose="020F0502020204030204" pitchFamily="34" charset="0"/>
+              </a:rPr>
+              <a:t>RELEVANCE – do you create &amp; leverage relevance at POS?</a:t>
+            </a:r>
+            <a:endParaRPr lang="en-HK" sz="1700" b="1" dirty="0">
+              <a:solidFill>
+                <a:srgbClr val="347891"/>
+              </a:solidFill>
+              <a:latin typeface="Calibri" panose="020F0502020204030204" pitchFamily="34" charset="0"/>
+            </a:endParaRPr>
+          </a:p>
+          <a:p>
+            <a:pPr marL="742950" lvl="1" indent="-285750">
+              <a:buFont typeface="Arial" panose="020B0604020202020204" pitchFamily="34" charset="0"/>
+              <a:buChar char="•"/>
+              <a:defRPr/>
+            </a:pPr>
+            <a:r>
+              <a:rPr lang="en-HK" sz="1700" dirty="0">
+                <a:solidFill>
+                  <a:schemeClr val="tx1">
+                    <a:lumMod val="65000"/>
+                    <a:lumOff val="35000"/>
+                  </a:schemeClr>
+                </a:solidFill>
+                <a:latin typeface="Calibri" panose="020F0502020204030204" pitchFamily="34" charset="0"/>
+              </a:rPr>
+              <a:t>Shopper experience (in store advocacy &amp; purchase experience)</a:t>
+            </a:r>
+            <a:endParaRPr lang="en-HK" sz="1700" b="1" dirty="0">
+              <a:solidFill>
+                <a:schemeClr val="tx1">
+                  <a:lumMod val="65000"/>
+                  <a:lumOff val="35000"/>
+                </a:schemeClr>
+              </a:solidFill>
+              <a:latin typeface="Calibri" panose="020F0502020204030204" pitchFamily="34" charset="0"/>
+            </a:endParaRPr>
+          </a:p>
+          <a:p>
+            <a:pPr marL="285750" indent="-285750">
+              <a:buFont typeface="Arial" panose="020B0604020202020204" pitchFamily="34" charset="0"/>
+              <a:buChar char="•"/>
+              <a:defRPr/>
+            </a:pPr>
+            <a:endParaRPr lang="en-HK" sz="1700" b="1" dirty="0">
+              <a:solidFill>
+                <a:srgbClr val="C00000"/>
+              </a:solidFill>
+              <a:latin typeface="Calibri" panose="020F0502020204030204" pitchFamily="34" charset="0"/>
+            </a:endParaRPr>
+          </a:p>
+          <a:p>
+            <a:pPr marL="285750" indent="-285750">
+              <a:buFont typeface="Arial" panose="020B0604020202020204" pitchFamily="34" charset="0"/>
+              <a:buChar char="•"/>
+              <a:defRPr/>
+            </a:pPr>
+            <a:r>
+              <a:rPr lang="en-HK" sz="1700" b="1" dirty="0">
+                <a:solidFill>
+                  <a:srgbClr val="C00000"/>
+                </a:solidFill>
+                <a:latin typeface="Calibri" panose="020F0502020204030204" pitchFamily="34" charset="0"/>
+              </a:rPr>
+              <a:t>FOUNDATIONAL &amp; STRATEGIC SUPPORT</a:t>
+            </a:r>
+            <a:endParaRPr lang="en-HK" sz="1700" b="1" dirty="0">
+              <a:solidFill>
+                <a:srgbClr val="347891"/>
+              </a:solidFill>
+              <a:latin typeface="Calibri" panose="020F0502020204030204" pitchFamily="34" charset="0"/>
+            </a:endParaRPr>
+          </a:p>
+          <a:p>
+            <a:pPr marL="742950" lvl="1" indent="-285750">
+              <a:buFont typeface="Arial" panose="020B0604020202020204" pitchFamily="34" charset="0"/>
+              <a:buChar char="•"/>
+              <a:defRPr/>
+            </a:pPr>
+            <a:r>
+              <a:rPr lang="en-HK" sz="1700" dirty="0">
+                <a:solidFill>
+                  <a:schemeClr val="tx1">
+                    <a:lumMod val="65000"/>
+                    <a:lumOff val="35000"/>
+                  </a:schemeClr>
+                </a:solidFill>
+                <a:latin typeface="Calibri" panose="020F0502020204030204" pitchFamily="34" charset="0"/>
+              </a:rPr>
+              <a:t>Category purchase structure by channel, channel selection drivers &amp; channel volumes</a:t>
+            </a:r>
+            <a:endParaRPr lang="en-HK" sz="1700" b="1" dirty="0">
+              <a:solidFill>
+                <a:schemeClr val="tx1">
+                  <a:lumMod val="65000"/>
+                  <a:lumOff val="35000"/>
+                </a:schemeClr>
+              </a:solidFill>
+              <a:latin typeface="Calibri" panose="020F0502020204030204" pitchFamily="34" charset="0"/>
+            </a:endParaRPr>
+          </a:p>
+        </p:txBody>
+      </p:sp>
+      <p:cxnSp>
+        <p:nvCxnSpPr>
+          <p:cNvPr id="8" name="Straight Connector 7">
+            <a:extLst>
+              <a:ext uri="{FF2B5EF4-FFF2-40B4-BE49-F238E27FC236}">
+                <a16:creationId xmlns:a16="http://schemas.microsoft.com/office/drawing/2014/main" id="{6CA49B21-8555-4067-BC49-E5B60DCD3190}"/>
+              </a:ext>
+            </a:extLst>
+          </p:cNvPr>
+          <p:cNvCxnSpPr>
+            <a:cxnSpLocks/>
+          </p:cNvCxnSpPr>
+          <p:nvPr/>
+        </p:nvCxnSpPr>
+        <p:spPr>
+          <a:xfrm>
+            <a:off x="1810652" y="883685"/>
+            <a:ext cx="0" cy="5261476"/>
+          </a:xfrm>
+          <a:prstGeom prst="line">
+            <a:avLst/>
+          </a:prstGeom>
+          <a:ln w="28575">
+            <a:solidFill>
+              <a:schemeClr val="tx1">
+                <a:lumMod val="65000"/>
+                <a:lumOff val="35000"/>
+              </a:schemeClr>
+            </a:solidFill>
+          </a:ln>
+          <a:effectLst/>
+        </p:spPr>
+        <p:style>
+          <a:lnRef idx="2">
+            <a:schemeClr val="accent1"/>
+          </a:lnRef>
+          <a:fillRef idx="0">
+            <a:schemeClr val="accent1"/>
+          </a:fillRef>
+          <a:effectRef idx="1">
+            <a:schemeClr val="accent1"/>
+          </a:effectRef>
+          <a:fontRef idx="minor">
+            <a:schemeClr val="tx1"/>
+          </a:fontRef>
+        </p:style>
+      </p:cxnSp>
+      <p:pic>
+        <p:nvPicPr>
+          <p:cNvPr id="10" name="Picture 9">
+            <a:extLst>
+              <a:ext uri="{FF2B5EF4-FFF2-40B4-BE49-F238E27FC236}">
+                <a16:creationId xmlns:a16="http://schemas.microsoft.com/office/drawing/2014/main" id="{F9ABAE8B-26B6-4866-A4F6-2763F2956B3A}"/>
+              </a:ext>
+            </a:extLst>
+          </p:cNvPr>
+          <p:cNvPicPr>
+            <a:picLocks noChangeAspect="1"/>
+          </p:cNvPicPr>
+          <p:nvPr/>
+        </p:nvPicPr>
+        <p:blipFill>
+          <a:blip r:embed="rId2">
+            <a:extLst>
+              <a:ext uri="{28A0092B-C50C-407E-A947-70E740481C1C}">
+                <a14:useLocalDpi xmlns:a14="http://schemas.microsoft.com/office/drawing/2010/main" val="0"/>
+              </a:ext>
+            </a:extLst>
+          </a:blip>
+          <a:stretch>
+            <a:fillRect/>
+          </a:stretch>
+        </p:blipFill>
+        <p:spPr>
+          <a:xfrm>
+            <a:off x="550243" y="867036"/>
+            <a:ext cx="911402" cy="857956"/>
+          </a:xfrm>
+          <a:prstGeom prst="rect">
+            <a:avLst/>
+          </a:prstGeom>
+        </p:spPr>
+      </p:pic>
+      <p:sp>
+        <p:nvSpPr>
+          <p:cNvPr id="11" name="Rectangle: Rounded Corners 10">
+            <a:extLst>
+              <a:ext uri="{FF2B5EF4-FFF2-40B4-BE49-F238E27FC236}">
+                <a16:creationId xmlns:a16="http://schemas.microsoft.com/office/drawing/2014/main" id="{8534E272-767D-4136-93A6-EAA1C84073AF}"/>
+              </a:ext>
+            </a:extLst>
+          </p:cNvPr>
+          <p:cNvSpPr/>
+          <p:nvPr/>
+        </p:nvSpPr>
+        <p:spPr>
+          <a:xfrm>
+            <a:off x="10348587" y="4594343"/>
+            <a:ext cx="1616396" cy="1549343"/>
+          </a:xfrm>
+          <a:prstGeom prst="roundRect">
+            <a:avLst>
+              <a:gd name="adj" fmla="val 8346"/>
+            </a:avLst>
+          </a:prstGeom>
+          <a:noFill/>
+          <a:ln w="28575">
+            <a:solidFill>
+              <a:srgbClr val="C00000"/>
+            </a:solidFill>
+          </a:ln>
+        </p:spPr>
+        <p:style>
+          <a:lnRef idx="2">
+            <a:schemeClr val="accent1">
+              <a:shade val="50000"/>
+            </a:schemeClr>
+          </a:lnRef>
+          <a:fillRef idx="1">
+            <a:schemeClr val="accent1"/>
+          </a:fillRef>
+          <a:effectRef idx="0">
+            <a:schemeClr val="accent1"/>
+          </a:effectRef>
+          <a:fontRef idx="minor">
+            <a:schemeClr val="lt1"/>
+          </a:fontRef>
+        </p:style>
+        <p:txBody>
+          <a:bodyPr rtlCol="0" anchor="ctr"/>
+          <a:lstStyle/>
+          <a:p>
+            <a:pPr algn="ctr"/>
+            <a:endParaRPr lang="en-HK"/>
+          </a:p>
+        </p:txBody>
+      </p:sp>
+      <p:pic>
+        <p:nvPicPr>
+          <p:cNvPr id="6" name="Picture 5" descr="A close up of a sign&#10;&#10;Description automatically generated">
+            <a:extLst>
+              <a:ext uri="{FF2B5EF4-FFF2-40B4-BE49-F238E27FC236}">
+                <a16:creationId xmlns:a16="http://schemas.microsoft.com/office/drawing/2014/main" id="{DBDD64BB-A253-4892-946E-0893D0D508BB}"/>
+              </a:ext>
+            </a:extLst>
+          </p:cNvPr>
+          <p:cNvPicPr>
+            <a:picLocks noChangeAspect="1"/>
+          </p:cNvPicPr>
+          <p:nvPr/>
+        </p:nvPicPr>
+        <p:blipFill>
+          <a:blip r:embed="rId3" cstate="hqprint">
+            <a:extLst>
+              <a:ext uri="{28A0092B-C50C-407E-A947-70E740481C1C}">
+                <a14:useLocalDpi xmlns:a14="http://schemas.microsoft.com/office/drawing/2010/main" val="0"/>
+              </a:ext>
+            </a:extLst>
+          </a:blip>
+          <a:stretch>
+            <a:fillRect/>
+          </a:stretch>
+        </p:blipFill>
+        <p:spPr>
+          <a:xfrm>
+            <a:off x="9112914" y="5242149"/>
+            <a:ext cx="772996" cy="862188"/>
+          </a:xfrm>
+          <a:prstGeom prst="rect">
+            <a:avLst/>
+          </a:prstGeom>
+        </p:spPr>
+      </p:pic>
+      <p:pic>
+        <p:nvPicPr>
+          <p:cNvPr id="12" name="Picture 11" descr="A close up of a sign&#10;&#10;Description automatically generated">
+            <a:extLst>
+              <a:ext uri="{FF2B5EF4-FFF2-40B4-BE49-F238E27FC236}">
+                <a16:creationId xmlns:a16="http://schemas.microsoft.com/office/drawing/2014/main" id="{E260F42C-1B53-44B1-BC18-3F6232503832}"/>
+              </a:ext>
+            </a:extLst>
+          </p:cNvPr>
+          <p:cNvPicPr>
+            <a:picLocks noChangeAspect="1"/>
+          </p:cNvPicPr>
+          <p:nvPr/>
+        </p:nvPicPr>
+        <p:blipFill>
+          <a:blip r:embed="rId4" cstate="hqprint">
+            <a:extLst>
+              <a:ext uri="{28A0092B-C50C-407E-A947-70E740481C1C}">
+                <a14:useLocalDpi xmlns:a14="http://schemas.microsoft.com/office/drawing/2010/main" val="0"/>
+              </a:ext>
+            </a:extLst>
+          </a:blip>
+          <a:stretch>
+            <a:fillRect/>
+          </a:stretch>
+        </p:blipFill>
+        <p:spPr>
+          <a:xfrm>
+            <a:off x="10727746" y="5220277"/>
+            <a:ext cx="914910" cy="825213"/>
+          </a:xfrm>
+          <a:prstGeom prst="rect">
+            <a:avLst/>
+          </a:prstGeom>
+        </p:spPr>
+      </p:pic>
+      <p:sp>
+        <p:nvSpPr>
+          <p:cNvPr id="13" name="TextBox 12">
+            <a:extLst>
+              <a:ext uri="{FF2B5EF4-FFF2-40B4-BE49-F238E27FC236}">
+                <a16:creationId xmlns:a16="http://schemas.microsoft.com/office/drawing/2014/main" id="{9C79DDB3-7227-4933-A15A-D406E5009B3E}"/>
+              </a:ext>
+            </a:extLst>
+          </p:cNvPr>
+          <p:cNvSpPr txBox="1"/>
+          <p:nvPr/>
+        </p:nvSpPr>
+        <p:spPr>
+          <a:xfrm>
+            <a:off x="8642009" y="4588277"/>
+            <a:ext cx="1429301" cy="646331"/>
+          </a:xfrm>
+          <a:prstGeom prst="rect">
+            <a:avLst/>
+          </a:prstGeom>
+          <a:noFill/>
+        </p:spPr>
+        <p:txBody>
+          <a:bodyPr wrap="square" rtlCol="0">
+            <a:spAutoFit/>
+          </a:bodyPr>
+          <a:lstStyle/>
+          <a:p>
+            <a:r>
+              <a:rPr lang="en-HK" dirty="0">
+                <a:solidFill>
+                  <a:schemeClr val="tx1">
+                    <a:lumMod val="65000"/>
+                    <a:lumOff val="35000"/>
+                  </a:schemeClr>
+                </a:solidFill>
+                <a:latin typeface="Calibri" panose="020F0502020204030204" pitchFamily="34" charset="0"/>
+              </a:rPr>
+              <a:t>Compliance</a:t>
+            </a:r>
+          </a:p>
+          <a:p>
+            <a:r>
+              <a:rPr lang="en-HK" dirty="0">
+                <a:solidFill>
+                  <a:schemeClr val="tx1">
+                    <a:lumMod val="65000"/>
+                    <a:lumOff val="35000"/>
+                  </a:schemeClr>
+                </a:solidFill>
+                <a:latin typeface="Calibri" panose="020F0502020204030204" pitchFamily="34" charset="0"/>
+              </a:rPr>
+              <a:t>Checking</a:t>
+            </a:r>
+          </a:p>
+        </p:txBody>
+      </p:sp>
+      <p:sp>
+        <p:nvSpPr>
+          <p:cNvPr id="15" name="TextBox 14">
+            <a:extLst>
+              <a:ext uri="{FF2B5EF4-FFF2-40B4-BE49-F238E27FC236}">
+                <a16:creationId xmlns:a16="http://schemas.microsoft.com/office/drawing/2014/main" id="{D8D2048C-36E4-4B6E-86E8-5CCD2A1270A3}"/>
+              </a:ext>
+            </a:extLst>
+          </p:cNvPr>
+          <p:cNvSpPr txBox="1"/>
+          <p:nvPr/>
+        </p:nvSpPr>
+        <p:spPr>
+          <a:xfrm>
+            <a:off x="10348587" y="4573946"/>
+            <a:ext cx="1616390" cy="646331"/>
+          </a:xfrm>
+          <a:prstGeom prst="rect">
+            <a:avLst/>
+          </a:prstGeom>
+          <a:noFill/>
+        </p:spPr>
+        <p:txBody>
+          <a:bodyPr wrap="square" rtlCol="0">
+            <a:spAutoFit/>
+          </a:bodyPr>
+          <a:lstStyle/>
+          <a:p>
+            <a:r>
+              <a:rPr lang="en-HK" dirty="0">
+                <a:solidFill>
+                  <a:schemeClr val="tx1">
+                    <a:lumMod val="65000"/>
+                    <a:lumOff val="35000"/>
+                  </a:schemeClr>
+                </a:solidFill>
+                <a:latin typeface="Calibri" panose="020F0502020204030204" pitchFamily="34" charset="0"/>
+              </a:rPr>
+              <a:t>Consumer Experience</a:t>
+            </a:r>
+          </a:p>
+        </p:txBody>
+      </p:sp>
+      <p:sp>
+        <p:nvSpPr>
+          <p:cNvPr id="17" name="Rectangle: Rounded Corners 16">
+            <a:extLst>
+              <a:ext uri="{FF2B5EF4-FFF2-40B4-BE49-F238E27FC236}">
+                <a16:creationId xmlns:a16="http://schemas.microsoft.com/office/drawing/2014/main" id="{AA58C417-7DC5-47F5-A744-F419D17FDC69}"/>
+              </a:ext>
+            </a:extLst>
+          </p:cNvPr>
+          <p:cNvSpPr/>
+          <p:nvPr/>
+        </p:nvSpPr>
+        <p:spPr>
+          <a:xfrm>
+            <a:off x="8618923" y="4595818"/>
+            <a:ext cx="1616396" cy="1549343"/>
+          </a:xfrm>
+          <a:prstGeom prst="roundRect">
+            <a:avLst>
+              <a:gd name="adj" fmla="val 8346"/>
+            </a:avLst>
+          </a:prstGeom>
+          <a:noFill/>
+          <a:ln w="28575">
+            <a:solidFill>
+              <a:srgbClr val="C00000"/>
+            </a:solidFill>
+          </a:ln>
+        </p:spPr>
+        <p:style>
+          <a:lnRef idx="2">
+            <a:schemeClr val="accent1">
+              <a:shade val="50000"/>
+            </a:schemeClr>
+          </a:lnRef>
+          <a:fillRef idx="1">
+            <a:schemeClr val="accent1"/>
+          </a:fillRef>
+          <a:effectRef idx="0">
+            <a:schemeClr val="accent1"/>
+          </a:effectRef>
+          <a:fontRef idx="minor">
+            <a:schemeClr val="lt1"/>
+          </a:fontRef>
+        </p:style>
+        <p:txBody>
+          <a:bodyPr rtlCol="0" anchor="ctr"/>
+          <a:lstStyle/>
+          <a:p>
+            <a:pPr algn="ctr"/>
+            <a:endParaRPr lang="en-HK"/>
+          </a:p>
+        </p:txBody>
+      </p:sp>
+      <p:sp>
+        <p:nvSpPr>
+          <p:cNvPr id="4" name="Slide Number Placeholder 3">
+            <a:extLst>
+              <a:ext uri="{FF2B5EF4-FFF2-40B4-BE49-F238E27FC236}">
+                <a16:creationId xmlns:a16="http://schemas.microsoft.com/office/drawing/2014/main" id="{53511577-35CF-4784-AE9A-5E0CDC037ED8}"/>
+              </a:ext>
+            </a:extLst>
+          </p:cNvPr>
+          <p:cNvSpPr>
+            <a:spLocks noGrp="1"/>
+          </p:cNvSpPr>
+          <p:nvPr>
+            <p:ph type="sldNum" sz="quarter" idx="4"/>
+          </p:nvPr>
+        </p:nvSpPr>
+        <p:spPr/>
+        <p:txBody>
+          <a:bodyPr/>
+          <a:lstStyle/>
+          <a:p>
+            <a:fld id="{041C6976-BE5D-4658-9F25-132912CB2553}" type="slidenum">
+              <a:rPr lang="en-HK" sz="1400" b="0" smtClean="0"/>
+              <a:t>20</a:t>
+            </a:fld>
+            <a:endParaRPr lang="en-HK" sz="1400" b="0" dirty="0"/>
+          </a:p>
+        </p:txBody>
+      </p:sp>
+    </p:spTree>
+    <p:extLst>
+      <p:ext uri="{BB962C8B-B14F-4D97-AF65-F5344CB8AC3E}">
+        <p14:creationId xmlns:p14="http://schemas.microsoft.com/office/powerpoint/2010/main" val="394282724"/>
+      </p:ext>
+    </p:extLst>
+  </p:cSld>
+  <p:clrMapOvr>
+    <a:masterClrMapping/>
+  </p:clrMapOvr>
+  <p:timing>
+    <p:tnLst>
+      <p:par>
+        <p:cTn id="1" dur="indefinite" restart="never" nodeType="tmRoot"/>
+      </p:par>
+    </p:tnLst>
+  </p:timing>
+</p:sld>
+</file>
+
+<file path=ppt/slides/slide21.xml><?xml version="1.0" encoding="utf-8"?>
+<p:sld xmlns:a="http://schemas.openxmlformats.org/drawingml/2006/main" xmlns:r="http://schemas.openxmlformats.org/officeDocument/2006/relationships" xmlns:p="http://schemas.openxmlformats.org/presentationml/2006/main">
+  <p:cSld>
+    <p:spTree>
+      <p:nvGrpSpPr>
+        <p:cNvPr id="1" name=""/>
+        <p:cNvGrpSpPr/>
+        <p:nvPr/>
+      </p:nvGrpSpPr>
+      <p:grpSpPr>
+        <a:xfrm>
+          <a:off x="0" y="0"/>
+          <a:ext cx="0" cy="0"/>
+          <a:chOff x="0" y="0"/>
+          <a:chExt cx="0" cy="0"/>
+        </a:xfrm>
+      </p:grpSpPr>
+      <p:sp>
+        <p:nvSpPr>
+          <p:cNvPr id="46" name="TextBox 45">
+            <a:extLst>
+              <a:ext uri="{FF2B5EF4-FFF2-40B4-BE49-F238E27FC236}">
+                <a16:creationId xmlns:a16="http://schemas.microsoft.com/office/drawing/2014/main" id="{83BCF4F6-93AB-4D46-B9A0-2C133C0AC405}"/>
+              </a:ext>
+            </a:extLst>
+          </p:cNvPr>
+          <p:cNvSpPr txBox="1"/>
+          <p:nvPr/>
+        </p:nvSpPr>
+        <p:spPr>
+          <a:xfrm>
+            <a:off x="6430649" y="2613392"/>
+            <a:ext cx="6025705" cy="707886"/>
+          </a:xfrm>
+          <a:prstGeom prst="rect">
+            <a:avLst/>
+          </a:prstGeom>
+          <a:noFill/>
+        </p:spPr>
+        <p:txBody>
+          <a:bodyPr wrap="square" rtlCol="0">
+            <a:spAutoFit/>
+          </a:bodyPr>
+          <a:lstStyle/>
+          <a:p>
+            <a:pPr marL="0" marR="0" lvl="0" indent="0" algn="l" defTabSz="914400" rtl="0" eaLnBrk="1" fontAlgn="auto" latinLnBrk="0" hangingPunct="1">
+              <a:lnSpc>
+                <a:spcPct val="100000"/>
+              </a:lnSpc>
+              <a:spcBef>
+                <a:spcPts val="0"/>
+              </a:spcBef>
+              <a:spcAft>
+                <a:spcPts val="0"/>
+              </a:spcAft>
+              <a:buClrTx/>
+              <a:buSzTx/>
+              <a:buFontTx/>
+              <a:buNone/>
+              <a:tabLst/>
+              <a:defRPr/>
+            </a:pPr>
+            <a:r>
+              <a:rPr lang="en-US" sz="2000" kern="0" dirty="0">
+                <a:solidFill>
+                  <a:srgbClr val="EF4751"/>
+                </a:solidFill>
+                <a:ea typeface="Microsoft JhengHei" panose="020B0604030504040204" pitchFamily="34" charset="-120"/>
+                <a:cs typeface="Arial" panose="020B0604020202020204" pitchFamily="34" charset="0"/>
+              </a:rPr>
+              <a:t>contact.dz@salmdjareb.com </a:t>
+            </a:r>
+          </a:p>
+          <a:p>
+            <a:pPr lvl="0">
+              <a:defRPr/>
+            </a:pPr>
+            <a:r>
+              <a:rPr lang="en-US" sz="2000" kern="0" dirty="0">
+                <a:solidFill>
+                  <a:srgbClr val="EF4751"/>
+                </a:solidFill>
+                <a:ea typeface="Microsoft JhengHei" panose="020B0604030504040204" pitchFamily="34" charset="-120"/>
+                <a:cs typeface="Arial" panose="020B0604020202020204" pitchFamily="34" charset="0"/>
+              </a:rPr>
+              <a:t>www.salmdjareb.com</a:t>
+            </a:r>
+          </a:p>
+        </p:txBody>
+      </p:sp>
+      <p:sp>
+        <p:nvSpPr>
+          <p:cNvPr id="5" name="TextBox 4">
+            <a:extLst>
+              <a:ext uri="{FF2B5EF4-FFF2-40B4-BE49-F238E27FC236}">
+                <a16:creationId xmlns:a16="http://schemas.microsoft.com/office/drawing/2014/main" id="{7D138695-34DE-4CC2-93EC-4EEA4384D7EF}"/>
+              </a:ext>
+            </a:extLst>
+          </p:cNvPr>
+          <p:cNvSpPr txBox="1"/>
+          <p:nvPr/>
+        </p:nvSpPr>
+        <p:spPr>
+          <a:xfrm>
+            <a:off x="642470" y="380433"/>
+            <a:ext cx="3705595" cy="701731"/>
+          </a:xfrm>
+          <a:prstGeom prst="rect">
+            <a:avLst/>
+          </a:prstGeom>
+          <a:noFill/>
+        </p:spPr>
+        <p:txBody>
+          <a:bodyPr wrap="square" rtlCol="0">
+            <a:spAutoFit/>
+          </a:bodyPr>
+          <a:lstStyle/>
+          <a:p>
+            <a:pPr marR="0" lvl="0" indent="0" defTabSz="342900" fontAlgn="auto">
+              <a:lnSpc>
+                <a:spcPct val="90000"/>
+              </a:lnSpc>
+              <a:spcBef>
+                <a:spcPct val="0"/>
+              </a:spcBef>
+              <a:spcAft>
+                <a:spcPts val="0"/>
+              </a:spcAft>
+              <a:buClrTx/>
+              <a:buSzTx/>
+              <a:tabLst/>
+              <a:defRPr/>
+            </a:pPr>
+            <a:r>
+              <a:rPr lang="en-US" sz="4400" kern="0" dirty="0">
+                <a:solidFill>
+                  <a:srgbClr val="EF4751"/>
+                </a:solidFill>
+                <a:latin typeface="Geogrotesque Rg" panose="02000000000000000000" pitchFamily="50" charset="0"/>
+                <a:ea typeface="Microsoft JhengHei" panose="020B0604030504040204" pitchFamily="34" charset="-120"/>
+                <a:cs typeface="Calibri" panose="020F0502020204030204" pitchFamily="34" charset="0"/>
+              </a:rPr>
+              <a:t>Thank you</a:t>
+            </a:r>
+          </a:p>
+        </p:txBody>
+      </p:sp>
+      <p:cxnSp>
+        <p:nvCxnSpPr>
+          <p:cNvPr id="7" name="Straight Connector 6">
+            <a:extLst>
+              <a:ext uri="{FF2B5EF4-FFF2-40B4-BE49-F238E27FC236}">
+                <a16:creationId xmlns:a16="http://schemas.microsoft.com/office/drawing/2014/main" id="{E6EEA850-A0E8-4A91-9792-CBCF6DA85AA7}"/>
+              </a:ext>
+            </a:extLst>
+          </p:cNvPr>
+          <p:cNvCxnSpPr>
+            <a:cxnSpLocks/>
+          </p:cNvCxnSpPr>
+          <p:nvPr/>
+        </p:nvCxnSpPr>
+        <p:spPr>
+          <a:xfrm>
+            <a:off x="6099623" y="1262743"/>
+            <a:ext cx="0" cy="4480967"/>
+          </a:xfrm>
+          <a:prstGeom prst="line">
+            <a:avLst/>
+          </a:prstGeom>
+          <a:ln w="28575">
+            <a:solidFill>
+              <a:schemeClr val="tx1">
+                <a:lumMod val="65000"/>
+                <a:lumOff val="35000"/>
+              </a:schemeClr>
+            </a:solidFill>
+          </a:ln>
+          <a:effectLst/>
+        </p:spPr>
+        <p:style>
+          <a:lnRef idx="2">
+            <a:schemeClr val="accent1"/>
+          </a:lnRef>
+          <a:fillRef idx="0">
+            <a:schemeClr val="accent1"/>
+          </a:fillRef>
+          <a:effectRef idx="1">
+            <a:schemeClr val="accent1"/>
+          </a:effectRef>
+          <a:fontRef idx="minor">
+            <a:schemeClr val="tx1"/>
+          </a:fontRef>
+        </p:style>
+      </p:cxnSp>
+      <p:sp>
+        <p:nvSpPr>
+          <p:cNvPr id="2" name="Footer Placeholder 1">
+            <a:extLst>
+              <a:ext uri="{FF2B5EF4-FFF2-40B4-BE49-F238E27FC236}">
+                <a16:creationId xmlns:a16="http://schemas.microsoft.com/office/drawing/2014/main" id="{71DB1721-403A-4BE5-947A-A31FBD8B91B4}"/>
+              </a:ext>
+            </a:extLst>
+          </p:cNvPr>
+          <p:cNvSpPr>
+            <a:spLocks noGrp="1"/>
+          </p:cNvSpPr>
+          <p:nvPr>
+            <p:ph type="ftr" sz="quarter" idx="11"/>
+          </p:nvPr>
+        </p:nvSpPr>
+        <p:spPr/>
+        <p:txBody>
+          <a:bodyPr/>
+          <a:lstStyle/>
+          <a:p>
+            <a:r>
+              <a:rPr lang="en-HK"/>
+              <a:t>Strictly Confidential</a:t>
+            </a:r>
+            <a:endParaRPr lang="en-HK" dirty="0"/>
+          </a:p>
+        </p:txBody>
+      </p:sp>
+      <p:sp>
+        <p:nvSpPr>
+          <p:cNvPr id="4" name="Slide Number Placeholder 3">
+            <a:extLst>
+              <a:ext uri="{FF2B5EF4-FFF2-40B4-BE49-F238E27FC236}">
+                <a16:creationId xmlns:a16="http://schemas.microsoft.com/office/drawing/2014/main" id="{28165804-64B6-4C96-B8EF-A1823FF61AE0}"/>
+              </a:ext>
+            </a:extLst>
+          </p:cNvPr>
+          <p:cNvSpPr>
+            <a:spLocks noGrp="1"/>
+          </p:cNvSpPr>
+          <p:nvPr>
+            <p:ph type="sldNum" sz="quarter" idx="12"/>
+          </p:nvPr>
+        </p:nvSpPr>
+        <p:spPr/>
+        <p:txBody>
+          <a:bodyPr/>
+          <a:lstStyle/>
+          <a:p>
+            <a:fld id="{A7C83B54-5B68-4C34-ADA0-4D0778B429CD}" type="slidenum">
+              <a:rPr lang="en-HK" smtClean="0"/>
+              <a:t>21</a:t>
+            </a:fld>
+            <a:endParaRPr lang="en-HK" dirty="0"/>
+          </a:p>
+        </p:txBody>
+      </p:sp>
+      <p:pic>
+        <p:nvPicPr>
+          <p:cNvPr id="8" name="Picture 7">
+            <a:extLst>
+              <a:ext uri="{FF2B5EF4-FFF2-40B4-BE49-F238E27FC236}">
+                <a16:creationId xmlns:a16="http://schemas.microsoft.com/office/drawing/2014/main" id="{CC2A147C-A12A-F2C2-CC2D-B88F3583831A}"/>
+              </a:ext>
+            </a:extLst>
+          </p:cNvPr>
+          <p:cNvPicPr>
+            <a:picLocks noChangeAspect="1"/>
+          </p:cNvPicPr>
+          <p:nvPr/>
+        </p:nvPicPr>
+        <p:blipFill>
+          <a:blip r:embed="rId2"/>
+          <a:stretch>
+            <a:fillRect/>
+          </a:stretch>
+        </p:blipFill>
+        <p:spPr>
+          <a:xfrm>
+            <a:off x="5119825" y="3084178"/>
+            <a:ext cx="542857" cy="838095"/>
+          </a:xfrm>
+          <a:prstGeom prst="rect">
+            <a:avLst/>
+          </a:prstGeom>
+        </p:spPr>
+      </p:pic>
+      <mc:AlternateContent xmlns:mc="http://schemas.openxmlformats.org/markup-compatibility/2006" xmlns:p14="http://schemas.microsoft.com/office/powerpoint/2010/main">
+        <mc:Choice Requires="p14">
+          <p:contentPart p14:bwMode="auto" r:id="rId3">
+            <p14:nvContentPartPr>
+              <p14:cNvPr id="3" name="Ink 2"/>
+              <p14:cNvContentPartPr/>
+              <p14:nvPr/>
+            </p14:nvContentPartPr>
+            <p14:xfrm>
+              <a:off x="0" y="1855800"/>
+              <a:ext cx="9090720" cy="3774600"/>
+            </p14:xfrm>
+          </p:contentPart>
+        </mc:Choice>
+        <mc:Fallback xmlns="">
+          <p:pic>
+            <p:nvPicPr>
+              <p:cNvPr id="3" name="Ink 2"/>
+              <p:cNvPicPr/>
+              <p:nvPr/>
+            </p:nvPicPr>
+            <p:blipFill>
+              <a:blip r:embed="rId4"/>
+              <a:stretch>
+                <a:fillRect/>
+              </a:stretch>
+            </p:blipFill>
+            <p:spPr>
+              <a:xfrm>
+                <a:off x="-9360" y="1846440"/>
+                <a:ext cx="9109440" cy="3793320"/>
+              </a:xfrm>
+              <a:prstGeom prst="rect">
+                <a:avLst/>
+              </a:prstGeom>
+            </p:spPr>
+          </p:pic>
+        </mc:Fallback>
+      </mc:AlternateContent>
+    </p:spTree>
+    <p:extLst>
+      <p:ext uri="{BB962C8B-B14F-4D97-AF65-F5344CB8AC3E}">
+        <p14:creationId xmlns:p14="http://schemas.microsoft.com/office/powerpoint/2010/main" val="360675991"/>
       </p:ext>
     </p:extLst>
   </p:cSld>
@@ -26222,9 +32435,12 @@
 </file>
 
 <file path=customXml/item1.xml><?xml version="1.0" encoding="utf-8"?>
-<p:properties xmlns:p="http://schemas.microsoft.com/office/2006/metadata/properties" xmlns:xsi="http://www.w3.org/2001/XMLSchema-instance" xmlns:pc="http://schemas.microsoft.com/office/infopath/2007/PartnerControls">
-  <documentManagement/>
-</p:properties>
+<?mso-contentType ?>
+<FormTemplates xmlns="http://schemas.microsoft.com/sharepoint/v3/contenttype/forms">
+  <Display>DocumentLibraryForm</Display>
+  <Edit>DocumentLibraryForm</Edit>
+  <New>DocumentLibraryForm</New>
+</FormTemplates>
 </file>
 
 <file path=customXml/item2.xml><?xml version="1.0" encoding="utf-8"?>
@@ -26360,19 +32576,15 @@
 </file>
 
 <file path=customXml/item3.xml><?xml version="1.0" encoding="utf-8"?>
-<?mso-contentType ?>
-<FormTemplates xmlns="http://schemas.microsoft.com/sharepoint/v3/contenttype/forms">
-  <Display>DocumentLibraryForm</Display>
-  <Edit>DocumentLibraryForm</Edit>
-  <New>DocumentLibraryForm</New>
-</FormTemplates>
+<p:properties xmlns:p="http://schemas.microsoft.com/office/2006/metadata/properties" xmlns:xsi="http://www.w3.org/2001/XMLSchema-instance" xmlns:pc="http://schemas.microsoft.com/office/infopath/2007/PartnerControls">
+  <documentManagement/>
+</p:properties>
 </file>
 
 <file path=customXml/itemProps1.xml><?xml version="1.0" encoding="utf-8"?>
-<ds:datastoreItem xmlns:ds="http://schemas.openxmlformats.org/officeDocument/2006/customXml" ds:itemID="{A9FF260C-E5D1-474A-86FC-544E975830D4}">
+<ds:datastoreItem xmlns:ds="http://schemas.openxmlformats.org/officeDocument/2006/customXml" ds:itemID="{C532A085-6CBD-4AFE-8F65-F16F79DE23AA}">
   <ds:schemaRefs>
-    <ds:schemaRef ds:uri="http://schemas.microsoft.com/office/2006/metadata/properties"/>
-    <ds:schemaRef ds:uri="http://schemas.microsoft.com/office/infopath/2007/PartnerControls"/>
+    <ds:schemaRef ds:uri="http://schemas.microsoft.com/sharepoint/v3/contenttype/forms"/>
   </ds:schemaRefs>
 </ds:datastoreItem>
 </file>
@@ -26396,9 +32608,10 @@
 </file>
 
 <file path=customXml/itemProps3.xml><?xml version="1.0" encoding="utf-8"?>
-<ds:datastoreItem xmlns:ds="http://schemas.openxmlformats.org/officeDocument/2006/customXml" ds:itemID="{C532A085-6CBD-4AFE-8F65-F16F79DE23AA}">
+<ds:datastoreItem xmlns:ds="http://schemas.openxmlformats.org/officeDocument/2006/customXml" ds:itemID="{A9FF260C-E5D1-474A-86FC-544E975830D4}">
   <ds:schemaRefs>
-    <ds:schemaRef ds:uri="http://schemas.microsoft.com/sharepoint/v3/contenttype/forms"/>
+    <ds:schemaRef ds:uri="http://schemas.microsoft.com/office/2006/metadata/properties"/>
+    <ds:schemaRef ds:uri="http://schemas.microsoft.com/office/infopath/2007/PartnerControls"/>
   </ds:schemaRefs>
 </ds:datastoreItem>
 </file>